--- a/Præsentation_exam.pptx
+++ b/Præsentation_exam.pptx
@@ -6,6 +6,12 @@
   </p:sldMasterIdLst>
   <p:sldIdLst>
     <p:sldId id="256" r:id="rId2"/>
+    <p:sldId id="262" r:id="rId3"/>
+    <p:sldId id="258" r:id="rId4"/>
+    <p:sldId id="259" r:id="rId5"/>
+    <p:sldId id="260" r:id="rId6"/>
+    <p:sldId id="257" r:id="rId7"/>
+    <p:sldId id="261" r:id="rId8"/>
   </p:sldIdLst>
   <p:sldSz cx="12192000" cy="6858000"/>
   <p:notesSz cx="6858000" cy="9144000"/>
@@ -104,7 +110,771 @@
       </a:defRPr>
     </a:lvl9pPr>
   </p:defaultTextStyle>
+  <p:extLst>
+    <p:ext uri="{EFAFB233-063F-42B5-8137-9DF3F51BA10A}">
+      <p15:sldGuideLst xmlns:p15="http://schemas.microsoft.com/office/powerpoint/2012/main"/>
+    </p:ext>
+  </p:extLst>
 </p:presentation>
+</file>
+
+<file path=ppt/revisionInfo.xml><?xml version="1.0" encoding="utf-8"?>
+<p1510:revInfo xmlns:a="http://schemas.openxmlformats.org/drawingml/2006/main" xmlns:r="http://schemas.openxmlformats.org/officeDocument/2006/relationships" xmlns:p1510="http://schemas.microsoft.com/office/powerpoint/2015/10/main">
+  <p1510:revLst>
+    <p1510:client id="{63C584C3-4C84-4F7F-93A2-6B0127D34D12}" v="52" dt="2023-05-24T12:17:44.808"/>
+  </p1510:revLst>
+</p1510:revInfo>
+</file>
+
+<file path=ppt/changesInfos/changesInfo1.xml><?xml version="1.0" encoding="utf-8"?>
+<pc:chgInfo xmlns:a="http://schemas.openxmlformats.org/drawingml/2006/main" xmlns:r="http://schemas.openxmlformats.org/officeDocument/2006/relationships" xmlns:ac="http://schemas.microsoft.com/office/drawing/2013/main/command" xmlns:pc="http://schemas.microsoft.com/office/powerpoint/2013/main/command">
+  <pc:docChgLst>
+    <pc:chgData name="Andreas Hansen" userId="ad92916056b3865a" providerId="LiveId" clId="{63C584C3-4C84-4F7F-93A2-6B0127D34D12}"/>
+    <pc:docChg chg="undo redo custSel addSld modSld sldOrd">
+      <pc:chgData name="Andreas Hansen" userId="ad92916056b3865a" providerId="LiveId" clId="{63C584C3-4C84-4F7F-93A2-6B0127D34D12}" dt="2023-05-24T12:18:28.680" v="326" actId="2711"/>
+      <pc:docMkLst>
+        <pc:docMk/>
+      </pc:docMkLst>
+      <pc:sldChg chg="addSp delSp modSp mod setBg addAnim delAnim modAnim setClrOvrMap">
+        <pc:chgData name="Andreas Hansen" userId="ad92916056b3865a" providerId="LiveId" clId="{63C584C3-4C84-4F7F-93A2-6B0127D34D12}" dt="2023-05-24T12:17:44.808" v="320" actId="404"/>
+        <pc:sldMkLst>
+          <pc:docMk/>
+          <pc:sldMk cId="2139418913" sldId="256"/>
+        </pc:sldMkLst>
+        <pc:spChg chg="mod">
+          <ac:chgData name="Andreas Hansen" userId="ad92916056b3865a" providerId="LiveId" clId="{63C584C3-4C84-4F7F-93A2-6B0127D34D12}" dt="2023-05-24T12:17:44.808" v="320" actId="404"/>
+          <ac:spMkLst>
+            <pc:docMk/>
+            <pc:sldMk cId="2139418913" sldId="256"/>
+            <ac:spMk id="2" creationId="{498DFB73-AC0E-865D-5FBF-A7DBC750E279}"/>
+          </ac:spMkLst>
+        </pc:spChg>
+        <pc:spChg chg="mod">
+          <ac:chgData name="Andreas Hansen" userId="ad92916056b3865a" providerId="LiveId" clId="{63C584C3-4C84-4F7F-93A2-6B0127D34D12}" dt="2023-05-24T12:17:20.784" v="313" actId="2711"/>
+          <ac:spMkLst>
+            <pc:docMk/>
+            <pc:sldMk cId="2139418913" sldId="256"/>
+            <ac:spMk id="3" creationId="{E07BC136-81FE-5B70-F607-E59609EC1F56}"/>
+          </ac:spMkLst>
+        </pc:spChg>
+        <pc:spChg chg="add del">
+          <ac:chgData name="Andreas Hansen" userId="ad92916056b3865a" providerId="LiveId" clId="{63C584C3-4C84-4F7F-93A2-6B0127D34D12}" dt="2023-05-24T12:14:17.309" v="173" actId="26606"/>
+          <ac:spMkLst>
+            <pc:docMk/>
+            <pc:sldMk cId="2139418913" sldId="256"/>
+            <ac:spMk id="6" creationId="{9B7AD9F6-8CE7-4299-8FC6-328F4DCD3FF9}"/>
+          </ac:spMkLst>
+        </pc:spChg>
+        <pc:spChg chg="add del">
+          <ac:chgData name="Andreas Hansen" userId="ad92916056b3865a" providerId="LiveId" clId="{63C584C3-4C84-4F7F-93A2-6B0127D34D12}" dt="2023-05-24T12:13:07.682" v="138" actId="26606"/>
+          <ac:spMkLst>
+            <pc:docMk/>
+            <pc:sldMk cId="2139418913" sldId="256"/>
+            <ac:spMk id="8" creationId="{934F1179-B481-4F9E-BCA3-AFB972070F83}"/>
+          </ac:spMkLst>
+        </pc:spChg>
+        <pc:spChg chg="add del">
+          <ac:chgData name="Andreas Hansen" userId="ad92916056b3865a" providerId="LiveId" clId="{63C584C3-4C84-4F7F-93A2-6B0127D34D12}" dt="2023-05-24T12:12:56.561" v="129" actId="26606"/>
+          <ac:spMkLst>
+            <pc:docMk/>
+            <pc:sldMk cId="2139418913" sldId="256"/>
+            <ac:spMk id="9" creationId="{C1DD1A8A-57D5-4A81-AD04-532B043C5611}"/>
+          </ac:spMkLst>
+        </pc:spChg>
+        <pc:spChg chg="add del">
+          <ac:chgData name="Andreas Hansen" userId="ad92916056b3865a" providerId="LiveId" clId="{63C584C3-4C84-4F7F-93A2-6B0127D34D12}" dt="2023-05-24T12:13:05.903" v="136" actId="26606"/>
+          <ac:spMkLst>
+            <pc:docMk/>
+            <pc:sldMk cId="2139418913" sldId="256"/>
+            <ac:spMk id="10" creationId="{A3363022-C969-41E9-8EB2-E4C94908C1FA}"/>
+          </ac:spMkLst>
+        </pc:spChg>
+        <pc:spChg chg="add del">
+          <ac:chgData name="Andreas Hansen" userId="ad92916056b3865a" providerId="LiveId" clId="{63C584C3-4C84-4F7F-93A2-6B0127D34D12}" dt="2023-05-24T12:12:56.561" v="129" actId="26606"/>
+          <ac:spMkLst>
+            <pc:docMk/>
+            <pc:sldMk cId="2139418913" sldId="256"/>
+            <ac:spMk id="11" creationId="{007891EC-4501-44ED-A8C8-B11B6DB767AB}"/>
+          </ac:spMkLst>
+        </pc:spChg>
+        <pc:spChg chg="add del">
+          <ac:chgData name="Andreas Hansen" userId="ad92916056b3865a" providerId="LiveId" clId="{63C584C3-4C84-4F7F-93A2-6B0127D34D12}" dt="2023-05-24T12:13:05.903" v="136" actId="26606"/>
+          <ac:spMkLst>
+            <pc:docMk/>
+            <pc:sldMk cId="2139418913" sldId="256"/>
+            <ac:spMk id="12" creationId="{8D1AD6B3-BE88-4CEB-BA17-790657CC4729}"/>
+          </ac:spMkLst>
+        </pc:spChg>
+        <pc:spChg chg="add del">
+          <ac:chgData name="Andreas Hansen" userId="ad92916056b3865a" providerId="LiveId" clId="{63C584C3-4C84-4F7F-93A2-6B0127D34D12}" dt="2023-05-24T12:12:58.975" v="132" actId="26606"/>
+          <ac:spMkLst>
+            <pc:docMk/>
+            <pc:sldMk cId="2139418913" sldId="256"/>
+            <ac:spMk id="13" creationId="{71B2258F-86CA-4D4D-8270-BC05FCDEBFB3}"/>
+          </ac:spMkLst>
+        </pc:spChg>
+        <pc:spChg chg="add del">
+          <ac:chgData name="Andreas Hansen" userId="ad92916056b3865a" providerId="LiveId" clId="{63C584C3-4C84-4F7F-93A2-6B0127D34D12}" dt="2023-05-24T12:13:35.564" v="144" actId="26606"/>
+          <ac:spMkLst>
+            <pc:docMk/>
+            <pc:sldMk cId="2139418913" sldId="256"/>
+            <ac:spMk id="15" creationId="{712D4376-A578-4FF1-94FC-245E7A6A489F}"/>
+          </ac:spMkLst>
+        </pc:spChg>
+        <pc:spChg chg="add del">
+          <ac:chgData name="Andreas Hansen" userId="ad92916056b3865a" providerId="LiveId" clId="{63C584C3-4C84-4F7F-93A2-6B0127D34D12}" dt="2023-05-24T12:13:01.049" v="134" actId="26606"/>
+          <ac:spMkLst>
+            <pc:docMk/>
+            <pc:sldMk cId="2139418913" sldId="256"/>
+            <ac:spMk id="16" creationId="{7D9D36D6-2AC5-46A1-A849-4C82D5264A3A}"/>
+          </ac:spMkLst>
+        </pc:spChg>
+        <pc:spChg chg="add del">
+          <ac:chgData name="Andreas Hansen" userId="ad92916056b3865a" providerId="LiveId" clId="{63C584C3-4C84-4F7F-93A2-6B0127D34D12}" dt="2023-05-24T12:14:17.309" v="173" actId="26606"/>
+          <ac:spMkLst>
+            <pc:docMk/>
+            <pc:sldMk cId="2139418913" sldId="256"/>
+            <ac:spMk id="18" creationId="{F49775AF-8896-43EE-92C6-83497D6DC56F}"/>
+          </ac:spMkLst>
+        </pc:spChg>
+        <pc:spChg chg="add del">
+          <ac:chgData name="Andreas Hansen" userId="ad92916056b3865a" providerId="LiveId" clId="{63C584C3-4C84-4F7F-93A2-6B0127D34D12}" dt="2023-05-24T12:13:35.564" v="144" actId="26606"/>
+          <ac:spMkLst>
+            <pc:docMk/>
+            <pc:sldMk cId="2139418913" sldId="256"/>
+            <ac:spMk id="21" creationId="{508BEF50-7B1E-49A4-BC19-5F4F1D755E64}"/>
+          </ac:spMkLst>
+        </pc:spChg>
+        <pc:spChg chg="add del">
+          <ac:chgData name="Andreas Hansen" userId="ad92916056b3865a" providerId="LiveId" clId="{63C584C3-4C84-4F7F-93A2-6B0127D34D12}" dt="2023-05-24T12:14:19.685" v="176" actId="26606"/>
+          <ac:spMkLst>
+            <pc:docMk/>
+            <pc:sldMk cId="2139418913" sldId="256"/>
+            <ac:spMk id="22" creationId="{71B2258F-86CA-4D4D-8270-BC05FCDEBFB3}"/>
+          </ac:spMkLst>
+        </pc:spChg>
+        <pc:spChg chg="add del">
+          <ac:chgData name="Andreas Hansen" userId="ad92916056b3865a" providerId="LiveId" clId="{63C584C3-4C84-4F7F-93A2-6B0127D34D12}" dt="2023-05-24T12:13:07.682" v="138" actId="26606"/>
+          <ac:spMkLst>
+            <pc:docMk/>
+            <pc:sldMk cId="2139418913" sldId="256"/>
+            <ac:spMk id="23" creationId="{827DC2C4-B485-428A-BF4A-472D2967F47F}"/>
+          </ac:spMkLst>
+        </pc:spChg>
+        <pc:spChg chg="add del">
+          <ac:chgData name="Andreas Hansen" userId="ad92916056b3865a" providerId="LiveId" clId="{63C584C3-4C84-4F7F-93A2-6B0127D34D12}" dt="2023-05-24T12:13:07.682" v="138" actId="26606"/>
+          <ac:spMkLst>
+            <pc:docMk/>
+            <pc:sldMk cId="2139418913" sldId="256"/>
+            <ac:spMk id="24" creationId="{EE04B5EB-F158-4507-90DD-BD23620C7CC9}"/>
+          </ac:spMkLst>
+        </pc:spChg>
+        <pc:spChg chg="add del">
+          <ac:chgData name="Andreas Hansen" userId="ad92916056b3865a" providerId="LiveId" clId="{63C584C3-4C84-4F7F-93A2-6B0127D34D12}" dt="2023-05-24T12:13:35.564" v="144" actId="26606"/>
+          <ac:spMkLst>
+            <pc:docMk/>
+            <pc:sldMk cId="2139418913" sldId="256"/>
+            <ac:spMk id="25" creationId="{C39ADB8F-D187-49D7-BDCF-C1B6DC727068}"/>
+          </ac:spMkLst>
+        </pc:spChg>
+        <pc:spChg chg="add del">
+          <ac:chgData name="Andreas Hansen" userId="ad92916056b3865a" providerId="LiveId" clId="{63C584C3-4C84-4F7F-93A2-6B0127D34D12}" dt="2023-05-24T12:13:10.762" v="140" actId="26606"/>
+          <ac:spMkLst>
+            <pc:docMk/>
+            <pc:sldMk cId="2139418913" sldId="256"/>
+            <ac:spMk id="26" creationId="{A8DB9CD9-59B1-4D73-BC4C-98796A48EF9B}"/>
+          </ac:spMkLst>
+        </pc:spChg>
+        <pc:spChg chg="add del">
+          <ac:chgData name="Andreas Hansen" userId="ad92916056b3865a" providerId="LiveId" clId="{63C584C3-4C84-4F7F-93A2-6B0127D34D12}" dt="2023-05-24T12:13:10.762" v="140" actId="26606"/>
+          <ac:spMkLst>
+            <pc:docMk/>
+            <pc:sldMk cId="2139418913" sldId="256"/>
+            <ac:spMk id="27" creationId="{8874A6A9-41FF-4E33-AFA8-F9F81436A59E}"/>
+          </ac:spMkLst>
+        </pc:spChg>
+        <pc:spChg chg="add del">
+          <ac:chgData name="Andreas Hansen" userId="ad92916056b3865a" providerId="LiveId" clId="{63C584C3-4C84-4F7F-93A2-6B0127D34D12}" dt="2023-05-24T12:14:21.812" v="178" actId="26606"/>
+          <ac:spMkLst>
+            <pc:docMk/>
+            <pc:sldMk cId="2139418913" sldId="256"/>
+            <ac:spMk id="31" creationId="{9B7AD9F6-8CE7-4299-8FC6-328F4DCD3FF9}"/>
+          </ac:spMkLst>
+        </pc:spChg>
+        <pc:spChg chg="add del">
+          <ac:chgData name="Andreas Hansen" userId="ad92916056b3865a" providerId="LiveId" clId="{63C584C3-4C84-4F7F-93A2-6B0127D34D12}" dt="2023-05-24T12:14:21.812" v="178" actId="26606"/>
+          <ac:spMkLst>
+            <pc:docMk/>
+            <pc:sldMk cId="2139418913" sldId="256"/>
+            <ac:spMk id="33" creationId="{82580482-BA80-420A-8A05-C58E97F26B21}"/>
+          </ac:spMkLst>
+        </pc:spChg>
+        <pc:spChg chg="add del">
+          <ac:chgData name="Andreas Hansen" userId="ad92916056b3865a" providerId="LiveId" clId="{63C584C3-4C84-4F7F-93A2-6B0127D34D12}" dt="2023-05-24T12:13:13.674" v="142" actId="26606"/>
+          <ac:spMkLst>
+            <pc:docMk/>
+            <pc:sldMk cId="2139418913" sldId="256"/>
+            <ac:spMk id="35" creationId="{E91DC736-0EF8-4F87-9146-EBF1D2EE4D3D}"/>
+          </ac:spMkLst>
+        </pc:spChg>
+        <pc:spChg chg="add del">
+          <ac:chgData name="Andreas Hansen" userId="ad92916056b3865a" providerId="LiveId" clId="{63C584C3-4C84-4F7F-93A2-6B0127D34D12}" dt="2023-05-24T12:13:13.674" v="142" actId="26606"/>
+          <ac:spMkLst>
+            <pc:docMk/>
+            <pc:sldMk cId="2139418913" sldId="256"/>
+            <ac:spMk id="37" creationId="{097CD68E-23E3-4007-8847-CD0944C4F7BE}"/>
+          </ac:spMkLst>
+        </pc:spChg>
+        <pc:spChg chg="add del">
+          <ac:chgData name="Andreas Hansen" userId="ad92916056b3865a" providerId="LiveId" clId="{63C584C3-4C84-4F7F-93A2-6B0127D34D12}" dt="2023-05-24T12:13:13.674" v="142" actId="26606"/>
+          <ac:spMkLst>
+            <pc:docMk/>
+            <pc:sldMk cId="2139418913" sldId="256"/>
+            <ac:spMk id="38" creationId="{AF2F604E-43BE-4DC3-B983-E071523364F8}"/>
+          </ac:spMkLst>
+        </pc:spChg>
+        <pc:spChg chg="add del">
+          <ac:chgData name="Andreas Hansen" userId="ad92916056b3865a" providerId="LiveId" clId="{63C584C3-4C84-4F7F-93A2-6B0127D34D12}" dt="2023-05-24T12:13:13.674" v="142" actId="26606"/>
+          <ac:spMkLst>
+            <pc:docMk/>
+            <pc:sldMk cId="2139418913" sldId="256"/>
+            <ac:spMk id="39" creationId="{08C9B587-E65E-4B52-B37C-ABEBB6E87928}"/>
+          </ac:spMkLst>
+        </pc:spChg>
+        <pc:spChg chg="add del">
+          <ac:chgData name="Andreas Hansen" userId="ad92916056b3865a" providerId="LiveId" clId="{63C584C3-4C84-4F7F-93A2-6B0127D34D12}" dt="2023-05-24T12:14:23.116" v="180" actId="26606"/>
+          <ac:spMkLst>
+            <pc:docMk/>
+            <pc:sldMk cId="2139418913" sldId="256"/>
+            <ac:spMk id="40" creationId="{2FB82883-1DC0-4BE1-A607-009095F3355A}"/>
+          </ac:spMkLst>
+        </pc:spChg>
+        <pc:spChg chg="add del">
+          <ac:chgData name="Andreas Hansen" userId="ad92916056b3865a" providerId="LiveId" clId="{63C584C3-4C84-4F7F-93A2-6B0127D34D12}" dt="2023-05-24T12:13:35.564" v="144" actId="26606"/>
+          <ac:spMkLst>
+            <pc:docMk/>
+            <pc:sldMk cId="2139418913" sldId="256"/>
+            <ac:spMk id="41" creationId="{E7F94237-0536-4DB1-8C95-39E355CED94B}"/>
+          </ac:spMkLst>
+        </pc:spChg>
+        <pc:spChg chg="add del">
+          <ac:chgData name="Andreas Hansen" userId="ad92916056b3865a" providerId="LiveId" clId="{63C584C3-4C84-4F7F-93A2-6B0127D34D12}" dt="2023-05-24T12:13:35.564" v="144" actId="26606"/>
+          <ac:spMkLst>
+            <pc:docMk/>
+            <pc:sldMk cId="2139418913" sldId="256"/>
+            <ac:spMk id="42" creationId="{1A3C89F8-0D2F-47FF-B903-151248265F47}"/>
+          </ac:spMkLst>
+        </pc:spChg>
+        <pc:spChg chg="add del">
+          <ac:chgData name="Andreas Hansen" userId="ad92916056b3865a" providerId="LiveId" clId="{63C584C3-4C84-4F7F-93A2-6B0127D34D12}" dt="2023-05-24T12:13:35.564" v="144" actId="26606"/>
+          <ac:spMkLst>
+            <pc:docMk/>
+            <pc:sldMk cId="2139418913" sldId="256"/>
+            <ac:spMk id="44" creationId="{C5CB530E-515E-412C-9DF1-5F8FFBD6F383}"/>
+          </ac:spMkLst>
+        </pc:spChg>
+        <pc:spChg chg="add del">
+          <ac:chgData name="Andreas Hansen" userId="ad92916056b3865a" providerId="LiveId" clId="{63C584C3-4C84-4F7F-93A2-6B0127D34D12}" dt="2023-05-24T12:13:35.564" v="144" actId="26606"/>
+          <ac:spMkLst>
+            <pc:docMk/>
+            <pc:sldMk cId="2139418913" sldId="256"/>
+            <ac:spMk id="45" creationId="{AEA7509D-F04F-40CB-A0B3-EEF16499CC9F}"/>
+          </ac:spMkLst>
+        </pc:spChg>
+        <pc:spChg chg="add del">
+          <ac:chgData name="Andreas Hansen" userId="ad92916056b3865a" providerId="LiveId" clId="{63C584C3-4C84-4F7F-93A2-6B0127D34D12}" dt="2023-05-24T12:13:35.564" v="144" actId="26606"/>
+          <ac:spMkLst>
+            <pc:docMk/>
+            <pc:sldMk cId="2139418913" sldId="256"/>
+            <ac:spMk id="47" creationId="{3FBAD350-5664-4811-A208-657FB882D350}"/>
+          </ac:spMkLst>
+        </pc:spChg>
+        <pc:spChg chg="add del">
+          <ac:chgData name="Andreas Hansen" userId="ad92916056b3865a" providerId="LiveId" clId="{63C584C3-4C84-4F7F-93A2-6B0127D34D12}" dt="2023-05-24T12:14:02.527" v="159" actId="26606"/>
+          <ac:spMkLst>
+            <pc:docMk/>
+            <pc:sldMk cId="2139418913" sldId="256"/>
+            <ac:spMk id="49" creationId="{9B7AD9F6-8CE7-4299-8FC6-328F4DCD3FF9}"/>
+          </ac:spMkLst>
+        </pc:spChg>
+        <pc:spChg chg="add del">
+          <ac:chgData name="Andreas Hansen" userId="ad92916056b3865a" providerId="LiveId" clId="{63C584C3-4C84-4F7F-93A2-6B0127D34D12}" dt="2023-05-24T12:14:02.527" v="159" actId="26606"/>
+          <ac:spMkLst>
+            <pc:docMk/>
+            <pc:sldMk cId="2139418913" sldId="256"/>
+            <ac:spMk id="50" creationId="{F49775AF-8896-43EE-92C6-83497D6DC56F}"/>
+          </ac:spMkLst>
+        </pc:spChg>
+        <pc:spChg chg="add del">
+          <ac:chgData name="Andreas Hansen" userId="ad92916056b3865a" providerId="LiveId" clId="{63C584C3-4C84-4F7F-93A2-6B0127D34D12}" dt="2023-05-24T12:14:23.116" v="180" actId="26606"/>
+          <ac:spMkLst>
+            <pc:docMk/>
+            <pc:sldMk cId="2139418913" sldId="256"/>
+            <ac:spMk id="52" creationId="{A3473CF9-37EB-43E7-89EF-D2D1C53D1DAC}"/>
+          </ac:spMkLst>
+        </pc:spChg>
+        <pc:spChg chg="add del">
+          <ac:chgData name="Andreas Hansen" userId="ad92916056b3865a" providerId="LiveId" clId="{63C584C3-4C84-4F7F-93A2-6B0127D34D12}" dt="2023-05-24T12:14:23.116" v="180" actId="26606"/>
+          <ac:spMkLst>
+            <pc:docMk/>
+            <pc:sldMk cId="2139418913" sldId="256"/>
+            <ac:spMk id="53" creationId="{586B4EF9-43BA-4655-A6FF-1D8E21574C95}"/>
+          </ac:spMkLst>
+        </pc:spChg>
+        <pc:spChg chg="add del">
+          <ac:chgData name="Andreas Hansen" userId="ad92916056b3865a" providerId="LiveId" clId="{63C584C3-4C84-4F7F-93A2-6B0127D34D12}" dt="2023-05-24T12:14:27.543" v="182" actId="26606"/>
+          <ac:spMkLst>
+            <pc:docMk/>
+            <pc:sldMk cId="2139418913" sldId="256"/>
+            <ac:spMk id="55" creationId="{9B7AD9F6-8CE7-4299-8FC6-328F4DCD3FF9}"/>
+          </ac:spMkLst>
+        </pc:spChg>
+        <pc:spChg chg="add del">
+          <ac:chgData name="Andreas Hansen" userId="ad92916056b3865a" providerId="LiveId" clId="{63C584C3-4C84-4F7F-93A2-6B0127D34D12}" dt="2023-05-24T12:14:27.543" v="182" actId="26606"/>
+          <ac:spMkLst>
+            <pc:docMk/>
+            <pc:sldMk cId="2139418913" sldId="256"/>
+            <ac:spMk id="57" creationId="{F49775AF-8896-43EE-92C6-83497D6DC56F}"/>
+          </ac:spMkLst>
+        </pc:spChg>
+        <pc:spChg chg="add del">
+          <ac:chgData name="Andreas Hansen" userId="ad92916056b3865a" providerId="LiveId" clId="{63C584C3-4C84-4F7F-93A2-6B0127D34D12}" dt="2023-05-24T12:14:28.028" v="184" actId="26606"/>
+          <ac:spMkLst>
+            <pc:docMk/>
+            <pc:sldMk cId="2139418913" sldId="256"/>
+            <ac:spMk id="59" creationId="{6F828D28-8E09-41CC-8229-3070B5467A96}"/>
+          </ac:spMkLst>
+        </pc:spChg>
+        <pc:spChg chg="add del">
+          <ac:chgData name="Andreas Hansen" userId="ad92916056b3865a" providerId="LiveId" clId="{63C584C3-4C84-4F7F-93A2-6B0127D34D12}" dt="2023-05-24T12:14:28.028" v="184" actId="26606"/>
+          <ac:spMkLst>
+            <pc:docMk/>
+            <pc:sldMk cId="2139418913" sldId="256"/>
+            <ac:spMk id="61" creationId="{D5B012D8-7F27-4758-9AC6-C889B154BD73}"/>
+          </ac:spMkLst>
+        </pc:spChg>
+        <pc:spChg chg="add del">
+          <ac:chgData name="Andreas Hansen" userId="ad92916056b3865a" providerId="LiveId" clId="{63C584C3-4C84-4F7F-93A2-6B0127D34D12}" dt="2023-05-24T12:14:28.028" v="184" actId="26606"/>
+          <ac:spMkLst>
+            <pc:docMk/>
+            <pc:sldMk cId="2139418913" sldId="256"/>
+            <ac:spMk id="62" creationId="{4063B759-00FC-46D1-9898-8E8625268FAF}"/>
+          </ac:spMkLst>
+        </pc:spChg>
+        <pc:spChg chg="add del">
+          <ac:chgData name="Andreas Hansen" userId="ad92916056b3865a" providerId="LiveId" clId="{63C584C3-4C84-4F7F-93A2-6B0127D34D12}" dt="2023-05-24T12:14:32.877" v="187" actId="26606"/>
+          <ac:spMkLst>
+            <pc:docMk/>
+            <pc:sldMk cId="2139418913" sldId="256"/>
+            <ac:spMk id="64" creationId="{E7F94237-0536-4DB1-8C95-39E355CED94B}"/>
+          </ac:spMkLst>
+        </pc:spChg>
+        <pc:spChg chg="add del">
+          <ac:chgData name="Andreas Hansen" userId="ad92916056b3865a" providerId="LiveId" clId="{63C584C3-4C84-4F7F-93A2-6B0127D34D12}" dt="2023-05-24T12:14:32.877" v="187" actId="26606"/>
+          <ac:spMkLst>
+            <pc:docMk/>
+            <pc:sldMk cId="2139418913" sldId="256"/>
+            <ac:spMk id="65" creationId="{1A3C89F8-0D2F-47FF-B903-151248265F47}"/>
+          </ac:spMkLst>
+        </pc:spChg>
+        <pc:spChg chg="add del">
+          <ac:chgData name="Andreas Hansen" userId="ad92916056b3865a" providerId="LiveId" clId="{63C584C3-4C84-4F7F-93A2-6B0127D34D12}" dt="2023-05-24T12:14:32.877" v="187" actId="26606"/>
+          <ac:spMkLst>
+            <pc:docMk/>
+            <pc:sldMk cId="2139418913" sldId="256"/>
+            <ac:spMk id="67" creationId="{C5CB530E-515E-412C-9DF1-5F8FFBD6F383}"/>
+          </ac:spMkLst>
+        </pc:spChg>
+        <pc:spChg chg="add del">
+          <ac:chgData name="Andreas Hansen" userId="ad92916056b3865a" providerId="LiveId" clId="{63C584C3-4C84-4F7F-93A2-6B0127D34D12}" dt="2023-05-24T12:14:32.877" v="187" actId="26606"/>
+          <ac:spMkLst>
+            <pc:docMk/>
+            <pc:sldMk cId="2139418913" sldId="256"/>
+            <ac:spMk id="68" creationId="{712D4376-A578-4FF1-94FC-245E7A6A489F}"/>
+          </ac:spMkLst>
+        </pc:spChg>
+        <pc:spChg chg="add del">
+          <ac:chgData name="Andreas Hansen" userId="ad92916056b3865a" providerId="LiveId" clId="{63C584C3-4C84-4F7F-93A2-6B0127D34D12}" dt="2023-05-24T12:14:32.877" v="187" actId="26606"/>
+          <ac:spMkLst>
+            <pc:docMk/>
+            <pc:sldMk cId="2139418913" sldId="256"/>
+            <ac:spMk id="69" creationId="{AEA7509D-F04F-40CB-A0B3-EEF16499CC9F}"/>
+          </ac:spMkLst>
+        </pc:spChg>
+        <pc:spChg chg="add del">
+          <ac:chgData name="Andreas Hansen" userId="ad92916056b3865a" providerId="LiveId" clId="{63C584C3-4C84-4F7F-93A2-6B0127D34D12}" dt="2023-05-24T12:14:32.877" v="187" actId="26606"/>
+          <ac:spMkLst>
+            <pc:docMk/>
+            <pc:sldMk cId="2139418913" sldId="256"/>
+            <ac:spMk id="71" creationId="{508BEF50-7B1E-49A4-BC19-5F4F1D755E64}"/>
+          </ac:spMkLst>
+        </pc:spChg>
+        <pc:spChg chg="add del">
+          <ac:chgData name="Andreas Hansen" userId="ad92916056b3865a" providerId="LiveId" clId="{63C584C3-4C84-4F7F-93A2-6B0127D34D12}" dt="2023-05-24T12:14:32.877" v="187" actId="26606"/>
+          <ac:spMkLst>
+            <pc:docMk/>
+            <pc:sldMk cId="2139418913" sldId="256"/>
+            <ac:spMk id="72" creationId="{3FBAD350-5664-4811-A208-657FB882D350}"/>
+          </ac:spMkLst>
+        </pc:spChg>
+        <pc:spChg chg="add del">
+          <ac:chgData name="Andreas Hansen" userId="ad92916056b3865a" providerId="LiveId" clId="{63C584C3-4C84-4F7F-93A2-6B0127D34D12}" dt="2023-05-24T12:14:32.877" v="187" actId="26606"/>
+          <ac:spMkLst>
+            <pc:docMk/>
+            <pc:sldMk cId="2139418913" sldId="256"/>
+            <ac:spMk id="73" creationId="{C39ADB8F-D187-49D7-BDCF-C1B6DC727068}"/>
+          </ac:spMkLst>
+        </pc:spChg>
+        <pc:spChg chg="add del">
+          <ac:chgData name="Andreas Hansen" userId="ad92916056b3865a" providerId="LiveId" clId="{63C584C3-4C84-4F7F-93A2-6B0127D34D12}" dt="2023-05-24T12:14:34.162" v="189" actId="26606"/>
+          <ac:spMkLst>
+            <pc:docMk/>
+            <pc:sldMk cId="2139418913" sldId="256"/>
+            <ac:spMk id="75" creationId="{F8446B12-7391-4711-8B31-112A0B896C76}"/>
+          </ac:spMkLst>
+        </pc:spChg>
+        <pc:spChg chg="add del">
+          <ac:chgData name="Andreas Hansen" userId="ad92916056b3865a" providerId="LiveId" clId="{63C584C3-4C84-4F7F-93A2-6B0127D34D12}" dt="2023-05-24T12:14:39.923" v="192" actId="26606"/>
+          <ac:spMkLst>
+            <pc:docMk/>
+            <pc:sldMk cId="2139418913" sldId="256"/>
+            <ac:spMk id="81" creationId="{798FE0E0-D95D-46EF-A375-475D4DB0ED45}"/>
+          </ac:spMkLst>
+        </pc:spChg>
+        <pc:spChg chg="add del">
+          <ac:chgData name="Andreas Hansen" userId="ad92916056b3865a" providerId="LiveId" clId="{63C584C3-4C84-4F7F-93A2-6B0127D34D12}" dt="2023-05-24T12:14:39.923" v="192" actId="26606"/>
+          <ac:spMkLst>
+            <pc:docMk/>
+            <pc:sldMk cId="2139418913" sldId="256"/>
+            <ac:spMk id="82" creationId="{2D82A42F-AEBE-4065-9792-036A904D8564}"/>
+          </ac:spMkLst>
+        </pc:spChg>
+        <pc:spChg chg="add del">
+          <ac:chgData name="Andreas Hansen" userId="ad92916056b3865a" providerId="LiveId" clId="{63C584C3-4C84-4F7F-93A2-6B0127D34D12}" dt="2023-05-24T12:14:52.045" v="201" actId="26606"/>
+          <ac:spMkLst>
+            <pc:docMk/>
+            <pc:sldMk cId="2139418913" sldId="256"/>
+            <ac:spMk id="85" creationId="{9B7AD9F6-8CE7-4299-8FC6-328F4DCD3FF9}"/>
+          </ac:spMkLst>
+        </pc:spChg>
+        <pc:spChg chg="add del">
+          <ac:chgData name="Andreas Hansen" userId="ad92916056b3865a" providerId="LiveId" clId="{63C584C3-4C84-4F7F-93A2-6B0127D34D12}" dt="2023-05-24T12:14:52.045" v="201" actId="26606"/>
+          <ac:spMkLst>
+            <pc:docMk/>
+            <pc:sldMk cId="2139418913" sldId="256"/>
+            <ac:spMk id="87" creationId="{82580482-BA80-420A-8A05-C58E97F26B21}"/>
+          </ac:spMkLst>
+        </pc:spChg>
+        <pc:grpChg chg="add del">
+          <ac:chgData name="Andreas Hansen" userId="ad92916056b3865a" providerId="LiveId" clId="{63C584C3-4C84-4F7F-93A2-6B0127D34D12}" dt="2023-05-24T12:13:05.903" v="136" actId="26606"/>
+          <ac:grpSpMkLst>
+            <pc:docMk/>
+            <pc:sldMk cId="2139418913" sldId="256"/>
+            <ac:grpSpMk id="19" creationId="{89D1390B-7E13-4B4F-9CB2-391063412E54}"/>
+          </ac:grpSpMkLst>
+        </pc:grpChg>
+        <pc:grpChg chg="add del">
+          <ac:chgData name="Andreas Hansen" userId="ad92916056b3865a" providerId="LiveId" clId="{63C584C3-4C84-4F7F-93A2-6B0127D34D12}" dt="2023-05-24T12:13:10.762" v="140" actId="26606"/>
+          <ac:grpSpMkLst>
+            <pc:docMk/>
+            <pc:sldMk cId="2139418913" sldId="256"/>
+            <ac:grpSpMk id="28" creationId="{721D730E-1F97-4071-B143-B05E6D2599BC}"/>
+          </ac:grpSpMkLst>
+        </pc:grpChg>
+        <pc:grpChg chg="add del">
+          <ac:chgData name="Andreas Hansen" userId="ad92916056b3865a" providerId="LiveId" clId="{63C584C3-4C84-4F7F-93A2-6B0127D34D12}" dt="2023-05-24T12:14:34.162" v="189" actId="26606"/>
+          <ac:grpSpMkLst>
+            <pc:docMk/>
+            <pc:sldMk cId="2139418913" sldId="256"/>
+            <ac:grpSpMk id="77" creationId="{4252769E-B9F0-4068-A645-5BBEF16E9C28}"/>
+          </ac:grpSpMkLst>
+        </pc:grpChg>
+        <pc:picChg chg="add del">
+          <ac:chgData name="Andreas Hansen" userId="ad92916056b3865a" providerId="LiveId" clId="{63C584C3-4C84-4F7F-93A2-6B0127D34D12}" dt="2023-05-24T12:12:56.561" v="129" actId="26606"/>
+          <ac:picMkLst>
+            <pc:docMk/>
+            <pc:sldMk cId="2139418913" sldId="256"/>
+            <ac:picMk id="5" creationId="{93B37077-2FA5-5EAE-7085-44383F5BE99E}"/>
+          </ac:picMkLst>
+        </pc:picChg>
+        <pc:picChg chg="add del">
+          <ac:chgData name="Andreas Hansen" userId="ad92916056b3865a" providerId="LiveId" clId="{63C584C3-4C84-4F7F-93A2-6B0127D34D12}" dt="2023-05-24T12:13:05.903" v="136" actId="26606"/>
+          <ac:picMkLst>
+            <pc:docMk/>
+            <pc:sldMk cId="2139418913" sldId="256"/>
+            <ac:picMk id="7" creationId="{F00A547F-53DC-0CB6-CF43-5F2B195A55AB}"/>
+          </ac:picMkLst>
+        </pc:picChg>
+        <pc:picChg chg="add del">
+          <ac:chgData name="Andreas Hansen" userId="ad92916056b3865a" providerId="LiveId" clId="{63C584C3-4C84-4F7F-93A2-6B0127D34D12}" dt="2023-05-24T12:12:58.975" v="132" actId="26606"/>
+          <ac:picMkLst>
+            <pc:docMk/>
+            <pc:sldMk cId="2139418913" sldId="256"/>
+            <ac:picMk id="14" creationId="{36D96C7F-DBD3-6D97-B1E8-2B512ED91385}"/>
+          </ac:picMkLst>
+        </pc:picChg>
+        <pc:picChg chg="add del">
+          <ac:chgData name="Andreas Hansen" userId="ad92916056b3865a" providerId="LiveId" clId="{63C584C3-4C84-4F7F-93A2-6B0127D34D12}" dt="2023-05-24T12:13:01.049" v="134" actId="26606"/>
+          <ac:picMkLst>
+            <pc:docMk/>
+            <pc:sldMk cId="2139418913" sldId="256"/>
+            <ac:picMk id="17" creationId="{32FE0877-2C4F-F898-DAFE-C69279C2FA29}"/>
+          </ac:picMkLst>
+        </pc:picChg>
+        <pc:picChg chg="add del">
+          <ac:chgData name="Andreas Hansen" userId="ad92916056b3865a" providerId="LiveId" clId="{63C584C3-4C84-4F7F-93A2-6B0127D34D12}" dt="2023-05-24T12:14:17.309" v="173" actId="26606"/>
+          <ac:picMkLst>
+            <pc:docMk/>
+            <pc:sldMk cId="2139418913" sldId="256"/>
+            <ac:picMk id="20" creationId="{4CF77A37-AED9-D215-C34C-6EA2FC5DF8A1}"/>
+          </ac:picMkLst>
+        </pc:picChg>
+        <pc:picChg chg="add del">
+          <ac:chgData name="Andreas Hansen" userId="ad92916056b3865a" providerId="LiveId" clId="{63C584C3-4C84-4F7F-93A2-6B0127D34D12}" dt="2023-05-24T12:14:19.685" v="176" actId="26606"/>
+          <ac:picMkLst>
+            <pc:docMk/>
+            <pc:sldMk cId="2139418913" sldId="256"/>
+            <ac:picMk id="29" creationId="{B3A0967A-6EE6-9568-029D-FAD09AE33A18}"/>
+          </ac:picMkLst>
+        </pc:picChg>
+        <pc:picChg chg="add del">
+          <ac:chgData name="Andreas Hansen" userId="ad92916056b3865a" providerId="LiveId" clId="{63C584C3-4C84-4F7F-93A2-6B0127D34D12}" dt="2023-05-24T12:14:21.812" v="178" actId="26606"/>
+          <ac:picMkLst>
+            <pc:docMk/>
+            <pc:sldMk cId="2139418913" sldId="256"/>
+            <ac:picMk id="32" creationId="{0E0ACA5F-5D15-266E-E81F-5DEFF8BA04F6}"/>
+          </ac:picMkLst>
+        </pc:picChg>
+        <pc:picChg chg="add del">
+          <ac:chgData name="Andreas Hansen" userId="ad92916056b3865a" providerId="LiveId" clId="{63C584C3-4C84-4F7F-93A2-6B0127D34D12}" dt="2023-05-24T12:13:13.674" v="142" actId="26606"/>
+          <ac:picMkLst>
+            <pc:docMk/>
+            <pc:sldMk cId="2139418913" sldId="256"/>
+            <ac:picMk id="36" creationId="{D29C397D-096B-B6FE-D493-8F7AC36FB285}"/>
+          </ac:picMkLst>
+        </pc:picChg>
+        <pc:picChg chg="add del">
+          <ac:chgData name="Andreas Hansen" userId="ad92916056b3865a" providerId="LiveId" clId="{63C584C3-4C84-4F7F-93A2-6B0127D34D12}" dt="2023-05-24T12:13:35.564" v="144" actId="26606"/>
+          <ac:picMkLst>
+            <pc:docMk/>
+            <pc:sldMk cId="2139418913" sldId="256"/>
+            <ac:picMk id="43" creationId="{73288447-0BD1-8272-FB98-B6C6A888CA85}"/>
+          </ac:picMkLst>
+        </pc:picChg>
+        <pc:picChg chg="add del">
+          <ac:chgData name="Andreas Hansen" userId="ad92916056b3865a" providerId="LiveId" clId="{63C584C3-4C84-4F7F-93A2-6B0127D34D12}" dt="2023-05-24T12:14:23.116" v="180" actId="26606"/>
+          <ac:picMkLst>
+            <pc:docMk/>
+            <pc:sldMk cId="2139418913" sldId="256"/>
+            <ac:picMk id="48" creationId="{DDF14778-FF38-BD8D-A27C-A2A49D01B616}"/>
+          </ac:picMkLst>
+        </pc:picChg>
+        <pc:picChg chg="add del mod">
+          <ac:chgData name="Andreas Hansen" userId="ad92916056b3865a" providerId="LiveId" clId="{63C584C3-4C84-4F7F-93A2-6B0127D34D12}" dt="2023-05-24T12:14:02.527" v="159" actId="26606"/>
+          <ac:picMkLst>
+            <pc:docMk/>
+            <pc:sldMk cId="2139418913" sldId="256"/>
+            <ac:picMk id="51" creationId="{23B72A48-821C-F72A-3D9E-6130A8AA7295}"/>
+          </ac:picMkLst>
+        </pc:picChg>
+        <pc:picChg chg="add del">
+          <ac:chgData name="Andreas Hansen" userId="ad92916056b3865a" providerId="LiveId" clId="{63C584C3-4C84-4F7F-93A2-6B0127D34D12}" dt="2023-05-24T12:14:27.543" v="182" actId="26606"/>
+          <ac:picMkLst>
+            <pc:docMk/>
+            <pc:sldMk cId="2139418913" sldId="256"/>
+            <ac:picMk id="56" creationId="{405D7FED-D98A-ADE8-B85D-6DEF2E217AE6}"/>
+          </ac:picMkLst>
+        </pc:picChg>
+        <pc:picChg chg="add del">
+          <ac:chgData name="Andreas Hansen" userId="ad92916056b3865a" providerId="LiveId" clId="{63C584C3-4C84-4F7F-93A2-6B0127D34D12}" dt="2023-05-24T12:14:28.028" v="184" actId="26606"/>
+          <ac:picMkLst>
+            <pc:docMk/>
+            <pc:sldMk cId="2139418913" sldId="256"/>
+            <ac:picMk id="60" creationId="{B07A1269-3247-917E-5ED0-BD2EC7052590}"/>
+          </ac:picMkLst>
+        </pc:picChg>
+        <pc:picChg chg="add del">
+          <ac:chgData name="Andreas Hansen" userId="ad92916056b3865a" providerId="LiveId" clId="{63C584C3-4C84-4F7F-93A2-6B0127D34D12}" dt="2023-05-24T12:14:32.877" v="187" actId="26606"/>
+          <ac:picMkLst>
+            <pc:docMk/>
+            <pc:sldMk cId="2139418913" sldId="256"/>
+            <ac:picMk id="66" creationId="{83B6B0DE-47C8-5D63-4C8A-016EDCCC0881}"/>
+          </ac:picMkLst>
+        </pc:picChg>
+        <pc:picChg chg="add del">
+          <ac:chgData name="Andreas Hansen" userId="ad92916056b3865a" providerId="LiveId" clId="{63C584C3-4C84-4F7F-93A2-6B0127D34D12}" dt="2023-05-24T12:14:34.162" v="189" actId="26606"/>
+          <ac:picMkLst>
+            <pc:docMk/>
+            <pc:sldMk cId="2139418913" sldId="256"/>
+            <ac:picMk id="76" creationId="{2AACCFC2-0F98-3ADB-BC79-512C0FB9894E}"/>
+          </ac:picMkLst>
+        </pc:picChg>
+        <pc:picChg chg="add del">
+          <ac:chgData name="Andreas Hansen" userId="ad92916056b3865a" providerId="LiveId" clId="{63C584C3-4C84-4F7F-93A2-6B0127D34D12}" dt="2023-05-24T12:14:39.923" v="192" actId="26606"/>
+          <ac:picMkLst>
+            <pc:docMk/>
+            <pc:sldMk cId="2139418913" sldId="256"/>
+            <ac:picMk id="83" creationId="{09CCCD5B-E8DF-3274-E668-B5A0B5394A64}"/>
+          </ac:picMkLst>
+        </pc:picChg>
+        <pc:picChg chg="add del">
+          <ac:chgData name="Andreas Hansen" userId="ad92916056b3865a" providerId="LiveId" clId="{63C584C3-4C84-4F7F-93A2-6B0127D34D12}" dt="2023-05-24T12:14:52.045" v="201" actId="26606"/>
+          <ac:picMkLst>
+            <pc:docMk/>
+            <pc:sldMk cId="2139418913" sldId="256"/>
+            <ac:picMk id="86" creationId="{E776CC08-6FFE-BB48-EFFE-A9F783576E49}"/>
+          </ac:picMkLst>
+        </pc:picChg>
+        <pc:cxnChg chg="add del">
+          <ac:chgData name="Andreas Hansen" userId="ad92916056b3865a" providerId="LiveId" clId="{63C584C3-4C84-4F7F-93A2-6B0127D34D12}" dt="2023-05-24T12:13:35.564" v="144" actId="26606"/>
+          <ac:cxnSpMkLst>
+            <pc:docMk/>
+            <pc:sldMk cId="2139418913" sldId="256"/>
+            <ac:cxnSpMk id="46" creationId="{56020367-4FD5-4596-8E10-C5F095CD8DBF}"/>
+          </ac:cxnSpMkLst>
+        </pc:cxnChg>
+        <pc:cxnChg chg="add del">
+          <ac:chgData name="Andreas Hansen" userId="ad92916056b3865a" providerId="LiveId" clId="{63C584C3-4C84-4F7F-93A2-6B0127D34D12}" dt="2023-05-24T12:14:32.877" v="187" actId="26606"/>
+          <ac:cxnSpMkLst>
+            <pc:docMk/>
+            <pc:sldMk cId="2139418913" sldId="256"/>
+            <ac:cxnSpMk id="70" creationId="{56020367-4FD5-4596-8E10-C5F095CD8DBF}"/>
+          </ac:cxnSpMkLst>
+        </pc:cxnChg>
+      </pc:sldChg>
+      <pc:sldChg chg="addSp delSp modSp new mod setBg">
+        <pc:chgData name="Andreas Hansen" userId="ad92916056b3865a" providerId="LiveId" clId="{63C584C3-4C84-4F7F-93A2-6B0127D34D12}" dt="2023-05-24T12:18:22.547" v="325" actId="2711"/>
+        <pc:sldMkLst>
+          <pc:docMk/>
+          <pc:sldMk cId="2506765863" sldId="257"/>
+        </pc:sldMkLst>
+        <pc:spChg chg="mod">
+          <ac:chgData name="Andreas Hansen" userId="ad92916056b3865a" providerId="LiveId" clId="{63C584C3-4C84-4F7F-93A2-6B0127D34D12}" dt="2023-05-24T12:18:22.547" v="325" actId="2711"/>
+          <ac:spMkLst>
+            <pc:docMk/>
+            <pc:sldMk cId="2506765863" sldId="257"/>
+            <ac:spMk id="2" creationId="{354B08C9-B480-8EDD-006E-C6D05D653EC7}"/>
+          </ac:spMkLst>
+        </pc:spChg>
+        <pc:spChg chg="add del mod">
+          <ac:chgData name="Andreas Hansen" userId="ad92916056b3865a" providerId="LiveId" clId="{63C584C3-4C84-4F7F-93A2-6B0127D34D12}" dt="2023-05-24T12:03:41.903" v="10" actId="14100"/>
+          <ac:spMkLst>
+            <pc:docMk/>
+            <pc:sldMk cId="2506765863" sldId="257"/>
+            <ac:spMk id="3" creationId="{DE7E4B27-9145-9B32-E3B9-FD09544CDBF5}"/>
+          </ac:spMkLst>
+        </pc:spChg>
+        <pc:spChg chg="add del">
+          <ac:chgData name="Andreas Hansen" userId="ad92916056b3865a" providerId="LiveId" clId="{63C584C3-4C84-4F7F-93A2-6B0127D34D12}" dt="2023-05-24T12:03:27.872" v="7" actId="26606"/>
+          <ac:spMkLst>
+            <pc:docMk/>
+            <pc:sldMk cId="2506765863" sldId="257"/>
+            <ac:spMk id="12" creationId="{45D37F4E-DDB4-456B-97E0-9937730A039F}"/>
+          </ac:spMkLst>
+        </pc:spChg>
+        <pc:spChg chg="add del">
+          <ac:chgData name="Andreas Hansen" userId="ad92916056b3865a" providerId="LiveId" clId="{63C584C3-4C84-4F7F-93A2-6B0127D34D12}" dt="2023-05-24T12:03:27.872" v="7" actId="26606"/>
+          <ac:spMkLst>
+            <pc:docMk/>
+            <pc:sldMk cId="2506765863" sldId="257"/>
+            <ac:spMk id="14" creationId="{B2DD41CD-8F47-4F56-AD12-4E2FF7696987}"/>
+          </ac:spMkLst>
+        </pc:spChg>
+        <pc:picChg chg="add del mod ord">
+          <ac:chgData name="Andreas Hansen" userId="ad92916056b3865a" providerId="LiveId" clId="{63C584C3-4C84-4F7F-93A2-6B0127D34D12}" dt="2023-05-24T12:03:18.951" v="3" actId="22"/>
+          <ac:picMkLst>
+            <pc:docMk/>
+            <pc:sldMk cId="2506765863" sldId="257"/>
+            <ac:picMk id="5" creationId="{9632B102-2145-CC84-BE41-BBFFF2346F09}"/>
+          </ac:picMkLst>
+        </pc:picChg>
+        <pc:picChg chg="add mod">
+          <ac:chgData name="Andreas Hansen" userId="ad92916056b3865a" providerId="LiveId" clId="{63C584C3-4C84-4F7F-93A2-6B0127D34D12}" dt="2023-05-24T12:03:34.847" v="9" actId="14100"/>
+          <ac:picMkLst>
+            <pc:docMk/>
+            <pc:sldMk cId="2506765863" sldId="257"/>
+            <ac:picMk id="7" creationId="{6898CD29-2D12-052D-1B05-40F2001DE668}"/>
+          </ac:picMkLst>
+        </pc:picChg>
+      </pc:sldChg>
+      <pc:sldChg chg="modSp new mod">
+        <pc:chgData name="Andreas Hansen" userId="ad92916056b3865a" providerId="LiveId" clId="{63C584C3-4C84-4F7F-93A2-6B0127D34D12}" dt="2023-05-24T12:18:06.658" v="322" actId="2711"/>
+        <pc:sldMkLst>
+          <pc:docMk/>
+          <pc:sldMk cId="1134538972" sldId="258"/>
+        </pc:sldMkLst>
+        <pc:spChg chg="mod">
+          <ac:chgData name="Andreas Hansen" userId="ad92916056b3865a" providerId="LiveId" clId="{63C584C3-4C84-4F7F-93A2-6B0127D34D12}" dt="2023-05-24T12:18:06.658" v="322" actId="2711"/>
+          <ac:spMkLst>
+            <pc:docMk/>
+            <pc:sldMk cId="1134538972" sldId="258"/>
+            <ac:spMk id="2" creationId="{E3F5DDBE-A043-2C0E-AE95-0EBBFDD31BD6}"/>
+          </ac:spMkLst>
+        </pc:spChg>
+      </pc:sldChg>
+      <pc:sldChg chg="modSp new mod">
+        <pc:chgData name="Andreas Hansen" userId="ad92916056b3865a" providerId="LiveId" clId="{63C584C3-4C84-4F7F-93A2-6B0127D34D12}" dt="2023-05-24T12:18:11.917" v="323" actId="2711"/>
+        <pc:sldMkLst>
+          <pc:docMk/>
+          <pc:sldMk cId="3452730050" sldId="259"/>
+        </pc:sldMkLst>
+        <pc:spChg chg="mod">
+          <ac:chgData name="Andreas Hansen" userId="ad92916056b3865a" providerId="LiveId" clId="{63C584C3-4C84-4F7F-93A2-6B0127D34D12}" dt="2023-05-24T12:18:11.917" v="323" actId="2711"/>
+          <ac:spMkLst>
+            <pc:docMk/>
+            <pc:sldMk cId="3452730050" sldId="259"/>
+            <ac:spMk id="2" creationId="{3A4A851F-DC30-7A80-6888-349415862C45}"/>
+          </ac:spMkLst>
+        </pc:spChg>
+      </pc:sldChg>
+      <pc:sldChg chg="modSp new mod">
+        <pc:chgData name="Andreas Hansen" userId="ad92916056b3865a" providerId="LiveId" clId="{63C584C3-4C84-4F7F-93A2-6B0127D34D12}" dt="2023-05-24T12:18:17.701" v="324" actId="2711"/>
+        <pc:sldMkLst>
+          <pc:docMk/>
+          <pc:sldMk cId="3922123492" sldId="260"/>
+        </pc:sldMkLst>
+        <pc:spChg chg="mod">
+          <ac:chgData name="Andreas Hansen" userId="ad92916056b3865a" providerId="LiveId" clId="{63C584C3-4C84-4F7F-93A2-6B0127D34D12}" dt="2023-05-24T12:18:17.701" v="324" actId="2711"/>
+          <ac:spMkLst>
+            <pc:docMk/>
+            <pc:sldMk cId="3922123492" sldId="260"/>
+            <ac:spMk id="2" creationId="{54AC52B9-5604-42AC-F8EB-3521D1EAAFA2}"/>
+          </ac:spMkLst>
+        </pc:spChg>
+      </pc:sldChg>
+      <pc:sldChg chg="modSp new mod ord">
+        <pc:chgData name="Andreas Hansen" userId="ad92916056b3865a" providerId="LiveId" clId="{63C584C3-4C84-4F7F-93A2-6B0127D34D12}" dt="2023-05-24T12:18:28.680" v="326" actId="2711"/>
+        <pc:sldMkLst>
+          <pc:docMk/>
+          <pc:sldMk cId="2179647145" sldId="261"/>
+        </pc:sldMkLst>
+        <pc:spChg chg="mod">
+          <ac:chgData name="Andreas Hansen" userId="ad92916056b3865a" providerId="LiveId" clId="{63C584C3-4C84-4F7F-93A2-6B0127D34D12}" dt="2023-05-24T12:18:28.680" v="326" actId="2711"/>
+          <ac:spMkLst>
+            <pc:docMk/>
+            <pc:sldMk cId="2179647145" sldId="261"/>
+            <ac:spMk id="2" creationId="{FFA66FE6-3D0F-2194-1E89-8E5235D82B73}"/>
+          </ac:spMkLst>
+        </pc:spChg>
+      </pc:sldChg>
+      <pc:sldChg chg="modSp new mod ord">
+        <pc:chgData name="Andreas Hansen" userId="ad92916056b3865a" providerId="LiveId" clId="{63C584C3-4C84-4F7F-93A2-6B0127D34D12}" dt="2023-05-24T12:17:59.322" v="321" actId="2711"/>
+        <pc:sldMkLst>
+          <pc:docMk/>
+          <pc:sldMk cId="4027126394" sldId="262"/>
+        </pc:sldMkLst>
+        <pc:spChg chg="mod">
+          <ac:chgData name="Andreas Hansen" userId="ad92916056b3865a" providerId="LiveId" clId="{63C584C3-4C84-4F7F-93A2-6B0127D34D12}" dt="2023-05-24T12:17:59.322" v="321" actId="2711"/>
+          <ac:spMkLst>
+            <pc:docMk/>
+            <pc:sldMk cId="4027126394" sldId="262"/>
+            <ac:spMk id="2" creationId="{9CBB8D73-A4A4-09E6-E7D5-0BEBDED570AD}"/>
+          </ac:spMkLst>
+        </pc:spChg>
+      </pc:sldChg>
+    </pc:docChg>
+  </pc:docChgLst>
+</pc:chgInfo>
 </file>
 
 <file path=ppt/slideLayouts/slideLayout1.xml><?xml version="1.0" encoding="utf-8"?>
@@ -254,7 +1024,7 @@
           <a:p>
             <a:fld id="{4B5B4FDD-3281-F341-88F4-917A87B2AFB8}" type="datetimeFigureOut">
               <a:rPr lang="da-DK" smtClean="0"/>
-              <a:t>24.05.2023</a:t>
+              <a:t>24-05-2023</a:t>
             </a:fld>
             <a:endParaRPr lang="da-DK"/>
           </a:p>
@@ -452,7 +1222,7 @@
           <a:p>
             <a:fld id="{4B5B4FDD-3281-F341-88F4-917A87B2AFB8}" type="datetimeFigureOut">
               <a:rPr lang="da-DK" smtClean="0"/>
-              <a:t>24.05.2023</a:t>
+              <a:t>24-05-2023</a:t>
             </a:fld>
             <a:endParaRPr lang="da-DK"/>
           </a:p>
@@ -660,7 +1430,7 @@
           <a:p>
             <a:fld id="{4B5B4FDD-3281-F341-88F4-917A87B2AFB8}" type="datetimeFigureOut">
               <a:rPr lang="da-DK" smtClean="0"/>
-              <a:t>24.05.2023</a:t>
+              <a:t>24-05-2023</a:t>
             </a:fld>
             <a:endParaRPr lang="da-DK"/>
           </a:p>
@@ -858,7 +1628,7 @@
           <a:p>
             <a:fld id="{4B5B4FDD-3281-F341-88F4-917A87B2AFB8}" type="datetimeFigureOut">
               <a:rPr lang="da-DK" smtClean="0"/>
-              <a:t>24.05.2023</a:t>
+              <a:t>24-05-2023</a:t>
             </a:fld>
             <a:endParaRPr lang="da-DK"/>
           </a:p>
@@ -1133,7 +1903,7 @@
           <a:p>
             <a:fld id="{4B5B4FDD-3281-F341-88F4-917A87B2AFB8}" type="datetimeFigureOut">
               <a:rPr lang="da-DK" smtClean="0"/>
-              <a:t>24.05.2023</a:t>
+              <a:t>24-05-2023</a:t>
             </a:fld>
             <a:endParaRPr lang="da-DK"/>
           </a:p>
@@ -1398,7 +2168,7 @@
           <a:p>
             <a:fld id="{4B5B4FDD-3281-F341-88F4-917A87B2AFB8}" type="datetimeFigureOut">
               <a:rPr lang="da-DK" smtClean="0"/>
-              <a:t>24.05.2023</a:t>
+              <a:t>24-05-2023</a:t>
             </a:fld>
             <a:endParaRPr lang="da-DK"/>
           </a:p>
@@ -1810,7 +2580,7 @@
           <a:p>
             <a:fld id="{4B5B4FDD-3281-F341-88F4-917A87B2AFB8}" type="datetimeFigureOut">
               <a:rPr lang="da-DK" smtClean="0"/>
-              <a:t>24.05.2023</a:t>
+              <a:t>24-05-2023</a:t>
             </a:fld>
             <a:endParaRPr lang="da-DK"/>
           </a:p>
@@ -1951,7 +2721,7 @@
           <a:p>
             <a:fld id="{4B5B4FDD-3281-F341-88F4-917A87B2AFB8}" type="datetimeFigureOut">
               <a:rPr lang="da-DK" smtClean="0"/>
-              <a:t>24.05.2023</a:t>
+              <a:t>24-05-2023</a:t>
             </a:fld>
             <a:endParaRPr lang="da-DK"/>
           </a:p>
@@ -2064,7 +2834,7 @@
           <a:p>
             <a:fld id="{4B5B4FDD-3281-F341-88F4-917A87B2AFB8}" type="datetimeFigureOut">
               <a:rPr lang="da-DK" smtClean="0"/>
-              <a:t>24.05.2023</a:t>
+              <a:t>24-05-2023</a:t>
             </a:fld>
             <a:endParaRPr lang="da-DK"/>
           </a:p>
@@ -2375,7 +3145,7 @@
           <a:p>
             <a:fld id="{4B5B4FDD-3281-F341-88F4-917A87B2AFB8}" type="datetimeFigureOut">
               <a:rPr lang="da-DK" smtClean="0"/>
-              <a:t>24.05.2023</a:t>
+              <a:t>24-05-2023</a:t>
             </a:fld>
             <a:endParaRPr lang="da-DK"/>
           </a:p>
@@ -2663,7 +3433,7 @@
           <a:p>
             <a:fld id="{4B5B4FDD-3281-F341-88F4-917A87B2AFB8}" type="datetimeFigureOut">
               <a:rPr lang="da-DK" smtClean="0"/>
-              <a:t>24.05.2023</a:t>
+              <a:t>24-05-2023</a:t>
             </a:fld>
             <a:endParaRPr lang="da-DK"/>
           </a:p>
@@ -2904,7 +3674,7 @@
           <a:p>
             <a:fld id="{4B5B4FDD-3281-F341-88F4-917A87B2AFB8}" type="datetimeFigureOut">
               <a:rPr lang="da-DK" smtClean="0"/>
-              <a:t>24.05.2023</a:t>
+              <a:t>24-05-2023</a:t>
             </a:fld>
             <a:endParaRPr lang="da-DK"/>
           </a:p>
@@ -3307,6 +4077,14 @@
 <file path=ppt/slides/slide1.xml><?xml version="1.0" encoding="utf-8"?>
 <p:sld xmlns:a="http://schemas.openxmlformats.org/drawingml/2006/main" xmlns:r="http://schemas.openxmlformats.org/officeDocument/2006/relationships" xmlns:p="http://schemas.openxmlformats.org/presentationml/2006/main">
   <p:cSld>
+    <p:bg>
+      <p:bgPr>
+        <a:solidFill>
+          <a:schemeClr val="bg1"/>
+        </a:solidFill>
+        <a:effectLst/>
+      </p:bgPr>
+    </p:bg>
     <p:spTree>
       <p:nvGrpSpPr>
         <p:cNvPr id="1" name=""/>
@@ -3321,6 +4099,66 @@
           <a:chExt cx="0" cy="0"/>
         </a:xfrm>
       </p:grpSpPr>
+      <p:sp useBgFill="1">
+        <p:nvSpPr>
+          <p:cNvPr id="85" name="Rectangle 8">
+            <a:extLst>
+              <a:ext uri="{FF2B5EF4-FFF2-40B4-BE49-F238E27FC236}">
+                <a16:creationId xmlns:a16="http://schemas.microsoft.com/office/drawing/2014/main" id="{9B7AD9F6-8CE7-4299-8FC6-328F4DCD3FF9}"/>
+              </a:ext>
+              <a:ext uri="{C183D7F6-B498-43B3-948B-1728B52AA6E4}">
+                <adec:decorative xmlns:adec="http://schemas.microsoft.com/office/drawing/2017/decorative" val="1"/>
+              </a:ext>
+            </a:extLst>
+          </p:cNvPr>
+          <p:cNvSpPr>
+            <a:spLocks noGrp="1" noRot="1" noChangeAspect="1" noMove="1" noResize="1" noEditPoints="1" noAdjustHandles="1" noChangeArrowheads="1" noChangeShapeType="1" noTextEdit="1"/>
+          </p:cNvSpPr>
+          <p:nvPr>
+            <p:extLst>
+              <p:ext uri="{386F3935-93C4-4BCD-93E2-E3B085C9AB24}">
+                <p16:designElem xmlns:p16="http://schemas.microsoft.com/office/powerpoint/2015/main" val="1"/>
+              </p:ext>
+            </p:extLst>
+          </p:nvPr>
+        </p:nvSpPr>
+        <p:spPr>
+          <a:xfrm>
+            <a:off x="0" y="0"/>
+            <a:ext cx="12188952" cy="6858000"/>
+          </a:xfrm>
+          <a:prstGeom prst="rect">
+            <a:avLst/>
+          </a:prstGeom>
+          <a:ln>
+            <a:noFill/>
+          </a:ln>
+        </p:spPr>
+        <p:style>
+          <a:lnRef idx="2">
+            <a:schemeClr val="accent1">
+              <a:shade val="50000"/>
+            </a:schemeClr>
+          </a:lnRef>
+          <a:fillRef idx="1">
+            <a:schemeClr val="accent1"/>
+          </a:fillRef>
+          <a:effectRef idx="0">
+            <a:schemeClr val="accent1"/>
+          </a:effectRef>
+          <a:fontRef idx="minor">
+            <a:schemeClr val="lt1"/>
+          </a:fontRef>
+        </p:style>
+        <p:txBody>
+          <a:bodyPr rtlCol="0" anchor="ctr"/>
+          <a:lstStyle/>
+          <a:p>
+            <a:pPr algn="ctr"/>
+            <a:endParaRPr lang="en-US"/>
+          </a:p>
+        </p:txBody>
+      </p:sp>
       <p:sp>
         <p:nvSpPr>
           <p:cNvPr id="2" name="Titel 1">
@@ -3337,12 +4175,33 @@
             <p:ph type="ctrTitle"/>
           </p:nvPr>
         </p:nvSpPr>
-        <p:spPr/>
-        <p:txBody>
-          <a:bodyPr/>
-          <a:lstStyle/>
-          <a:p>
-            <a:endParaRPr lang="da-DK"/>
+        <p:spPr>
+          <a:xfrm>
+            <a:off x="4584274" y="640080"/>
+            <a:ext cx="5731876" cy="3566160"/>
+          </a:xfrm>
+        </p:spPr>
+        <p:txBody>
+          <a:bodyPr anchor="b">
+            <a:normAutofit/>
+          </a:bodyPr>
+          <a:lstStyle/>
+          <a:p>
+            <a:pPr algn="l"/>
+            <a:r>
+              <a:rPr lang="da-DK" sz="4400" dirty="0" err="1">
+                <a:latin typeface="Times New Roman" panose="02020603050405020304" pitchFamily="18" charset="0"/>
+                <a:cs typeface="Times New Roman" panose="02020603050405020304" pitchFamily="18" charset="0"/>
+              </a:rPr>
+              <a:t>Forecasting</a:t>
+            </a:r>
+            <a:r>
+              <a:rPr lang="da-DK" sz="4400" dirty="0">
+                <a:latin typeface="Times New Roman" panose="02020603050405020304" pitchFamily="18" charset="0"/>
+                <a:cs typeface="Times New Roman" panose="02020603050405020304" pitchFamily="18" charset="0"/>
+              </a:rPr>
+              <a:t> af volatile danske elpriser</a:t>
+            </a:r>
           </a:p>
         </p:txBody>
       </p:sp>
@@ -3362,12 +4221,606 @@
             <p:ph type="subTitle" idx="1"/>
           </p:nvPr>
         </p:nvSpPr>
-        <p:spPr/>
-        <p:txBody>
-          <a:bodyPr/>
-          <a:lstStyle/>
-          <a:p>
-            <a:endParaRPr lang="da-DK"/>
+        <p:spPr>
+          <a:xfrm>
+            <a:off x="4584274" y="4630582"/>
+            <a:ext cx="6894576" cy="1572768"/>
+          </a:xfrm>
+        </p:spPr>
+        <p:txBody>
+          <a:bodyPr>
+            <a:normAutofit/>
+          </a:bodyPr>
+          <a:lstStyle/>
+          <a:p>
+            <a:pPr algn="l"/>
+            <a:r>
+              <a:rPr lang="da-DK" dirty="0">
+                <a:latin typeface="Times New Roman" panose="02020603050405020304" pitchFamily="18" charset="0"/>
+                <a:cs typeface="Times New Roman" panose="02020603050405020304" pitchFamily="18" charset="0"/>
+              </a:rPr>
+              <a:t>Andreas </a:t>
+            </a:r>
+            <a:r>
+              <a:rPr lang="da-DK" dirty="0" err="1">
+                <a:latin typeface="Times New Roman" panose="02020603050405020304" pitchFamily="18" charset="0"/>
+                <a:cs typeface="Times New Roman" panose="02020603050405020304" pitchFamily="18" charset="0"/>
+              </a:rPr>
+              <a:t>Skiby</a:t>
+            </a:r>
+            <a:r>
+              <a:rPr lang="da-DK" dirty="0">
+                <a:latin typeface="Times New Roman" panose="02020603050405020304" pitchFamily="18" charset="0"/>
+                <a:cs typeface="Times New Roman" panose="02020603050405020304" pitchFamily="18" charset="0"/>
+              </a:rPr>
+              <a:t> Andersen 202107332</a:t>
+            </a:r>
+          </a:p>
+          <a:p>
+            <a:pPr algn="l"/>
+            <a:r>
+              <a:rPr lang="da-DK" dirty="0">
+                <a:latin typeface="Times New Roman" panose="02020603050405020304" pitchFamily="18" charset="0"/>
+                <a:cs typeface="Times New Roman" panose="02020603050405020304" pitchFamily="18" charset="0"/>
+              </a:rPr>
+              <a:t>Andreas Hyldegaard Hansen 202106123</a:t>
+            </a:r>
+          </a:p>
+        </p:txBody>
+      </p:sp>
+      <p:pic>
+        <p:nvPicPr>
+          <p:cNvPr id="86" name="Picture 4" descr="Photo of a group of turbines on lush green mountains">
+            <a:extLst>
+              <a:ext uri="{FF2B5EF4-FFF2-40B4-BE49-F238E27FC236}">
+                <a16:creationId xmlns:a16="http://schemas.microsoft.com/office/drawing/2014/main" id="{E776CC08-6FFE-BB48-EFFE-A9F783576E49}"/>
+              </a:ext>
+            </a:extLst>
+          </p:cNvPr>
+          <p:cNvPicPr>
+            <a:picLocks noChangeAspect="1"/>
+          </p:cNvPicPr>
+          <p:nvPr/>
+        </p:nvPicPr>
+        <p:blipFill rotWithShape="1">
+          <a:blip r:embed="rId2"/>
+          <a:srcRect l="39276" r="21307" b="-1"/>
+          <a:stretch/>
+        </p:blipFill>
+        <p:spPr>
+          <a:xfrm>
+            <a:off x="20" y="10"/>
+            <a:ext cx="4049786" cy="6857990"/>
+          </a:xfrm>
+          <a:custGeom>
+            <a:avLst/>
+            <a:gdLst/>
+            <a:ahLst/>
+            <a:cxnLst/>
+            <a:rect l="l" t="t" r="r" b="b"/>
+            <a:pathLst>
+              <a:path w="4049806" h="6858000">
+                <a:moveTo>
+                  <a:pt x="0" y="0"/>
+                </a:moveTo>
+                <a:lnTo>
+                  <a:pt x="4018525" y="0"/>
+                </a:lnTo>
+                <a:lnTo>
+                  <a:pt x="4019816" y="10931"/>
+                </a:lnTo>
+                <a:cubicBezTo>
+                  <a:pt x="4034945" y="94836"/>
+                  <a:pt x="4032275" y="179884"/>
+                  <a:pt x="4036343" y="264297"/>
+                </a:cubicBezTo>
+                <a:cubicBezTo>
+                  <a:pt x="4041301" y="367652"/>
+                  <a:pt x="4035072" y="471135"/>
+                  <a:pt x="4032911" y="574617"/>
+                </a:cubicBezTo>
+                <a:cubicBezTo>
+                  <a:pt x="4031004" y="662717"/>
+                  <a:pt x="4022232" y="750690"/>
+                  <a:pt x="4025029" y="838916"/>
+                </a:cubicBezTo>
+                <a:cubicBezTo>
+                  <a:pt x="4025029" y="841968"/>
+                  <a:pt x="4025029" y="845019"/>
+                  <a:pt x="4025029" y="848070"/>
+                </a:cubicBezTo>
+                <a:cubicBezTo>
+                  <a:pt x="4017020" y="945068"/>
+                  <a:pt x="4017020" y="1042576"/>
+                  <a:pt x="4025029" y="1139574"/>
+                </a:cubicBezTo>
+                <a:cubicBezTo>
+                  <a:pt x="4027609" y="1179950"/>
+                  <a:pt x="4026885" y="1220466"/>
+                  <a:pt x="4022868" y="1260728"/>
+                </a:cubicBezTo>
+                <a:cubicBezTo>
+                  <a:pt x="4019054" y="1311960"/>
+                  <a:pt x="4006849" y="1364083"/>
+                  <a:pt x="4015621" y="1414934"/>
+                </a:cubicBezTo>
+                <a:cubicBezTo>
+                  <a:pt x="4021367" y="1456784"/>
+                  <a:pt x="4024558" y="1498940"/>
+                  <a:pt x="4025156" y="1541172"/>
+                </a:cubicBezTo>
+                <a:cubicBezTo>
+                  <a:pt x="4029478" y="1635755"/>
+                  <a:pt x="4025283" y="1730847"/>
+                  <a:pt x="4023757" y="1825685"/>
+                </a:cubicBezTo>
+                <a:cubicBezTo>
+                  <a:pt x="4021850" y="1936286"/>
+                  <a:pt x="4024647" y="2046634"/>
+                  <a:pt x="4015748" y="2157235"/>
+                </a:cubicBezTo>
+                <a:cubicBezTo>
+                  <a:pt x="4010790" y="2246581"/>
+                  <a:pt x="4010790" y="2336130"/>
+                  <a:pt x="4015748" y="2425476"/>
+                </a:cubicBezTo>
+                <a:cubicBezTo>
+                  <a:pt x="4018164" y="2507473"/>
+                  <a:pt x="4030495" y="2588454"/>
+                  <a:pt x="4028461" y="2671214"/>
+                </a:cubicBezTo>
+                <a:cubicBezTo>
+                  <a:pt x="4026046" y="2767832"/>
+                  <a:pt x="4014604" y="2863940"/>
+                  <a:pt x="4018164" y="2960685"/>
+                </a:cubicBezTo>
+                <a:cubicBezTo>
+                  <a:pt x="4019816" y="3006832"/>
+                  <a:pt x="4019944" y="3052980"/>
+                  <a:pt x="4020961" y="3099127"/>
+                </a:cubicBezTo>
+                <a:cubicBezTo>
+                  <a:pt x="4021978" y="3154682"/>
+                  <a:pt x="4032021" y="3210110"/>
+                  <a:pt x="4026427" y="3265665"/>
+                </a:cubicBezTo>
+                <a:cubicBezTo>
+                  <a:pt x="4017147" y="3358087"/>
+                  <a:pt x="3993120" y="3448857"/>
+                  <a:pt x="4008121" y="3543567"/>
+                </a:cubicBezTo>
+                <a:cubicBezTo>
+                  <a:pt x="4016384" y="3595690"/>
+                  <a:pt x="4025791" y="3647940"/>
+                  <a:pt x="4030495" y="3700571"/>
+                </a:cubicBezTo>
+                <a:cubicBezTo>
+                  <a:pt x="4034690" y="3747608"/>
+                  <a:pt x="4045369" y="3795408"/>
+                  <a:pt x="4037233" y="3842191"/>
+                </a:cubicBezTo>
+                <a:cubicBezTo>
+                  <a:pt x="4030368" y="3882237"/>
+                  <a:pt x="4034055" y="3922282"/>
+                  <a:pt x="4028715" y="3962327"/>
+                </a:cubicBezTo>
+                <a:cubicBezTo>
+                  <a:pt x="4021723" y="4014831"/>
+                  <a:pt x="4017910" y="4068352"/>
+                  <a:pt x="4012697" y="4121111"/>
+                </a:cubicBezTo>
+                <a:cubicBezTo>
+                  <a:pt x="4007866" y="4169038"/>
+                  <a:pt x="4004307" y="4216838"/>
+                  <a:pt x="4017020" y="4261841"/>
+                </a:cubicBezTo>
+                <a:cubicBezTo>
+                  <a:pt x="4048039" y="4375112"/>
+                  <a:pt x="4031004" y="4487748"/>
+                  <a:pt x="4019308" y="4600257"/>
+                </a:cubicBezTo>
+                <a:cubicBezTo>
+                  <a:pt x="4013587" y="4655049"/>
+                  <a:pt x="4005197" y="4712765"/>
+                  <a:pt x="4017910" y="4762853"/>
+                </a:cubicBezTo>
+                <a:cubicBezTo>
+                  <a:pt x="4041428" y="4851716"/>
+                  <a:pt x="4022995" y="4936764"/>
+                  <a:pt x="4012824" y="5021432"/>
+                </a:cubicBezTo>
+                <a:cubicBezTo>
+                  <a:pt x="4002654" y="5106099"/>
+                  <a:pt x="4000239" y="5189495"/>
+                  <a:pt x="4018037" y="5272637"/>
+                </a:cubicBezTo>
+                <a:cubicBezTo>
+                  <a:pt x="4030495" y="5331116"/>
+                  <a:pt x="4030495" y="5390612"/>
+                  <a:pt x="4032021" y="5449600"/>
+                </a:cubicBezTo>
+                <a:cubicBezTo>
+                  <a:pt x="4032911" y="5486339"/>
+                  <a:pt x="4019308" y="5523842"/>
+                  <a:pt x="4010282" y="5560582"/>
+                </a:cubicBezTo>
+                <a:cubicBezTo>
+                  <a:pt x="3994009" y="5626943"/>
+                  <a:pt x="3988162" y="5694321"/>
+                  <a:pt x="4010282" y="5759029"/>
+                </a:cubicBezTo>
+                <a:cubicBezTo>
+                  <a:pt x="4040793" y="5848655"/>
+                  <a:pt x="4058336" y="5938407"/>
+                  <a:pt x="4045623" y="6033117"/>
+                </a:cubicBezTo>
+                <a:cubicBezTo>
+                  <a:pt x="4038377" y="6091724"/>
+                  <a:pt x="4036597" y="6151347"/>
+                  <a:pt x="4025664" y="6209190"/>
+                </a:cubicBezTo>
+                <a:cubicBezTo>
+                  <a:pt x="4007358" y="6304790"/>
+                  <a:pt x="4013841" y="6399882"/>
+                  <a:pt x="4028461" y="6494211"/>
+                </a:cubicBezTo>
+                <a:cubicBezTo>
+                  <a:pt x="4038542" y="6573081"/>
+                  <a:pt x="4039610" y="6652829"/>
+                  <a:pt x="4031639" y="6731941"/>
+                </a:cubicBezTo>
+                <a:lnTo>
+                  <a:pt x="4022913" y="6858000"/>
+                </a:lnTo>
+                <a:lnTo>
+                  <a:pt x="0" y="6858000"/>
+                </a:lnTo>
+                <a:close/>
+              </a:path>
+            </a:pathLst>
+          </a:custGeom>
+        </p:spPr>
+      </p:pic>
+      <p:sp>
+        <p:nvSpPr>
+          <p:cNvPr id="87" name="sketchy line">
+            <a:extLst>
+              <a:ext uri="{FF2B5EF4-FFF2-40B4-BE49-F238E27FC236}">
+                <a16:creationId xmlns:a16="http://schemas.microsoft.com/office/drawing/2014/main" id="{82580482-BA80-420A-8A05-C58E97F26B21}"/>
+              </a:ext>
+              <a:ext uri="{C183D7F6-B498-43B3-948B-1728B52AA6E4}">
+                <adec:decorative xmlns:adec="http://schemas.microsoft.com/office/drawing/2017/decorative" val="1"/>
+              </a:ext>
+            </a:extLst>
+          </p:cNvPr>
+          <p:cNvSpPr>
+            <a:spLocks noGrp="1" noRot="1" noChangeAspect="1" noMove="1" noResize="1" noEditPoints="1" noAdjustHandles="1" noChangeArrowheads="1" noChangeShapeType="1" noTextEdit="1"/>
+          </p:cNvSpPr>
+          <p:nvPr>
+            <p:extLst>
+              <p:ext uri="{386F3935-93C4-4BCD-93E2-E3B085C9AB24}">
+                <p16:designElem xmlns:p16="http://schemas.microsoft.com/office/powerpoint/2015/main" val="1"/>
+              </p:ext>
+            </p:extLst>
+          </p:nvPr>
+        </p:nvSpPr>
+        <p:spPr>
+          <a:xfrm>
+            <a:off x="4654296" y="4409267"/>
+            <a:ext cx="4242816" cy="18288"/>
+          </a:xfrm>
+          <a:custGeom>
+            <a:avLst/>
+            <a:gdLst>
+              <a:gd name="connsiteX0" fmla="*/ 0 w 4242816"/>
+              <a:gd name="connsiteY0" fmla="*/ 0 h 18288"/>
+              <a:gd name="connsiteX1" fmla="*/ 690973 w 4242816"/>
+              <a:gd name="connsiteY1" fmla="*/ 0 h 18288"/>
+              <a:gd name="connsiteX2" fmla="*/ 1212233 w 4242816"/>
+              <a:gd name="connsiteY2" fmla="*/ 0 h 18288"/>
+              <a:gd name="connsiteX3" fmla="*/ 1860778 w 4242816"/>
+              <a:gd name="connsiteY3" fmla="*/ 0 h 18288"/>
+              <a:gd name="connsiteX4" fmla="*/ 2424466 w 4242816"/>
+              <a:gd name="connsiteY4" fmla="*/ 0 h 18288"/>
+              <a:gd name="connsiteX5" fmla="*/ 3115439 w 4242816"/>
+              <a:gd name="connsiteY5" fmla="*/ 0 h 18288"/>
+              <a:gd name="connsiteX6" fmla="*/ 3636699 w 4242816"/>
+              <a:gd name="connsiteY6" fmla="*/ 0 h 18288"/>
+              <a:gd name="connsiteX7" fmla="*/ 4242816 w 4242816"/>
+              <a:gd name="connsiteY7" fmla="*/ 0 h 18288"/>
+              <a:gd name="connsiteX8" fmla="*/ 4242816 w 4242816"/>
+              <a:gd name="connsiteY8" fmla="*/ 18288 h 18288"/>
+              <a:gd name="connsiteX9" fmla="*/ 3636699 w 4242816"/>
+              <a:gd name="connsiteY9" fmla="*/ 18288 h 18288"/>
+              <a:gd name="connsiteX10" fmla="*/ 3030583 w 4242816"/>
+              <a:gd name="connsiteY10" fmla="*/ 18288 h 18288"/>
+              <a:gd name="connsiteX11" fmla="*/ 2466894 w 4242816"/>
+              <a:gd name="connsiteY11" fmla="*/ 18288 h 18288"/>
+              <a:gd name="connsiteX12" fmla="*/ 1988062 w 4242816"/>
+              <a:gd name="connsiteY12" fmla="*/ 18288 h 18288"/>
+              <a:gd name="connsiteX13" fmla="*/ 1466802 w 4242816"/>
+              <a:gd name="connsiteY13" fmla="*/ 18288 h 18288"/>
+              <a:gd name="connsiteX14" fmla="*/ 860686 w 4242816"/>
+              <a:gd name="connsiteY14" fmla="*/ 18288 h 18288"/>
+              <a:gd name="connsiteX15" fmla="*/ 0 w 4242816"/>
+              <a:gd name="connsiteY15" fmla="*/ 18288 h 18288"/>
+              <a:gd name="connsiteX16" fmla="*/ 0 w 4242816"/>
+              <a:gd name="connsiteY16" fmla="*/ 0 h 18288"/>
+            </a:gdLst>
+            <a:ahLst/>
+            <a:cxnLst>
+              <a:cxn ang="0">
+                <a:pos x="connsiteX0" y="connsiteY0"/>
+              </a:cxn>
+              <a:cxn ang="0">
+                <a:pos x="connsiteX1" y="connsiteY1"/>
+              </a:cxn>
+              <a:cxn ang="0">
+                <a:pos x="connsiteX2" y="connsiteY2"/>
+              </a:cxn>
+              <a:cxn ang="0">
+                <a:pos x="connsiteX3" y="connsiteY3"/>
+              </a:cxn>
+              <a:cxn ang="0">
+                <a:pos x="connsiteX4" y="connsiteY4"/>
+              </a:cxn>
+              <a:cxn ang="0">
+                <a:pos x="connsiteX5" y="connsiteY5"/>
+              </a:cxn>
+              <a:cxn ang="0">
+                <a:pos x="connsiteX6" y="connsiteY6"/>
+              </a:cxn>
+              <a:cxn ang="0">
+                <a:pos x="connsiteX7" y="connsiteY7"/>
+              </a:cxn>
+              <a:cxn ang="0">
+                <a:pos x="connsiteX8" y="connsiteY8"/>
+              </a:cxn>
+              <a:cxn ang="0">
+                <a:pos x="connsiteX9" y="connsiteY9"/>
+              </a:cxn>
+              <a:cxn ang="0">
+                <a:pos x="connsiteX10" y="connsiteY10"/>
+              </a:cxn>
+              <a:cxn ang="0">
+                <a:pos x="connsiteX11" y="connsiteY11"/>
+              </a:cxn>
+              <a:cxn ang="0">
+                <a:pos x="connsiteX12" y="connsiteY12"/>
+              </a:cxn>
+              <a:cxn ang="0">
+                <a:pos x="connsiteX13" y="connsiteY13"/>
+              </a:cxn>
+              <a:cxn ang="0">
+                <a:pos x="connsiteX14" y="connsiteY14"/>
+              </a:cxn>
+              <a:cxn ang="0">
+                <a:pos x="connsiteX15" y="connsiteY15"/>
+              </a:cxn>
+              <a:cxn ang="0">
+                <a:pos x="connsiteX16" y="connsiteY16"/>
+              </a:cxn>
+            </a:cxnLst>
+            <a:rect l="l" t="t" r="r" b="b"/>
+            <a:pathLst>
+              <a:path w="4242816" h="18288" fill="none" extrusionOk="0">
+                <a:moveTo>
+                  <a:pt x="0" y="0"/>
+                </a:moveTo>
+                <a:cubicBezTo>
+                  <a:pt x="249934" y="1471"/>
+                  <a:pt x="379877" y="-29444"/>
+                  <a:pt x="690973" y="0"/>
+                </a:cubicBezTo>
+                <a:cubicBezTo>
+                  <a:pt x="1002069" y="29444"/>
+                  <a:pt x="1021583" y="17501"/>
+                  <a:pt x="1212233" y="0"/>
+                </a:cubicBezTo>
+                <a:cubicBezTo>
+                  <a:pt x="1402883" y="-17501"/>
+                  <a:pt x="1678760" y="5386"/>
+                  <a:pt x="1860778" y="0"/>
+                </a:cubicBezTo>
+                <a:cubicBezTo>
+                  <a:pt x="2042796" y="-5386"/>
+                  <a:pt x="2245608" y="-22401"/>
+                  <a:pt x="2424466" y="0"/>
+                </a:cubicBezTo>
+                <a:cubicBezTo>
+                  <a:pt x="2603324" y="22401"/>
+                  <a:pt x="2890020" y="33806"/>
+                  <a:pt x="3115439" y="0"/>
+                </a:cubicBezTo>
+                <a:cubicBezTo>
+                  <a:pt x="3340858" y="-33806"/>
+                  <a:pt x="3428300" y="18628"/>
+                  <a:pt x="3636699" y="0"/>
+                </a:cubicBezTo>
+                <a:cubicBezTo>
+                  <a:pt x="3845098" y="-18628"/>
+                  <a:pt x="4108824" y="5541"/>
+                  <a:pt x="4242816" y="0"/>
+                </a:cubicBezTo>
+                <a:cubicBezTo>
+                  <a:pt x="4242066" y="4160"/>
+                  <a:pt x="4243125" y="10356"/>
+                  <a:pt x="4242816" y="18288"/>
+                </a:cubicBezTo>
+                <a:cubicBezTo>
+                  <a:pt x="4113424" y="32735"/>
+                  <a:pt x="3768327" y="47567"/>
+                  <a:pt x="3636699" y="18288"/>
+                </a:cubicBezTo>
+                <a:cubicBezTo>
+                  <a:pt x="3505071" y="-10991"/>
+                  <a:pt x="3294208" y="-4990"/>
+                  <a:pt x="3030583" y="18288"/>
+                </a:cubicBezTo>
+                <a:cubicBezTo>
+                  <a:pt x="2766958" y="41566"/>
+                  <a:pt x="2649277" y="20974"/>
+                  <a:pt x="2466894" y="18288"/>
+                </a:cubicBezTo>
+                <a:cubicBezTo>
+                  <a:pt x="2284511" y="15602"/>
+                  <a:pt x="2151277" y="1154"/>
+                  <a:pt x="1988062" y="18288"/>
+                </a:cubicBezTo>
+                <a:cubicBezTo>
+                  <a:pt x="1824847" y="35422"/>
+                  <a:pt x="1691359" y="9265"/>
+                  <a:pt x="1466802" y="18288"/>
+                </a:cubicBezTo>
+                <a:cubicBezTo>
+                  <a:pt x="1242245" y="27311"/>
+                  <a:pt x="1006161" y="36605"/>
+                  <a:pt x="860686" y="18288"/>
+                </a:cubicBezTo>
+                <a:cubicBezTo>
+                  <a:pt x="715211" y="-29"/>
+                  <a:pt x="242774" y="46538"/>
+                  <a:pt x="0" y="18288"/>
+                </a:cubicBezTo>
+                <a:cubicBezTo>
+                  <a:pt x="-146" y="11482"/>
+                  <a:pt x="-422" y="5192"/>
+                  <a:pt x="0" y="0"/>
+                </a:cubicBezTo>
+                <a:close/>
+              </a:path>
+              <a:path w="4242816" h="18288" stroke="0" extrusionOk="0">
+                <a:moveTo>
+                  <a:pt x="0" y="0"/>
+                </a:moveTo>
+                <a:cubicBezTo>
+                  <a:pt x="259751" y="-14018"/>
+                  <a:pt x="356632" y="-15007"/>
+                  <a:pt x="521260" y="0"/>
+                </a:cubicBezTo>
+                <a:cubicBezTo>
+                  <a:pt x="685888" y="15007"/>
+                  <a:pt x="885786" y="5167"/>
+                  <a:pt x="1212233" y="0"/>
+                </a:cubicBezTo>
+                <a:cubicBezTo>
+                  <a:pt x="1538680" y="-5167"/>
+                  <a:pt x="1458849" y="7951"/>
+                  <a:pt x="1691065" y="0"/>
+                </a:cubicBezTo>
+                <a:cubicBezTo>
+                  <a:pt x="1923281" y="-7951"/>
+                  <a:pt x="1985780" y="-16303"/>
+                  <a:pt x="2169897" y="0"/>
+                </a:cubicBezTo>
+                <a:cubicBezTo>
+                  <a:pt x="2354014" y="16303"/>
+                  <a:pt x="2633054" y="-2739"/>
+                  <a:pt x="2776014" y="0"/>
+                </a:cubicBezTo>
+                <a:cubicBezTo>
+                  <a:pt x="2918974" y="2739"/>
+                  <a:pt x="3112688" y="-15682"/>
+                  <a:pt x="3339702" y="0"/>
+                </a:cubicBezTo>
+                <a:cubicBezTo>
+                  <a:pt x="3566716" y="15682"/>
+                  <a:pt x="4015278" y="-28467"/>
+                  <a:pt x="4242816" y="0"/>
+                </a:cubicBezTo>
+                <a:cubicBezTo>
+                  <a:pt x="4243501" y="7633"/>
+                  <a:pt x="4242294" y="10002"/>
+                  <a:pt x="4242816" y="18288"/>
+                </a:cubicBezTo>
+                <a:cubicBezTo>
+                  <a:pt x="3924964" y="16283"/>
+                  <a:pt x="3746362" y="-1805"/>
+                  <a:pt x="3551843" y="18288"/>
+                </a:cubicBezTo>
+                <a:cubicBezTo>
+                  <a:pt x="3357324" y="38381"/>
+                  <a:pt x="3126422" y="47156"/>
+                  <a:pt x="2860870" y="18288"/>
+                </a:cubicBezTo>
+                <a:cubicBezTo>
+                  <a:pt x="2595318" y="-10580"/>
+                  <a:pt x="2572437" y="11441"/>
+                  <a:pt x="2297182" y="18288"/>
+                </a:cubicBezTo>
+                <a:cubicBezTo>
+                  <a:pt x="2021927" y="25135"/>
+                  <a:pt x="1916908" y="33601"/>
+                  <a:pt x="1733493" y="18288"/>
+                </a:cubicBezTo>
+                <a:cubicBezTo>
+                  <a:pt x="1550078" y="2975"/>
+                  <a:pt x="1412440" y="27896"/>
+                  <a:pt x="1212233" y="18288"/>
+                </a:cubicBezTo>
+                <a:cubicBezTo>
+                  <a:pt x="1012026" y="8680"/>
+                  <a:pt x="914386" y="13859"/>
+                  <a:pt x="648545" y="18288"/>
+                </a:cubicBezTo>
+                <a:cubicBezTo>
+                  <a:pt x="382704" y="22717"/>
+                  <a:pt x="233522" y="39342"/>
+                  <a:pt x="0" y="18288"/>
+                </a:cubicBezTo>
+                <a:cubicBezTo>
+                  <a:pt x="-772" y="13661"/>
+                  <a:pt x="-839" y="8490"/>
+                  <a:pt x="0" y="0"/>
+                </a:cubicBezTo>
+                <a:close/>
+              </a:path>
+            </a:pathLst>
+          </a:custGeom>
+          <a:solidFill>
+            <a:schemeClr val="accent2"/>
+          </a:solidFill>
+          <a:ln w="44450" cap="rnd">
+            <a:solidFill>
+              <a:schemeClr val="accent2"/>
+            </a:solidFill>
+            <a:round/>
+            <a:extLst>
+              <a:ext uri="{C807C97D-BFC1-408E-A445-0C87EB9F89A2}">
+                <ask:lineSketchStyleProps xmlns:ask="http://schemas.microsoft.com/office/drawing/2018/sketchyshapes" sd="2863741219">
+                  <a:prstGeom prst="rect">
+                    <a:avLst/>
+                  </a:prstGeom>
+                  <ask:type>
+                    <ask:lineSketchFreehand/>
+                  </ask:type>
+                </ask:lineSketchStyleProps>
+              </a:ext>
+            </a:extLst>
+          </a:ln>
+        </p:spPr>
+        <p:style>
+          <a:lnRef idx="2">
+            <a:schemeClr val="accent1">
+              <a:shade val="50000"/>
+            </a:schemeClr>
+          </a:lnRef>
+          <a:fillRef idx="1">
+            <a:schemeClr val="accent1"/>
+          </a:fillRef>
+          <a:effectRef idx="0">
+            <a:schemeClr val="accent1"/>
+          </a:effectRef>
+          <a:fontRef idx="minor">
+            <a:schemeClr val="lt1"/>
+          </a:fontRef>
+        </p:style>
+        <p:txBody>
+          <a:bodyPr rtlCol="0" anchor="ctr"/>
+          <a:lstStyle/>
+          <a:p>
+            <a:pPr algn="ctr"/>
+            <a:endParaRPr lang="en-US"/>
           </a:p>
         </p:txBody>
       </p:sp>
@@ -3375,6 +4828,579 @@
     <p:extLst>
       <p:ext uri="{BB962C8B-B14F-4D97-AF65-F5344CB8AC3E}">
         <p14:creationId xmlns:p14="http://schemas.microsoft.com/office/powerpoint/2010/main" val="2139418913"/>
+      </p:ext>
+    </p:extLst>
+  </p:cSld>
+  <p:clrMapOvr>
+    <a:masterClrMapping/>
+  </p:clrMapOvr>
+</p:sld>
+</file>
+
+<file path=ppt/slides/slide2.xml><?xml version="1.0" encoding="utf-8"?>
+<p:sld xmlns:a="http://schemas.openxmlformats.org/drawingml/2006/main" xmlns:r="http://schemas.openxmlformats.org/officeDocument/2006/relationships" xmlns:p="http://schemas.openxmlformats.org/presentationml/2006/main">
+  <p:cSld>
+    <p:spTree>
+      <p:nvGrpSpPr>
+        <p:cNvPr id="1" name=""/>
+        <p:cNvGrpSpPr/>
+        <p:nvPr/>
+      </p:nvGrpSpPr>
+      <p:grpSpPr>
+        <a:xfrm>
+          <a:off x="0" y="0"/>
+          <a:ext cx="0" cy="0"/>
+          <a:chOff x="0" y="0"/>
+          <a:chExt cx="0" cy="0"/>
+        </a:xfrm>
+      </p:grpSpPr>
+      <p:sp>
+        <p:nvSpPr>
+          <p:cNvPr id="2" name="Titel 1">
+            <a:extLst>
+              <a:ext uri="{FF2B5EF4-FFF2-40B4-BE49-F238E27FC236}">
+                <a16:creationId xmlns:a16="http://schemas.microsoft.com/office/drawing/2014/main" id="{9CBB8D73-A4A4-09E6-E7D5-0BEBDED570AD}"/>
+              </a:ext>
+            </a:extLst>
+          </p:cNvPr>
+          <p:cNvSpPr>
+            <a:spLocks noGrp="1"/>
+          </p:cNvSpPr>
+          <p:nvPr>
+            <p:ph type="title"/>
+          </p:nvPr>
+        </p:nvSpPr>
+        <p:spPr/>
+        <p:txBody>
+          <a:bodyPr/>
+          <a:lstStyle/>
+          <a:p>
+            <a:r>
+              <a:rPr lang="da-DK" dirty="0">
+                <a:latin typeface="Times New Roman" panose="02020603050405020304" pitchFamily="18" charset="0"/>
+                <a:cs typeface="Times New Roman" panose="02020603050405020304" pitchFamily="18" charset="0"/>
+              </a:rPr>
+              <a:t>Introduktion</a:t>
+            </a:r>
+          </a:p>
+        </p:txBody>
+      </p:sp>
+      <p:sp>
+        <p:nvSpPr>
+          <p:cNvPr id="3" name="Pladsholder til indhold 2">
+            <a:extLst>
+              <a:ext uri="{FF2B5EF4-FFF2-40B4-BE49-F238E27FC236}">
+                <a16:creationId xmlns:a16="http://schemas.microsoft.com/office/drawing/2014/main" id="{18C307AF-F876-10E4-AFC6-03FE5960ED44}"/>
+              </a:ext>
+            </a:extLst>
+          </p:cNvPr>
+          <p:cNvSpPr>
+            <a:spLocks noGrp="1"/>
+          </p:cNvSpPr>
+          <p:nvPr>
+            <p:ph idx="1"/>
+          </p:nvPr>
+        </p:nvSpPr>
+        <p:spPr/>
+        <p:txBody>
+          <a:bodyPr/>
+          <a:lstStyle/>
+          <a:p>
+            <a:endParaRPr lang="da-DK"/>
+          </a:p>
+        </p:txBody>
+      </p:sp>
+    </p:spTree>
+    <p:extLst>
+      <p:ext uri="{BB962C8B-B14F-4D97-AF65-F5344CB8AC3E}">
+        <p14:creationId xmlns:p14="http://schemas.microsoft.com/office/powerpoint/2010/main" val="4027126394"/>
+      </p:ext>
+    </p:extLst>
+  </p:cSld>
+  <p:clrMapOvr>
+    <a:masterClrMapping/>
+  </p:clrMapOvr>
+</p:sld>
+</file>
+
+<file path=ppt/slides/slide3.xml><?xml version="1.0" encoding="utf-8"?>
+<p:sld xmlns:a="http://schemas.openxmlformats.org/drawingml/2006/main" xmlns:r="http://schemas.openxmlformats.org/officeDocument/2006/relationships" xmlns:p="http://schemas.openxmlformats.org/presentationml/2006/main">
+  <p:cSld>
+    <p:spTree>
+      <p:nvGrpSpPr>
+        <p:cNvPr id="1" name=""/>
+        <p:cNvGrpSpPr/>
+        <p:nvPr/>
+      </p:nvGrpSpPr>
+      <p:grpSpPr>
+        <a:xfrm>
+          <a:off x="0" y="0"/>
+          <a:ext cx="0" cy="0"/>
+          <a:chOff x="0" y="0"/>
+          <a:chExt cx="0" cy="0"/>
+        </a:xfrm>
+      </p:grpSpPr>
+      <p:sp>
+        <p:nvSpPr>
+          <p:cNvPr id="2" name="Titel 1">
+            <a:extLst>
+              <a:ext uri="{FF2B5EF4-FFF2-40B4-BE49-F238E27FC236}">
+                <a16:creationId xmlns:a16="http://schemas.microsoft.com/office/drawing/2014/main" id="{E3F5DDBE-A043-2C0E-AE95-0EBBFDD31BD6}"/>
+              </a:ext>
+            </a:extLst>
+          </p:cNvPr>
+          <p:cNvSpPr>
+            <a:spLocks noGrp="1"/>
+          </p:cNvSpPr>
+          <p:nvPr>
+            <p:ph type="title"/>
+          </p:nvPr>
+        </p:nvSpPr>
+        <p:spPr/>
+        <p:txBody>
+          <a:bodyPr/>
+          <a:lstStyle/>
+          <a:p>
+            <a:r>
+              <a:rPr lang="da-DK" dirty="0">
+                <a:latin typeface="Times New Roman" panose="02020603050405020304" pitchFamily="18" charset="0"/>
+                <a:cs typeface="Times New Roman" panose="02020603050405020304" pitchFamily="18" charset="0"/>
+              </a:rPr>
+              <a:t>Data </a:t>
+            </a:r>
+            <a:r>
+              <a:rPr lang="da-DK" dirty="0" err="1">
+                <a:latin typeface="Times New Roman" panose="02020603050405020304" pitchFamily="18" charset="0"/>
+                <a:cs typeface="Times New Roman" panose="02020603050405020304" pitchFamily="18" charset="0"/>
+              </a:rPr>
+              <a:t>Cleaning</a:t>
+            </a:r>
+            <a:endParaRPr lang="da-DK" dirty="0">
+              <a:latin typeface="Times New Roman" panose="02020603050405020304" pitchFamily="18" charset="0"/>
+              <a:cs typeface="Times New Roman" panose="02020603050405020304" pitchFamily="18" charset="0"/>
+            </a:endParaRPr>
+          </a:p>
+        </p:txBody>
+      </p:sp>
+      <p:sp>
+        <p:nvSpPr>
+          <p:cNvPr id="3" name="Pladsholder til indhold 2">
+            <a:extLst>
+              <a:ext uri="{FF2B5EF4-FFF2-40B4-BE49-F238E27FC236}">
+                <a16:creationId xmlns:a16="http://schemas.microsoft.com/office/drawing/2014/main" id="{143542FC-CB38-3E33-94ED-57A27D34033E}"/>
+              </a:ext>
+            </a:extLst>
+          </p:cNvPr>
+          <p:cNvSpPr>
+            <a:spLocks noGrp="1"/>
+          </p:cNvSpPr>
+          <p:nvPr>
+            <p:ph idx="1"/>
+          </p:nvPr>
+        </p:nvSpPr>
+        <p:spPr/>
+        <p:txBody>
+          <a:bodyPr/>
+          <a:lstStyle/>
+          <a:p>
+            <a:endParaRPr lang="da-DK"/>
+          </a:p>
+        </p:txBody>
+      </p:sp>
+    </p:spTree>
+    <p:extLst>
+      <p:ext uri="{BB962C8B-B14F-4D97-AF65-F5344CB8AC3E}">
+        <p14:creationId xmlns:p14="http://schemas.microsoft.com/office/powerpoint/2010/main" val="1134538972"/>
+      </p:ext>
+    </p:extLst>
+  </p:cSld>
+  <p:clrMapOvr>
+    <a:masterClrMapping/>
+  </p:clrMapOvr>
+</p:sld>
+</file>
+
+<file path=ppt/slides/slide4.xml><?xml version="1.0" encoding="utf-8"?>
+<p:sld xmlns:a="http://schemas.openxmlformats.org/drawingml/2006/main" xmlns:r="http://schemas.openxmlformats.org/officeDocument/2006/relationships" xmlns:p="http://schemas.openxmlformats.org/presentationml/2006/main">
+  <p:cSld>
+    <p:spTree>
+      <p:nvGrpSpPr>
+        <p:cNvPr id="1" name=""/>
+        <p:cNvGrpSpPr/>
+        <p:nvPr/>
+      </p:nvGrpSpPr>
+      <p:grpSpPr>
+        <a:xfrm>
+          <a:off x="0" y="0"/>
+          <a:ext cx="0" cy="0"/>
+          <a:chOff x="0" y="0"/>
+          <a:chExt cx="0" cy="0"/>
+        </a:xfrm>
+      </p:grpSpPr>
+      <p:sp>
+        <p:nvSpPr>
+          <p:cNvPr id="2" name="Titel 1">
+            <a:extLst>
+              <a:ext uri="{FF2B5EF4-FFF2-40B4-BE49-F238E27FC236}">
+                <a16:creationId xmlns:a16="http://schemas.microsoft.com/office/drawing/2014/main" id="{3A4A851F-DC30-7A80-6888-349415862C45}"/>
+              </a:ext>
+            </a:extLst>
+          </p:cNvPr>
+          <p:cNvSpPr>
+            <a:spLocks noGrp="1"/>
+          </p:cNvSpPr>
+          <p:nvPr>
+            <p:ph type="title"/>
+          </p:nvPr>
+        </p:nvSpPr>
+        <p:spPr/>
+        <p:txBody>
+          <a:bodyPr/>
+          <a:lstStyle/>
+          <a:p>
+            <a:r>
+              <a:rPr lang="da-DK" dirty="0">
+                <a:latin typeface="Times New Roman" panose="02020603050405020304" pitchFamily="18" charset="0"/>
+                <a:cs typeface="Times New Roman" panose="02020603050405020304" pitchFamily="18" charset="0"/>
+              </a:rPr>
+              <a:t>Trend</a:t>
+            </a:r>
+          </a:p>
+        </p:txBody>
+      </p:sp>
+      <p:sp>
+        <p:nvSpPr>
+          <p:cNvPr id="3" name="Pladsholder til indhold 2">
+            <a:extLst>
+              <a:ext uri="{FF2B5EF4-FFF2-40B4-BE49-F238E27FC236}">
+                <a16:creationId xmlns:a16="http://schemas.microsoft.com/office/drawing/2014/main" id="{1266BBEC-BC12-EDF2-5B3D-11037F0F8C90}"/>
+              </a:ext>
+            </a:extLst>
+          </p:cNvPr>
+          <p:cNvSpPr>
+            <a:spLocks noGrp="1"/>
+          </p:cNvSpPr>
+          <p:nvPr>
+            <p:ph idx="1"/>
+          </p:nvPr>
+        </p:nvSpPr>
+        <p:spPr/>
+        <p:txBody>
+          <a:bodyPr/>
+          <a:lstStyle/>
+          <a:p>
+            <a:endParaRPr lang="da-DK"/>
+          </a:p>
+        </p:txBody>
+      </p:sp>
+    </p:spTree>
+    <p:extLst>
+      <p:ext uri="{BB962C8B-B14F-4D97-AF65-F5344CB8AC3E}">
+        <p14:creationId xmlns:p14="http://schemas.microsoft.com/office/powerpoint/2010/main" val="3452730050"/>
+      </p:ext>
+    </p:extLst>
+  </p:cSld>
+  <p:clrMapOvr>
+    <a:masterClrMapping/>
+  </p:clrMapOvr>
+</p:sld>
+</file>
+
+<file path=ppt/slides/slide5.xml><?xml version="1.0" encoding="utf-8"?>
+<p:sld xmlns:a="http://schemas.openxmlformats.org/drawingml/2006/main" xmlns:r="http://schemas.openxmlformats.org/officeDocument/2006/relationships" xmlns:p="http://schemas.openxmlformats.org/presentationml/2006/main">
+  <p:cSld>
+    <p:spTree>
+      <p:nvGrpSpPr>
+        <p:cNvPr id="1" name=""/>
+        <p:cNvGrpSpPr/>
+        <p:nvPr/>
+      </p:nvGrpSpPr>
+      <p:grpSpPr>
+        <a:xfrm>
+          <a:off x="0" y="0"/>
+          <a:ext cx="0" cy="0"/>
+          <a:chOff x="0" y="0"/>
+          <a:chExt cx="0" cy="0"/>
+        </a:xfrm>
+      </p:grpSpPr>
+      <p:sp>
+        <p:nvSpPr>
+          <p:cNvPr id="2" name="Titel 1">
+            <a:extLst>
+              <a:ext uri="{FF2B5EF4-FFF2-40B4-BE49-F238E27FC236}">
+                <a16:creationId xmlns:a16="http://schemas.microsoft.com/office/drawing/2014/main" id="{54AC52B9-5604-42AC-F8EB-3521D1EAAFA2}"/>
+              </a:ext>
+            </a:extLst>
+          </p:cNvPr>
+          <p:cNvSpPr>
+            <a:spLocks noGrp="1"/>
+          </p:cNvSpPr>
+          <p:nvPr>
+            <p:ph type="title"/>
+          </p:nvPr>
+        </p:nvSpPr>
+        <p:spPr/>
+        <p:txBody>
+          <a:bodyPr/>
+          <a:lstStyle/>
+          <a:p>
+            <a:r>
+              <a:rPr lang="da-DK" dirty="0" err="1">
+                <a:latin typeface="Times New Roman" panose="02020603050405020304" pitchFamily="18" charset="0"/>
+                <a:cs typeface="Times New Roman" panose="02020603050405020304" pitchFamily="18" charset="0"/>
+              </a:rPr>
+              <a:t>Seasonality</a:t>
+            </a:r>
+            <a:endParaRPr lang="da-DK" dirty="0">
+              <a:latin typeface="Times New Roman" panose="02020603050405020304" pitchFamily="18" charset="0"/>
+              <a:cs typeface="Times New Roman" panose="02020603050405020304" pitchFamily="18" charset="0"/>
+            </a:endParaRPr>
+          </a:p>
+        </p:txBody>
+      </p:sp>
+      <p:sp>
+        <p:nvSpPr>
+          <p:cNvPr id="3" name="Pladsholder til indhold 2">
+            <a:extLst>
+              <a:ext uri="{FF2B5EF4-FFF2-40B4-BE49-F238E27FC236}">
+                <a16:creationId xmlns:a16="http://schemas.microsoft.com/office/drawing/2014/main" id="{9A84A67A-CB70-0B9F-D586-849001A76D57}"/>
+              </a:ext>
+            </a:extLst>
+          </p:cNvPr>
+          <p:cNvSpPr>
+            <a:spLocks noGrp="1"/>
+          </p:cNvSpPr>
+          <p:nvPr>
+            <p:ph idx="1"/>
+          </p:nvPr>
+        </p:nvSpPr>
+        <p:spPr/>
+        <p:txBody>
+          <a:bodyPr/>
+          <a:lstStyle/>
+          <a:p>
+            <a:endParaRPr lang="da-DK"/>
+          </a:p>
+        </p:txBody>
+      </p:sp>
+    </p:spTree>
+    <p:extLst>
+      <p:ext uri="{BB962C8B-B14F-4D97-AF65-F5344CB8AC3E}">
+        <p14:creationId xmlns:p14="http://schemas.microsoft.com/office/powerpoint/2010/main" val="3922123492"/>
+      </p:ext>
+    </p:extLst>
+  </p:cSld>
+  <p:clrMapOvr>
+    <a:masterClrMapping/>
+  </p:clrMapOvr>
+</p:sld>
+</file>
+
+<file path=ppt/slides/slide6.xml><?xml version="1.0" encoding="utf-8"?>
+<p:sld xmlns:a="http://schemas.openxmlformats.org/drawingml/2006/main" xmlns:r="http://schemas.openxmlformats.org/officeDocument/2006/relationships" xmlns:p="http://schemas.openxmlformats.org/presentationml/2006/main">
+  <p:cSld>
+    <p:spTree>
+      <p:nvGrpSpPr>
+        <p:cNvPr id="1" name=""/>
+        <p:cNvGrpSpPr/>
+        <p:nvPr/>
+      </p:nvGrpSpPr>
+      <p:grpSpPr>
+        <a:xfrm>
+          <a:off x="0" y="0"/>
+          <a:ext cx="0" cy="0"/>
+          <a:chOff x="0" y="0"/>
+          <a:chExt cx="0" cy="0"/>
+        </a:xfrm>
+      </p:grpSpPr>
+      <p:sp>
+        <p:nvSpPr>
+          <p:cNvPr id="2" name="Titel 1">
+            <a:extLst>
+              <a:ext uri="{FF2B5EF4-FFF2-40B4-BE49-F238E27FC236}">
+                <a16:creationId xmlns:a16="http://schemas.microsoft.com/office/drawing/2014/main" id="{354B08C9-B480-8EDD-006E-C6D05D653EC7}"/>
+              </a:ext>
+            </a:extLst>
+          </p:cNvPr>
+          <p:cNvSpPr>
+            <a:spLocks noGrp="1"/>
+          </p:cNvSpPr>
+          <p:nvPr>
+            <p:ph type="title"/>
+          </p:nvPr>
+        </p:nvSpPr>
+        <p:spPr/>
+        <p:txBody>
+          <a:bodyPr/>
+          <a:lstStyle/>
+          <a:p>
+            <a:r>
+              <a:rPr lang="da-DK" dirty="0" err="1">
+                <a:latin typeface="Times New Roman" panose="02020603050405020304" pitchFamily="18" charset="0"/>
+                <a:cs typeface="Times New Roman" panose="02020603050405020304" pitchFamily="18" charset="0"/>
+              </a:rPr>
+              <a:t>Forecasting</a:t>
+            </a:r>
+            <a:endParaRPr lang="da-DK" dirty="0">
+              <a:latin typeface="Times New Roman" panose="02020603050405020304" pitchFamily="18" charset="0"/>
+              <a:cs typeface="Times New Roman" panose="02020603050405020304" pitchFamily="18" charset="0"/>
+            </a:endParaRPr>
+          </a:p>
+        </p:txBody>
+      </p:sp>
+      <p:sp>
+        <p:nvSpPr>
+          <p:cNvPr id="3" name="Pladsholder til indhold 2">
+            <a:extLst>
+              <a:ext uri="{FF2B5EF4-FFF2-40B4-BE49-F238E27FC236}">
+                <a16:creationId xmlns:a16="http://schemas.microsoft.com/office/drawing/2014/main" id="{DE7E4B27-9145-9B32-E3B9-FD09544CDBF5}"/>
+              </a:ext>
+            </a:extLst>
+          </p:cNvPr>
+          <p:cNvSpPr>
+            <a:spLocks noGrp="1"/>
+          </p:cNvSpPr>
+          <p:nvPr>
+            <p:ph idx="1"/>
+          </p:nvPr>
+        </p:nvSpPr>
+        <p:spPr>
+          <a:xfrm>
+            <a:off x="838200" y="1825625"/>
+            <a:ext cx="5525779" cy="4351338"/>
+          </a:xfrm>
+        </p:spPr>
+        <p:txBody>
+          <a:bodyPr/>
+          <a:lstStyle/>
+          <a:p>
+            <a:pPr marL="0" indent="0">
+              <a:buNone/>
+            </a:pPr>
+            <a:endParaRPr lang="da-DK" dirty="0"/>
+          </a:p>
+        </p:txBody>
+      </p:sp>
+      <p:pic>
+        <p:nvPicPr>
+          <p:cNvPr id="7" name="Billede 6">
+            <a:extLst>
+              <a:ext uri="{FF2B5EF4-FFF2-40B4-BE49-F238E27FC236}">
+                <a16:creationId xmlns:a16="http://schemas.microsoft.com/office/drawing/2014/main" id="{6898CD29-2D12-052D-1B05-40F2001DE668}"/>
+              </a:ext>
+            </a:extLst>
+          </p:cNvPr>
+          <p:cNvPicPr>
+            <a:picLocks noChangeAspect="1"/>
+          </p:cNvPicPr>
+          <p:nvPr/>
+        </p:nvPicPr>
+        <p:blipFill>
+          <a:blip r:embed="rId2"/>
+          <a:stretch>
+            <a:fillRect/>
+          </a:stretch>
+        </p:blipFill>
+        <p:spPr>
+          <a:xfrm>
+            <a:off x="6621451" y="1825625"/>
+            <a:ext cx="4732350" cy="4351338"/>
+          </a:xfrm>
+          <a:prstGeom prst="rect">
+            <a:avLst/>
+          </a:prstGeom>
+        </p:spPr>
+      </p:pic>
+    </p:spTree>
+    <p:extLst>
+      <p:ext uri="{BB962C8B-B14F-4D97-AF65-F5344CB8AC3E}">
+        <p14:creationId xmlns:p14="http://schemas.microsoft.com/office/powerpoint/2010/main" val="2506765863"/>
+      </p:ext>
+    </p:extLst>
+  </p:cSld>
+  <p:clrMapOvr>
+    <a:masterClrMapping/>
+  </p:clrMapOvr>
+</p:sld>
+</file>
+
+<file path=ppt/slides/slide7.xml><?xml version="1.0" encoding="utf-8"?>
+<p:sld xmlns:a="http://schemas.openxmlformats.org/drawingml/2006/main" xmlns:r="http://schemas.openxmlformats.org/officeDocument/2006/relationships" xmlns:p="http://schemas.openxmlformats.org/presentationml/2006/main">
+  <p:cSld>
+    <p:spTree>
+      <p:nvGrpSpPr>
+        <p:cNvPr id="1" name=""/>
+        <p:cNvGrpSpPr/>
+        <p:nvPr/>
+      </p:nvGrpSpPr>
+      <p:grpSpPr>
+        <a:xfrm>
+          <a:off x="0" y="0"/>
+          <a:ext cx="0" cy="0"/>
+          <a:chOff x="0" y="0"/>
+          <a:chExt cx="0" cy="0"/>
+        </a:xfrm>
+      </p:grpSpPr>
+      <p:sp>
+        <p:nvSpPr>
+          <p:cNvPr id="2" name="Titel 1">
+            <a:extLst>
+              <a:ext uri="{FF2B5EF4-FFF2-40B4-BE49-F238E27FC236}">
+                <a16:creationId xmlns:a16="http://schemas.microsoft.com/office/drawing/2014/main" id="{FFA66FE6-3D0F-2194-1E89-8E5235D82B73}"/>
+              </a:ext>
+            </a:extLst>
+          </p:cNvPr>
+          <p:cNvSpPr>
+            <a:spLocks noGrp="1"/>
+          </p:cNvSpPr>
+          <p:nvPr>
+            <p:ph type="title"/>
+          </p:nvPr>
+        </p:nvSpPr>
+        <p:spPr/>
+        <p:txBody>
+          <a:bodyPr/>
+          <a:lstStyle/>
+          <a:p>
+            <a:r>
+              <a:rPr lang="da-DK" dirty="0">
+                <a:latin typeface="Times New Roman" panose="02020603050405020304" pitchFamily="18" charset="0"/>
+                <a:cs typeface="Times New Roman" panose="02020603050405020304" pitchFamily="18" charset="0"/>
+              </a:rPr>
+              <a:t>Resultater</a:t>
+            </a:r>
+          </a:p>
+        </p:txBody>
+      </p:sp>
+      <p:sp>
+        <p:nvSpPr>
+          <p:cNvPr id="3" name="Pladsholder til indhold 2">
+            <a:extLst>
+              <a:ext uri="{FF2B5EF4-FFF2-40B4-BE49-F238E27FC236}">
+                <a16:creationId xmlns:a16="http://schemas.microsoft.com/office/drawing/2014/main" id="{F4743FAE-8BCA-7BEA-6FDE-B0C77FD123E3}"/>
+              </a:ext>
+            </a:extLst>
+          </p:cNvPr>
+          <p:cNvSpPr>
+            <a:spLocks noGrp="1"/>
+          </p:cNvSpPr>
+          <p:nvPr>
+            <p:ph idx="1"/>
+          </p:nvPr>
+        </p:nvSpPr>
+        <p:spPr/>
+        <p:txBody>
+          <a:bodyPr/>
+          <a:lstStyle/>
+          <a:p>
+            <a:endParaRPr lang="da-DK"/>
+          </a:p>
+        </p:txBody>
+      </p:sp>
+    </p:spTree>
+    <p:extLst>
+      <p:ext uri="{BB962C8B-B14F-4D97-AF65-F5344CB8AC3E}">
+        <p14:creationId xmlns:p14="http://schemas.microsoft.com/office/powerpoint/2010/main" val="2179647145"/>
       </p:ext>
     </p:extLst>
   </p:cSld>

--- a/Præsentation_exam.pptx
+++ b/Præsentation_exam.pptx
@@ -8,10 +8,11 @@
     <p:sldId id="256" r:id="rId2"/>
     <p:sldId id="262" r:id="rId3"/>
     <p:sldId id="258" r:id="rId4"/>
-    <p:sldId id="259" r:id="rId5"/>
-    <p:sldId id="260" r:id="rId6"/>
-    <p:sldId id="257" r:id="rId7"/>
-    <p:sldId id="261" r:id="rId8"/>
+    <p:sldId id="263" r:id="rId5"/>
+    <p:sldId id="259" r:id="rId6"/>
+    <p:sldId id="260" r:id="rId7"/>
+    <p:sldId id="257" r:id="rId8"/>
+    <p:sldId id="261" r:id="rId9"/>
   </p:sldIdLst>
   <p:sldSz cx="12192000" cy="6858000"/>
   <p:notesSz cx="6858000" cy="9144000"/>
@@ -1024,7 +1025,7 @@
           <a:p>
             <a:fld id="{4B5B4FDD-3281-F341-88F4-917A87B2AFB8}" type="datetimeFigureOut">
               <a:rPr lang="da-DK" smtClean="0"/>
-              <a:t>24-05-2023</a:t>
+              <a:t>30.05.2023</a:t>
             </a:fld>
             <a:endParaRPr lang="da-DK"/>
           </a:p>
@@ -1222,7 +1223,7 @@
           <a:p>
             <a:fld id="{4B5B4FDD-3281-F341-88F4-917A87B2AFB8}" type="datetimeFigureOut">
               <a:rPr lang="da-DK" smtClean="0"/>
-              <a:t>24-05-2023</a:t>
+              <a:t>30.05.2023</a:t>
             </a:fld>
             <a:endParaRPr lang="da-DK"/>
           </a:p>
@@ -1430,7 +1431,7 @@
           <a:p>
             <a:fld id="{4B5B4FDD-3281-F341-88F4-917A87B2AFB8}" type="datetimeFigureOut">
               <a:rPr lang="da-DK" smtClean="0"/>
-              <a:t>24-05-2023</a:t>
+              <a:t>30.05.2023</a:t>
             </a:fld>
             <a:endParaRPr lang="da-DK"/>
           </a:p>
@@ -1628,7 +1629,7 @@
           <a:p>
             <a:fld id="{4B5B4FDD-3281-F341-88F4-917A87B2AFB8}" type="datetimeFigureOut">
               <a:rPr lang="da-DK" smtClean="0"/>
-              <a:t>24-05-2023</a:t>
+              <a:t>30.05.2023</a:t>
             </a:fld>
             <a:endParaRPr lang="da-DK"/>
           </a:p>
@@ -1903,7 +1904,7 @@
           <a:p>
             <a:fld id="{4B5B4FDD-3281-F341-88F4-917A87B2AFB8}" type="datetimeFigureOut">
               <a:rPr lang="da-DK" smtClean="0"/>
-              <a:t>24-05-2023</a:t>
+              <a:t>30.05.2023</a:t>
             </a:fld>
             <a:endParaRPr lang="da-DK"/>
           </a:p>
@@ -2168,7 +2169,7 @@
           <a:p>
             <a:fld id="{4B5B4FDD-3281-F341-88F4-917A87B2AFB8}" type="datetimeFigureOut">
               <a:rPr lang="da-DK" smtClean="0"/>
-              <a:t>24-05-2023</a:t>
+              <a:t>30.05.2023</a:t>
             </a:fld>
             <a:endParaRPr lang="da-DK"/>
           </a:p>
@@ -2580,7 +2581,7 @@
           <a:p>
             <a:fld id="{4B5B4FDD-3281-F341-88F4-917A87B2AFB8}" type="datetimeFigureOut">
               <a:rPr lang="da-DK" smtClean="0"/>
-              <a:t>24-05-2023</a:t>
+              <a:t>30.05.2023</a:t>
             </a:fld>
             <a:endParaRPr lang="da-DK"/>
           </a:p>
@@ -2721,7 +2722,7 @@
           <a:p>
             <a:fld id="{4B5B4FDD-3281-F341-88F4-917A87B2AFB8}" type="datetimeFigureOut">
               <a:rPr lang="da-DK" smtClean="0"/>
-              <a:t>24-05-2023</a:t>
+              <a:t>30.05.2023</a:t>
             </a:fld>
             <a:endParaRPr lang="da-DK"/>
           </a:p>
@@ -2834,7 +2835,7 @@
           <a:p>
             <a:fld id="{4B5B4FDD-3281-F341-88F4-917A87B2AFB8}" type="datetimeFigureOut">
               <a:rPr lang="da-DK" smtClean="0"/>
-              <a:t>24-05-2023</a:t>
+              <a:t>30.05.2023</a:t>
             </a:fld>
             <a:endParaRPr lang="da-DK"/>
           </a:p>
@@ -3145,7 +3146,7 @@
           <a:p>
             <a:fld id="{4B5B4FDD-3281-F341-88F4-917A87B2AFB8}" type="datetimeFigureOut">
               <a:rPr lang="da-DK" smtClean="0"/>
-              <a:t>24-05-2023</a:t>
+              <a:t>30.05.2023</a:t>
             </a:fld>
             <a:endParaRPr lang="da-DK"/>
           </a:p>
@@ -3433,7 +3434,7 @@
           <a:p>
             <a:fld id="{4B5B4FDD-3281-F341-88F4-917A87B2AFB8}" type="datetimeFigureOut">
               <a:rPr lang="da-DK" smtClean="0"/>
-              <a:t>24-05-2023</a:t>
+              <a:t>30.05.2023</a:t>
             </a:fld>
             <a:endParaRPr lang="da-DK"/>
           </a:p>
@@ -3674,7 +3675,7 @@
           <a:p>
             <a:fld id="{4B5B4FDD-3281-F341-88F4-917A87B2AFB8}" type="datetimeFigureOut">
               <a:rPr lang="da-DK" smtClean="0"/>
-              <a:t>24-05-2023</a:t>
+              <a:t>30.05.2023</a:t>
             </a:fld>
             <a:endParaRPr lang="da-DK"/>
           </a:p>
@@ -5042,7 +5043,7 @@
           <p:cNvPr id="2" name="Titel 1">
             <a:extLst>
               <a:ext uri="{FF2B5EF4-FFF2-40B4-BE49-F238E27FC236}">
-                <a16:creationId xmlns:a16="http://schemas.microsoft.com/office/drawing/2014/main" id="{3A4A851F-DC30-7A80-6888-349415862C45}"/>
+                <a16:creationId xmlns:a16="http://schemas.microsoft.com/office/drawing/2014/main" id="{E4FECF88-4F46-89F8-31D9-9485CDFD2917}"/>
               </a:ext>
             </a:extLst>
           </p:cNvPr>
@@ -5059,12 +5060,10 @@
           <a:lstStyle/>
           <a:p>
             <a:r>
-              <a:rPr lang="da-DK" dirty="0">
-                <a:latin typeface="Times New Roman" panose="02020603050405020304" pitchFamily="18" charset="0"/>
-                <a:cs typeface="Times New Roman" panose="02020603050405020304" pitchFamily="18" charset="0"/>
-              </a:rPr>
-              <a:t>Trend</a:t>
-            </a:r>
+              <a:rPr lang="da-DK" dirty="0" err="1"/>
+              <a:t>Stationarity</a:t>
+            </a:r>
+            <a:endParaRPr lang="da-DK" dirty="0"/>
           </a:p>
         </p:txBody>
       </p:sp>
@@ -5073,7 +5072,7 @@
           <p:cNvPr id="3" name="Pladsholder til indhold 2">
             <a:extLst>
               <a:ext uri="{FF2B5EF4-FFF2-40B4-BE49-F238E27FC236}">
-                <a16:creationId xmlns:a16="http://schemas.microsoft.com/office/drawing/2014/main" id="{1266BBEC-BC12-EDF2-5B3D-11037F0F8C90}"/>
+                <a16:creationId xmlns:a16="http://schemas.microsoft.com/office/drawing/2014/main" id="{9E7FB24D-B2ED-7B6A-BA11-FDACF7E87CB8}"/>
               </a:ext>
             </a:extLst>
           </p:cNvPr>
@@ -5096,7 +5095,7 @@
     </p:spTree>
     <p:extLst>
       <p:ext uri="{BB962C8B-B14F-4D97-AF65-F5344CB8AC3E}">
-        <p14:creationId xmlns:p14="http://schemas.microsoft.com/office/powerpoint/2010/main" val="3452730050"/>
+        <p14:creationId xmlns:p14="http://schemas.microsoft.com/office/powerpoint/2010/main" val="3068237003"/>
       </p:ext>
     </p:extLst>
   </p:cSld>
@@ -5128,7 +5127,7 @@
           <p:cNvPr id="2" name="Titel 1">
             <a:extLst>
               <a:ext uri="{FF2B5EF4-FFF2-40B4-BE49-F238E27FC236}">
-                <a16:creationId xmlns:a16="http://schemas.microsoft.com/office/drawing/2014/main" id="{54AC52B9-5604-42AC-F8EB-3521D1EAAFA2}"/>
+                <a16:creationId xmlns:a16="http://schemas.microsoft.com/office/drawing/2014/main" id="{3A4A851F-DC30-7A80-6888-349415862C45}"/>
               </a:ext>
             </a:extLst>
           </p:cNvPr>
@@ -5145,16 +5144,12 @@
           <a:lstStyle/>
           <a:p>
             <a:r>
-              <a:rPr lang="da-DK" dirty="0" err="1">
+              <a:rPr lang="da-DK" dirty="0">
                 <a:latin typeface="Times New Roman" panose="02020603050405020304" pitchFamily="18" charset="0"/>
                 <a:cs typeface="Times New Roman" panose="02020603050405020304" pitchFamily="18" charset="0"/>
               </a:rPr>
-              <a:t>Seasonality</a:t>
-            </a:r>
-            <a:endParaRPr lang="da-DK" dirty="0">
-              <a:latin typeface="Times New Roman" panose="02020603050405020304" pitchFamily="18" charset="0"/>
-              <a:cs typeface="Times New Roman" panose="02020603050405020304" pitchFamily="18" charset="0"/>
-            </a:endParaRPr>
+              <a:t>Trend</a:t>
+            </a:r>
           </a:p>
         </p:txBody>
       </p:sp>
@@ -5163,7 +5158,7 @@
           <p:cNvPr id="3" name="Pladsholder til indhold 2">
             <a:extLst>
               <a:ext uri="{FF2B5EF4-FFF2-40B4-BE49-F238E27FC236}">
-                <a16:creationId xmlns:a16="http://schemas.microsoft.com/office/drawing/2014/main" id="{9A84A67A-CB70-0B9F-D586-849001A76D57}"/>
+                <a16:creationId xmlns:a16="http://schemas.microsoft.com/office/drawing/2014/main" id="{1266BBEC-BC12-EDF2-5B3D-11037F0F8C90}"/>
               </a:ext>
             </a:extLst>
           </p:cNvPr>
@@ -5186,7 +5181,7 @@
     </p:spTree>
     <p:extLst>
       <p:ext uri="{BB962C8B-B14F-4D97-AF65-F5344CB8AC3E}">
-        <p14:creationId xmlns:p14="http://schemas.microsoft.com/office/powerpoint/2010/main" val="3922123492"/>
+        <p14:creationId xmlns:p14="http://schemas.microsoft.com/office/powerpoint/2010/main" val="3452730050"/>
       </p:ext>
     </p:extLst>
   </p:cSld>
@@ -5218,7 +5213,7 @@
           <p:cNvPr id="2" name="Titel 1">
             <a:extLst>
               <a:ext uri="{FF2B5EF4-FFF2-40B4-BE49-F238E27FC236}">
-                <a16:creationId xmlns:a16="http://schemas.microsoft.com/office/drawing/2014/main" id="{354B08C9-B480-8EDD-006E-C6D05D653EC7}"/>
+                <a16:creationId xmlns:a16="http://schemas.microsoft.com/office/drawing/2014/main" id="{54AC52B9-5604-42AC-F8EB-3521D1EAAFA2}"/>
               </a:ext>
             </a:extLst>
           </p:cNvPr>
@@ -5239,7 +5234,7 @@
                 <a:latin typeface="Times New Roman" panose="02020603050405020304" pitchFamily="18" charset="0"/>
                 <a:cs typeface="Times New Roman" panose="02020603050405020304" pitchFamily="18" charset="0"/>
               </a:rPr>
-              <a:t>Forecasting</a:t>
+              <a:t>Seasonality</a:t>
             </a:r>
             <a:endParaRPr lang="da-DK" dirty="0">
               <a:latin typeface="Times New Roman" panose="02020603050405020304" pitchFamily="18" charset="0"/>
@@ -5253,7 +5248,7 @@
           <p:cNvPr id="3" name="Pladsholder til indhold 2">
             <a:extLst>
               <a:ext uri="{FF2B5EF4-FFF2-40B4-BE49-F238E27FC236}">
-                <a16:creationId xmlns:a16="http://schemas.microsoft.com/office/drawing/2014/main" id="{DE7E4B27-9145-9B32-E3B9-FD09544CDBF5}"/>
+                <a16:creationId xmlns:a16="http://schemas.microsoft.com/office/drawing/2014/main" id="{9A84A67A-CB70-0B9F-D586-849001A76D57}"/>
               </a:ext>
             </a:extLst>
           </p:cNvPr>
@@ -5266,27 +5261,64 @@
         </p:nvSpPr>
         <p:spPr>
           <a:xfrm>
-            <a:off x="838200" y="1825625"/>
-            <a:ext cx="5525779" cy="4351338"/>
+            <a:off x="838200" y="1690687"/>
+            <a:ext cx="4765158" cy="4486275"/>
           </a:xfrm>
         </p:spPr>
         <p:txBody>
           <a:bodyPr/>
           <a:lstStyle/>
           <a:p>
-            <a:pPr marL="0" indent="0">
-              <a:buNone/>
-            </a:pPr>
-            <a:endParaRPr lang="da-DK" dirty="0"/>
+            <a:r>
+              <a:rPr lang="da-DK" dirty="0">
+                <a:latin typeface="Times New Roman" panose="02020603050405020304" pitchFamily="18" charset="0"/>
+                <a:cs typeface="Times New Roman" panose="02020603050405020304" pitchFamily="18" charset="0"/>
+              </a:rPr>
+              <a:t>Fjern/fang </a:t>
+            </a:r>
+            <a:r>
+              <a:rPr lang="da-DK" dirty="0" err="1">
+                <a:latin typeface="Times New Roman" panose="02020603050405020304" pitchFamily="18" charset="0"/>
+                <a:cs typeface="Times New Roman" panose="02020603050405020304" pitchFamily="18" charset="0"/>
+              </a:rPr>
+              <a:t>seasonality</a:t>
+            </a:r>
+            <a:r>
+              <a:rPr lang="da-DK" dirty="0">
+                <a:latin typeface="Times New Roman" panose="02020603050405020304" pitchFamily="18" charset="0"/>
+                <a:cs typeface="Times New Roman" panose="02020603050405020304" pitchFamily="18" charset="0"/>
+              </a:rPr>
+              <a:t> for at forbedre prædiktionsevne</a:t>
+            </a:r>
+          </a:p>
+          <a:p>
+            <a:r>
+              <a:rPr lang="da-DK" dirty="0">
+                <a:latin typeface="Times New Roman" panose="02020603050405020304" pitchFamily="18" charset="0"/>
+                <a:cs typeface="Times New Roman" panose="02020603050405020304" pitchFamily="18" charset="0"/>
+              </a:rPr>
+              <a:t>Timelig, dagligt, månedligt </a:t>
+            </a:r>
+            <a:r>
+              <a:rPr lang="da-DK" dirty="0" err="1">
+                <a:latin typeface="Times New Roman" panose="02020603050405020304" pitchFamily="18" charset="0"/>
+                <a:cs typeface="Times New Roman" panose="02020603050405020304" pitchFamily="18" charset="0"/>
+              </a:rPr>
+              <a:t>seasonality</a:t>
+            </a:r>
+            <a:endParaRPr lang="da-DK" dirty="0">
+              <a:latin typeface="Times New Roman" panose="02020603050405020304" pitchFamily="18" charset="0"/>
+              <a:cs typeface="Times New Roman" panose="02020603050405020304" pitchFamily="18" charset="0"/>
+            </a:endParaRPr>
           </a:p>
         </p:txBody>
       </p:sp>
       <p:pic>
         <p:nvPicPr>
-          <p:cNvPr id="7" name="Billede 6">
-            <a:extLst>
-              <a:ext uri="{FF2B5EF4-FFF2-40B4-BE49-F238E27FC236}">
-                <a16:creationId xmlns:a16="http://schemas.microsoft.com/office/drawing/2014/main" id="{6898CD29-2D12-052D-1B05-40F2001DE668}"/>
+          <p:cNvPr id="4" name="Billede 3">
+            <a:extLst>
+              <a:ext uri="{FF2B5EF4-FFF2-40B4-BE49-F238E27FC236}">
+                <a16:creationId xmlns:a16="http://schemas.microsoft.com/office/drawing/2014/main" id="{345281D3-DECA-675D-8280-A562BFBE7D99}"/>
               </a:ext>
             </a:extLst>
           </p:cNvPr>
@@ -5303,8 +5335,68 @@
         </p:blipFill>
         <p:spPr>
           <a:xfrm>
-            <a:off x="6621451" y="1825625"/>
-            <a:ext cx="4732350" cy="4351338"/>
+            <a:off x="6986461" y="365125"/>
+            <a:ext cx="4320000" cy="3159696"/>
+          </a:xfrm>
+          <a:prstGeom prst="rect">
+            <a:avLst/>
+          </a:prstGeom>
+        </p:spPr>
+      </p:pic>
+      <p:pic>
+        <p:nvPicPr>
+          <p:cNvPr id="5" name="Billede 4">
+            <a:extLst>
+              <a:ext uri="{FF2B5EF4-FFF2-40B4-BE49-F238E27FC236}">
+                <a16:creationId xmlns:a16="http://schemas.microsoft.com/office/drawing/2014/main" id="{F15DCF76-80E9-4ED1-62BD-44A2345205AC}"/>
+              </a:ext>
+            </a:extLst>
+          </p:cNvPr>
+          <p:cNvPicPr>
+            <a:picLocks noChangeAspect="1"/>
+          </p:cNvPicPr>
+          <p:nvPr/>
+        </p:nvPicPr>
+        <p:blipFill>
+          <a:blip r:embed="rId3"/>
+          <a:stretch>
+            <a:fillRect/>
+          </a:stretch>
+        </p:blipFill>
+        <p:spPr>
+          <a:xfrm>
+            <a:off x="7033800" y="3524821"/>
+            <a:ext cx="4320000" cy="3168882"/>
+          </a:xfrm>
+          <a:prstGeom prst="rect">
+            <a:avLst/>
+          </a:prstGeom>
+        </p:spPr>
+      </p:pic>
+      <p:pic>
+        <p:nvPicPr>
+          <p:cNvPr id="6" name="Billede 5">
+            <a:extLst>
+              <a:ext uri="{FF2B5EF4-FFF2-40B4-BE49-F238E27FC236}">
+                <a16:creationId xmlns:a16="http://schemas.microsoft.com/office/drawing/2014/main" id="{DEEBB827-472E-6EA0-D204-05F679E30671}"/>
+              </a:ext>
+            </a:extLst>
+          </p:cNvPr>
+          <p:cNvPicPr>
+            <a:picLocks noChangeAspect="1"/>
+          </p:cNvPicPr>
+          <p:nvPr/>
+        </p:nvPicPr>
+        <p:blipFill>
+          <a:blip r:embed="rId4"/>
+          <a:stretch>
+            <a:fillRect/>
+          </a:stretch>
+        </p:blipFill>
+        <p:spPr>
+          <a:xfrm>
+            <a:off x="1121735" y="3429000"/>
+            <a:ext cx="4198088" cy="2968741"/>
           </a:xfrm>
           <a:prstGeom prst="rect">
             <a:avLst/>
@@ -5314,7 +5406,7 @@
     </p:spTree>
     <p:extLst>
       <p:ext uri="{BB962C8B-B14F-4D97-AF65-F5344CB8AC3E}">
-        <p14:creationId xmlns:p14="http://schemas.microsoft.com/office/powerpoint/2010/main" val="2506765863"/>
+        <p14:creationId xmlns:p14="http://schemas.microsoft.com/office/powerpoint/2010/main" val="3922123492"/>
       </p:ext>
     </p:extLst>
   </p:cSld>
@@ -5346,6 +5438,287 @@
           <p:cNvPr id="2" name="Titel 1">
             <a:extLst>
               <a:ext uri="{FF2B5EF4-FFF2-40B4-BE49-F238E27FC236}">
+                <a16:creationId xmlns:a16="http://schemas.microsoft.com/office/drawing/2014/main" id="{354B08C9-B480-8EDD-006E-C6D05D653EC7}"/>
+              </a:ext>
+            </a:extLst>
+          </p:cNvPr>
+          <p:cNvSpPr>
+            <a:spLocks noGrp="1"/>
+          </p:cNvSpPr>
+          <p:nvPr>
+            <p:ph type="title"/>
+          </p:nvPr>
+        </p:nvSpPr>
+        <p:spPr/>
+        <p:txBody>
+          <a:bodyPr/>
+          <a:lstStyle/>
+          <a:p>
+            <a:r>
+              <a:rPr lang="da-DK" dirty="0" err="1">
+                <a:latin typeface="Times New Roman" panose="02020603050405020304" pitchFamily="18" charset="0"/>
+                <a:cs typeface="Times New Roman" panose="02020603050405020304" pitchFamily="18" charset="0"/>
+              </a:rPr>
+              <a:t>Forecasting</a:t>
+            </a:r>
+            <a:endParaRPr lang="da-DK" dirty="0">
+              <a:latin typeface="Times New Roman" panose="02020603050405020304" pitchFamily="18" charset="0"/>
+              <a:cs typeface="Times New Roman" panose="02020603050405020304" pitchFamily="18" charset="0"/>
+            </a:endParaRPr>
+          </a:p>
+        </p:txBody>
+      </p:sp>
+      <p:pic>
+        <p:nvPicPr>
+          <p:cNvPr id="4" name="Pladsholder til indhold 3">
+            <a:extLst>
+              <a:ext uri="{FF2B5EF4-FFF2-40B4-BE49-F238E27FC236}">
+                <a16:creationId xmlns:a16="http://schemas.microsoft.com/office/drawing/2014/main" id="{7F8DAFB4-4B65-05BB-4C2D-01577188A679}"/>
+              </a:ext>
+            </a:extLst>
+          </p:cNvPr>
+          <p:cNvPicPr>
+            <a:picLocks noGrp="1" noChangeAspect="1"/>
+          </p:cNvPicPr>
+          <p:nvPr>
+            <p:ph idx="1"/>
+          </p:nvPr>
+        </p:nvPicPr>
+        <p:blipFill rotWithShape="1">
+          <a:blip r:embed="rId2"/>
+          <a:srcRect l="-1" r="1768"/>
+          <a:stretch/>
+        </p:blipFill>
+        <p:spPr>
+          <a:xfrm>
+            <a:off x="835508" y="1593242"/>
+            <a:ext cx="3330682" cy="2340000"/>
+          </a:xfrm>
+          <a:prstGeom prst="rect">
+            <a:avLst/>
+          </a:prstGeom>
+        </p:spPr>
+      </p:pic>
+      <p:pic>
+        <p:nvPicPr>
+          <p:cNvPr id="7" name="Billede 6">
+            <a:extLst>
+              <a:ext uri="{FF2B5EF4-FFF2-40B4-BE49-F238E27FC236}">
+                <a16:creationId xmlns:a16="http://schemas.microsoft.com/office/drawing/2014/main" id="{6898CD29-2D12-052D-1B05-40F2001DE668}"/>
+              </a:ext>
+            </a:extLst>
+          </p:cNvPr>
+          <p:cNvPicPr>
+            <a:picLocks noChangeAspect="1"/>
+          </p:cNvPicPr>
+          <p:nvPr/>
+        </p:nvPicPr>
+        <p:blipFill>
+          <a:blip r:embed="rId3"/>
+          <a:stretch>
+            <a:fillRect/>
+          </a:stretch>
+        </p:blipFill>
+        <p:spPr>
+          <a:xfrm>
+            <a:off x="6621450" y="1027906"/>
+            <a:ext cx="4732350" cy="4351338"/>
+          </a:xfrm>
+          <a:prstGeom prst="rect">
+            <a:avLst/>
+          </a:prstGeom>
+        </p:spPr>
+      </p:pic>
+      <p:pic>
+        <p:nvPicPr>
+          <p:cNvPr id="5" name="Billede 4">
+            <a:extLst>
+              <a:ext uri="{FF2B5EF4-FFF2-40B4-BE49-F238E27FC236}">
+                <a16:creationId xmlns:a16="http://schemas.microsoft.com/office/drawing/2014/main" id="{D4D4C4C4-DE6B-110E-277F-CF70A6A747AD}"/>
+              </a:ext>
+            </a:extLst>
+          </p:cNvPr>
+          <p:cNvPicPr>
+            <a:picLocks noChangeAspect="1"/>
+          </p:cNvPicPr>
+          <p:nvPr/>
+        </p:nvPicPr>
+        <p:blipFill rotWithShape="1">
+          <a:blip r:embed="rId4"/>
+          <a:srcRect t="360" r="1872" b="-469"/>
+          <a:stretch/>
+        </p:blipFill>
+        <p:spPr>
+          <a:xfrm>
+            <a:off x="838199" y="4088126"/>
+            <a:ext cx="3300109" cy="2340000"/>
+          </a:xfrm>
+          <a:prstGeom prst="rect">
+            <a:avLst/>
+          </a:prstGeom>
+        </p:spPr>
+      </p:pic>
+      <p:sp>
+        <p:nvSpPr>
+          <p:cNvPr id="6" name="Tekstfelt 5">
+            <a:extLst>
+              <a:ext uri="{FF2B5EF4-FFF2-40B4-BE49-F238E27FC236}">
+                <a16:creationId xmlns:a16="http://schemas.microsoft.com/office/drawing/2014/main" id="{30A395C3-2E6A-4185-9626-533EEFFF13A7}"/>
+              </a:ext>
+            </a:extLst>
+          </p:cNvPr>
+          <p:cNvSpPr txBox="1"/>
+          <p:nvPr/>
+        </p:nvSpPr>
+        <p:spPr>
+          <a:xfrm>
+            <a:off x="838200" y="1407544"/>
+            <a:ext cx="3327990" cy="461665"/>
+          </a:xfrm>
+          <a:prstGeom prst="rect">
+            <a:avLst/>
+          </a:prstGeom>
+          <a:noFill/>
+        </p:spPr>
+        <p:txBody>
+          <a:bodyPr wrap="square" rtlCol="0">
+            <a:spAutoFit/>
+          </a:bodyPr>
+          <a:lstStyle/>
+          <a:p>
+            <a:r>
+              <a:rPr lang="da-DK" sz="1200" dirty="0">
+                <a:latin typeface="Times New Roman" panose="02020603050405020304" pitchFamily="18" charset="0"/>
+                <a:cs typeface="Times New Roman" panose="02020603050405020304" pitchFamily="18" charset="0"/>
+              </a:rPr>
+              <a:t>SARIMA(24, 1, 1)(7, 0, 1)(24) </a:t>
+            </a:r>
+          </a:p>
+          <a:p>
+            <a:r>
+              <a:rPr lang="da-DK" sz="1200" dirty="0">
+                <a:latin typeface="Times New Roman" panose="02020603050405020304" pitchFamily="18" charset="0"/>
+                <a:cs typeface="Times New Roman" panose="02020603050405020304" pitchFamily="18" charset="0"/>
+              </a:rPr>
+              <a:t>RMSE: 344.0</a:t>
+            </a:r>
+          </a:p>
+        </p:txBody>
+      </p:sp>
+      <p:sp>
+        <p:nvSpPr>
+          <p:cNvPr id="8" name="Tekstfelt 7">
+            <a:extLst>
+              <a:ext uri="{FF2B5EF4-FFF2-40B4-BE49-F238E27FC236}">
+                <a16:creationId xmlns:a16="http://schemas.microsoft.com/office/drawing/2014/main" id="{A4E6894D-98C4-ECEA-E68E-E371BDB0410F}"/>
+              </a:ext>
+            </a:extLst>
+          </p:cNvPr>
+          <p:cNvSpPr txBox="1"/>
+          <p:nvPr/>
+        </p:nvSpPr>
+        <p:spPr>
+          <a:xfrm>
+            <a:off x="838199" y="3841940"/>
+            <a:ext cx="6025116" cy="461665"/>
+          </a:xfrm>
+          <a:prstGeom prst="rect">
+            <a:avLst/>
+          </a:prstGeom>
+          <a:noFill/>
+        </p:spPr>
+        <p:txBody>
+          <a:bodyPr wrap="square" rtlCol="0">
+            <a:spAutoFit/>
+          </a:bodyPr>
+          <a:lstStyle/>
+          <a:p>
+            <a:r>
+              <a:rPr lang="da-DK" sz="1200" dirty="0">
+                <a:latin typeface="Times New Roman" panose="02020603050405020304" pitchFamily="18" charset="0"/>
+                <a:cs typeface="Times New Roman" panose="02020603050405020304" pitchFamily="18" charset="0"/>
+              </a:rPr>
+              <a:t>SARIMA(24, 1, 1)(7, 0, 1)(24) + weekend + vind + fossil + biomasse + affald + handel</a:t>
+            </a:r>
+          </a:p>
+          <a:p>
+            <a:r>
+              <a:rPr lang="da-DK" sz="1200" dirty="0">
+                <a:latin typeface="Times New Roman" panose="02020603050405020304" pitchFamily="18" charset="0"/>
+                <a:cs typeface="Times New Roman" panose="02020603050405020304" pitchFamily="18" charset="0"/>
+              </a:rPr>
+              <a:t>RMSE: 263.9</a:t>
+            </a:r>
+          </a:p>
+        </p:txBody>
+      </p:sp>
+      <p:sp>
+        <p:nvSpPr>
+          <p:cNvPr id="9" name="Tekstfelt 8">
+            <a:extLst>
+              <a:ext uri="{FF2B5EF4-FFF2-40B4-BE49-F238E27FC236}">
+                <a16:creationId xmlns:a16="http://schemas.microsoft.com/office/drawing/2014/main" id="{E4A2D42B-068F-E7E1-5608-E13C7C4CF8FA}"/>
+              </a:ext>
+            </a:extLst>
+          </p:cNvPr>
+          <p:cNvSpPr txBox="1"/>
+          <p:nvPr/>
+        </p:nvSpPr>
+        <p:spPr>
+          <a:xfrm>
+            <a:off x="6621450" y="5603358"/>
+            <a:ext cx="4732350" cy="691116"/>
+          </a:xfrm>
+          <a:prstGeom prst="rect">
+            <a:avLst/>
+          </a:prstGeom>
+          <a:noFill/>
+        </p:spPr>
+        <p:txBody>
+          <a:bodyPr wrap="square" rtlCol="0">
+            <a:spAutoFit/>
+          </a:bodyPr>
+          <a:lstStyle/>
+          <a:p>
+            <a:endParaRPr lang="da-DK" dirty="0"/>
+          </a:p>
+        </p:txBody>
+      </p:sp>
+    </p:spTree>
+    <p:extLst>
+      <p:ext uri="{BB962C8B-B14F-4D97-AF65-F5344CB8AC3E}">
+        <p14:creationId xmlns:p14="http://schemas.microsoft.com/office/powerpoint/2010/main" val="2506765863"/>
+      </p:ext>
+    </p:extLst>
+  </p:cSld>
+  <p:clrMapOvr>
+    <a:masterClrMapping/>
+  </p:clrMapOvr>
+</p:sld>
+</file>
+
+<file path=ppt/slides/slide8.xml><?xml version="1.0" encoding="utf-8"?>
+<p:sld xmlns:a="http://schemas.openxmlformats.org/drawingml/2006/main" xmlns:r="http://schemas.openxmlformats.org/officeDocument/2006/relationships" xmlns:p="http://schemas.openxmlformats.org/presentationml/2006/main">
+  <p:cSld>
+    <p:spTree>
+      <p:nvGrpSpPr>
+        <p:cNvPr id="1" name=""/>
+        <p:cNvGrpSpPr/>
+        <p:nvPr/>
+      </p:nvGrpSpPr>
+      <p:grpSpPr>
+        <a:xfrm>
+          <a:off x="0" y="0"/>
+          <a:ext cx="0" cy="0"/>
+          <a:chOff x="0" y="0"/>
+          <a:chExt cx="0" cy="0"/>
+        </a:xfrm>
+      </p:grpSpPr>
+      <p:sp>
+        <p:nvSpPr>
+          <p:cNvPr id="2" name="Titel 1">
+            <a:extLst>
+              <a:ext uri="{FF2B5EF4-FFF2-40B4-BE49-F238E27FC236}">
                 <a16:creationId xmlns:a16="http://schemas.microsoft.com/office/drawing/2014/main" id="{FFA66FE6-3D0F-2194-1E89-8E5235D82B73}"/>
               </a:ext>
             </a:extLst>
@@ -5372,31 +5745,96 @@
           </a:p>
         </p:txBody>
       </p:sp>
-      <p:sp>
-        <p:nvSpPr>
-          <p:cNvPr id="3" name="Pladsholder til indhold 2">
-            <a:extLst>
-              <a:ext uri="{FF2B5EF4-FFF2-40B4-BE49-F238E27FC236}">
-                <a16:creationId xmlns:a16="http://schemas.microsoft.com/office/drawing/2014/main" id="{F4743FAE-8BCA-7BEA-6FDE-B0C77FD123E3}"/>
-              </a:ext>
-            </a:extLst>
-          </p:cNvPr>
-          <p:cNvSpPr>
-            <a:spLocks noGrp="1"/>
-          </p:cNvSpPr>
-          <p:nvPr>
-            <p:ph idx="1"/>
-          </p:nvPr>
-        </p:nvSpPr>
-        <p:spPr/>
-        <p:txBody>
-          <a:bodyPr/>
-          <a:lstStyle/>
-          <a:p>
-            <a:endParaRPr lang="da-DK"/>
-          </a:p>
-        </p:txBody>
-      </p:sp>
+      <p:pic>
+        <p:nvPicPr>
+          <p:cNvPr id="6" name="Billede 5">
+            <a:extLst>
+              <a:ext uri="{FF2B5EF4-FFF2-40B4-BE49-F238E27FC236}">
+                <a16:creationId xmlns:a16="http://schemas.microsoft.com/office/drawing/2014/main" id="{512E695C-EF65-892B-DCDB-8EA3A7AE4389}"/>
+              </a:ext>
+            </a:extLst>
+          </p:cNvPr>
+          <p:cNvPicPr>
+            <a:picLocks noChangeAspect="1"/>
+          </p:cNvPicPr>
+          <p:nvPr/>
+        </p:nvPicPr>
+        <p:blipFill>
+          <a:blip r:embed="rId2"/>
+          <a:stretch>
+            <a:fillRect/>
+          </a:stretch>
+        </p:blipFill>
+        <p:spPr>
+          <a:xfrm>
+            <a:off x="5681331" y="4130426"/>
+            <a:ext cx="5400000" cy="2278125"/>
+          </a:xfrm>
+          <a:prstGeom prst="rect">
+            <a:avLst/>
+          </a:prstGeom>
+        </p:spPr>
+      </p:pic>
+      <p:pic>
+        <p:nvPicPr>
+          <p:cNvPr id="7" name="Billede 6">
+            <a:extLst>
+              <a:ext uri="{FF2B5EF4-FFF2-40B4-BE49-F238E27FC236}">
+                <a16:creationId xmlns:a16="http://schemas.microsoft.com/office/drawing/2014/main" id="{F4C04E62-BC21-D684-2F6F-E16D6AB479BB}"/>
+              </a:ext>
+            </a:extLst>
+          </p:cNvPr>
+          <p:cNvPicPr>
+            <a:picLocks noChangeAspect="1"/>
+          </p:cNvPicPr>
+          <p:nvPr/>
+        </p:nvPicPr>
+        <p:blipFill>
+          <a:blip r:embed="rId3"/>
+          <a:stretch>
+            <a:fillRect/>
+          </a:stretch>
+        </p:blipFill>
+        <p:spPr>
+          <a:xfrm>
+            <a:off x="892431" y="1316225"/>
+            <a:ext cx="4321421" cy="5094000"/>
+          </a:xfrm>
+          <a:prstGeom prst="rect">
+            <a:avLst/>
+          </a:prstGeom>
+        </p:spPr>
+      </p:pic>
+      <p:pic>
+        <p:nvPicPr>
+          <p:cNvPr id="8" name="Billede 7">
+            <a:extLst>
+              <a:ext uri="{FF2B5EF4-FFF2-40B4-BE49-F238E27FC236}">
+                <a16:creationId xmlns:a16="http://schemas.microsoft.com/office/drawing/2014/main" id="{71EEC4C6-F335-F7D3-EA48-65045EB744ED}"/>
+              </a:ext>
+            </a:extLst>
+          </p:cNvPr>
+          <p:cNvPicPr>
+            <a:picLocks noChangeAspect="1"/>
+          </p:cNvPicPr>
+          <p:nvPr/>
+        </p:nvPicPr>
+        <p:blipFill>
+          <a:blip r:embed="rId4"/>
+          <a:stretch>
+            <a:fillRect/>
+          </a:stretch>
+        </p:blipFill>
+        <p:spPr>
+          <a:xfrm>
+            <a:off x="5681331" y="1316226"/>
+            <a:ext cx="4320000" cy="2376944"/>
+          </a:xfrm>
+          <a:prstGeom prst="rect">
+            <a:avLst/>
+          </a:prstGeom>
+        </p:spPr>
+      </p:pic>
     </p:spTree>
     <p:extLst>
       <p:ext uri="{BB962C8B-B14F-4D97-AF65-F5344CB8AC3E}">

--- a/Præsentation_exam.pptx
+++ b/Præsentation_exam.pptx
@@ -10,9 +10,11 @@
     <p:sldId id="258" r:id="rId4"/>
     <p:sldId id="263" r:id="rId5"/>
     <p:sldId id="259" r:id="rId6"/>
-    <p:sldId id="260" r:id="rId7"/>
-    <p:sldId id="257" r:id="rId8"/>
-    <p:sldId id="261" r:id="rId9"/>
+    <p:sldId id="264" r:id="rId7"/>
+    <p:sldId id="260" r:id="rId8"/>
+    <p:sldId id="265" r:id="rId9"/>
+    <p:sldId id="257" r:id="rId10"/>
+    <p:sldId id="261" r:id="rId11"/>
   </p:sldIdLst>
   <p:sldSz cx="12192000" cy="6858000"/>
   <p:notesSz cx="6858000" cy="9144000"/>
@@ -4838,6 +4840,157 @@
 </p:sld>
 </file>
 
+<file path=ppt/slides/slide10.xml><?xml version="1.0" encoding="utf-8"?>
+<p:sld xmlns:a="http://schemas.openxmlformats.org/drawingml/2006/main" xmlns:r="http://schemas.openxmlformats.org/officeDocument/2006/relationships" xmlns:p="http://schemas.openxmlformats.org/presentationml/2006/main">
+  <p:cSld>
+    <p:spTree>
+      <p:nvGrpSpPr>
+        <p:cNvPr id="1" name=""/>
+        <p:cNvGrpSpPr/>
+        <p:nvPr/>
+      </p:nvGrpSpPr>
+      <p:grpSpPr>
+        <a:xfrm>
+          <a:off x="0" y="0"/>
+          <a:ext cx="0" cy="0"/>
+          <a:chOff x="0" y="0"/>
+          <a:chExt cx="0" cy="0"/>
+        </a:xfrm>
+      </p:grpSpPr>
+      <p:sp>
+        <p:nvSpPr>
+          <p:cNvPr id="2" name="Titel 1">
+            <a:extLst>
+              <a:ext uri="{FF2B5EF4-FFF2-40B4-BE49-F238E27FC236}">
+                <a16:creationId xmlns:a16="http://schemas.microsoft.com/office/drawing/2014/main" id="{FFA66FE6-3D0F-2194-1E89-8E5235D82B73}"/>
+              </a:ext>
+            </a:extLst>
+          </p:cNvPr>
+          <p:cNvSpPr>
+            <a:spLocks noGrp="1"/>
+          </p:cNvSpPr>
+          <p:nvPr>
+            <p:ph type="title"/>
+          </p:nvPr>
+        </p:nvSpPr>
+        <p:spPr/>
+        <p:txBody>
+          <a:bodyPr/>
+          <a:lstStyle/>
+          <a:p>
+            <a:r>
+              <a:rPr lang="da-DK" dirty="0">
+                <a:latin typeface="Times New Roman" panose="02020603050405020304" pitchFamily="18" charset="0"/>
+                <a:cs typeface="Times New Roman" panose="02020603050405020304" pitchFamily="18" charset="0"/>
+              </a:rPr>
+              <a:t>Resultater</a:t>
+            </a:r>
+          </a:p>
+        </p:txBody>
+      </p:sp>
+      <p:pic>
+        <p:nvPicPr>
+          <p:cNvPr id="6" name="Billede 5">
+            <a:extLst>
+              <a:ext uri="{FF2B5EF4-FFF2-40B4-BE49-F238E27FC236}">
+                <a16:creationId xmlns:a16="http://schemas.microsoft.com/office/drawing/2014/main" id="{512E695C-EF65-892B-DCDB-8EA3A7AE4389}"/>
+              </a:ext>
+            </a:extLst>
+          </p:cNvPr>
+          <p:cNvPicPr>
+            <a:picLocks noChangeAspect="1"/>
+          </p:cNvPicPr>
+          <p:nvPr/>
+        </p:nvPicPr>
+        <p:blipFill>
+          <a:blip r:embed="rId2"/>
+          <a:stretch>
+            <a:fillRect/>
+          </a:stretch>
+        </p:blipFill>
+        <p:spPr>
+          <a:xfrm>
+            <a:off x="5681331" y="4130426"/>
+            <a:ext cx="5400000" cy="2278125"/>
+          </a:xfrm>
+          <a:prstGeom prst="rect">
+            <a:avLst/>
+          </a:prstGeom>
+        </p:spPr>
+      </p:pic>
+      <p:pic>
+        <p:nvPicPr>
+          <p:cNvPr id="7" name="Billede 6">
+            <a:extLst>
+              <a:ext uri="{FF2B5EF4-FFF2-40B4-BE49-F238E27FC236}">
+                <a16:creationId xmlns:a16="http://schemas.microsoft.com/office/drawing/2014/main" id="{F4C04E62-BC21-D684-2F6F-E16D6AB479BB}"/>
+              </a:ext>
+            </a:extLst>
+          </p:cNvPr>
+          <p:cNvPicPr>
+            <a:picLocks noChangeAspect="1"/>
+          </p:cNvPicPr>
+          <p:nvPr/>
+        </p:nvPicPr>
+        <p:blipFill>
+          <a:blip r:embed="rId3"/>
+          <a:stretch>
+            <a:fillRect/>
+          </a:stretch>
+        </p:blipFill>
+        <p:spPr>
+          <a:xfrm>
+            <a:off x="892431" y="1316225"/>
+            <a:ext cx="4321421" cy="5094000"/>
+          </a:xfrm>
+          <a:prstGeom prst="rect">
+            <a:avLst/>
+          </a:prstGeom>
+        </p:spPr>
+      </p:pic>
+      <p:pic>
+        <p:nvPicPr>
+          <p:cNvPr id="8" name="Billede 7">
+            <a:extLst>
+              <a:ext uri="{FF2B5EF4-FFF2-40B4-BE49-F238E27FC236}">
+                <a16:creationId xmlns:a16="http://schemas.microsoft.com/office/drawing/2014/main" id="{71EEC4C6-F335-F7D3-EA48-65045EB744ED}"/>
+              </a:ext>
+            </a:extLst>
+          </p:cNvPr>
+          <p:cNvPicPr>
+            <a:picLocks noChangeAspect="1"/>
+          </p:cNvPicPr>
+          <p:nvPr/>
+        </p:nvPicPr>
+        <p:blipFill>
+          <a:blip r:embed="rId4"/>
+          <a:stretch>
+            <a:fillRect/>
+          </a:stretch>
+        </p:blipFill>
+        <p:spPr>
+          <a:xfrm>
+            <a:off x="5681331" y="1316226"/>
+            <a:ext cx="4320000" cy="2376944"/>
+          </a:xfrm>
+          <a:prstGeom prst="rect">
+            <a:avLst/>
+          </a:prstGeom>
+        </p:spPr>
+      </p:pic>
+    </p:spTree>
+    <p:extLst>
+      <p:ext uri="{BB962C8B-B14F-4D97-AF65-F5344CB8AC3E}">
+        <p14:creationId xmlns:p14="http://schemas.microsoft.com/office/powerpoint/2010/main" val="2179647145"/>
+      </p:ext>
+    </p:extLst>
+  </p:cSld>
+  <p:clrMapOvr>
+    <a:masterClrMapping/>
+  </p:clrMapOvr>
+</p:sld>
+</file>
+
 <file path=ppt/slides/slide2.xml><?xml version="1.0" encoding="utf-8"?>
 <p:sld xmlns:a="http://schemas.openxmlformats.org/drawingml/2006/main" xmlns:r="http://schemas.openxmlformats.org/officeDocument/2006/relationships" xmlns:p="http://schemas.openxmlformats.org/presentationml/2006/main">
   <p:cSld>
@@ -4888,29 +5041,111 @@
       </p:sp>
       <p:sp>
         <p:nvSpPr>
-          <p:cNvPr id="3" name="Pladsholder til indhold 2">
-            <a:extLst>
-              <a:ext uri="{FF2B5EF4-FFF2-40B4-BE49-F238E27FC236}">
-                <a16:creationId xmlns:a16="http://schemas.microsoft.com/office/drawing/2014/main" id="{18C307AF-F876-10E4-AFC6-03FE5960ED44}"/>
-              </a:ext>
-            </a:extLst>
-          </p:cNvPr>
-          <p:cNvSpPr>
-            <a:spLocks noGrp="1"/>
-          </p:cNvSpPr>
+          <p:cNvPr id="5" name="AutoShape 2">
+            <a:extLst>
+              <a:ext uri="{FF2B5EF4-FFF2-40B4-BE49-F238E27FC236}">
+                <a16:creationId xmlns:a16="http://schemas.microsoft.com/office/drawing/2014/main" id="{B1EC76DB-91D6-CDED-AD46-0D1E17F5525B}"/>
+              </a:ext>
+            </a:extLst>
+          </p:cNvPr>
+          <p:cNvSpPr>
+            <a:spLocks noChangeAspect="1" noChangeArrowheads="1"/>
+          </p:cNvSpPr>
+          <p:nvPr/>
+        </p:nvSpPr>
+        <p:spPr bwMode="auto">
+          <a:xfrm>
+            <a:off x="5943600" y="3276600"/>
+            <a:ext cx="304800" cy="304800"/>
+          </a:xfrm>
+          <a:prstGeom prst="rect">
+            <a:avLst/>
+          </a:prstGeom>
+          <a:noFill/>
+          <a:extLst>
+            <a:ext uri="{909E8E84-426E-40DD-AFC4-6F175D3DCCD1}">
+              <a14:hiddenFill xmlns:a14="http://schemas.microsoft.com/office/drawing/2010/main">
+                <a:solidFill>
+                  <a:srgbClr val="FFFFFF"/>
+                </a:solidFill>
+              </a14:hiddenFill>
+            </a:ext>
+          </a:extLst>
+        </p:spPr>
+        <p:txBody>
+          <a:bodyPr vert="horz" wrap="square" lIns="91440" tIns="45720" rIns="91440" bIns="45720" numCol="1" anchor="t" anchorCtr="0" compatLnSpc="1">
+            <a:prstTxWarp prst="textNoShape">
+              <a:avLst/>
+            </a:prstTxWarp>
+          </a:bodyPr>
+          <a:lstStyle/>
+          <a:p>
+            <a:endParaRPr lang="da-DK"/>
+          </a:p>
+        </p:txBody>
+      </p:sp>
+      <p:pic>
+        <p:nvPicPr>
+          <p:cNvPr id="7" name="Billede 6">
+            <a:extLst>
+              <a:ext uri="{FF2B5EF4-FFF2-40B4-BE49-F238E27FC236}">
+                <a16:creationId xmlns:a16="http://schemas.microsoft.com/office/drawing/2014/main" id="{C497D76B-97F6-A9EC-C74D-ED60AB4644D6}"/>
+              </a:ext>
+            </a:extLst>
+          </p:cNvPr>
+          <p:cNvPicPr>
+            <a:picLocks noChangeAspect="1"/>
+          </p:cNvPicPr>
+          <p:nvPr/>
+        </p:nvPicPr>
+        <p:blipFill>
+          <a:blip r:embed="rId2"/>
+          <a:stretch>
+            <a:fillRect/>
+          </a:stretch>
+        </p:blipFill>
+        <p:spPr>
+          <a:xfrm>
+            <a:off x="5943600" y="2147779"/>
+            <a:ext cx="5040000" cy="3065567"/>
+          </a:xfrm>
+          <a:prstGeom prst="rect">
+            <a:avLst/>
+          </a:prstGeom>
+        </p:spPr>
+      </p:pic>
+      <p:pic>
+        <p:nvPicPr>
+          <p:cNvPr id="10" name="Pladsholder til indhold 9">
+            <a:extLst>
+              <a:ext uri="{FF2B5EF4-FFF2-40B4-BE49-F238E27FC236}">
+                <a16:creationId xmlns:a16="http://schemas.microsoft.com/office/drawing/2014/main" id="{C0BD528E-84B4-073E-B75A-E2082D1ADD55}"/>
+              </a:ext>
+            </a:extLst>
+          </p:cNvPr>
+          <p:cNvPicPr>
+            <a:picLocks noGrp="1" noChangeAspect="1"/>
+          </p:cNvPicPr>
           <p:nvPr>
             <p:ph idx="1"/>
           </p:nvPr>
-        </p:nvSpPr>
-        <p:spPr/>
-        <p:txBody>
-          <a:bodyPr/>
-          <a:lstStyle/>
-          <a:p>
-            <a:endParaRPr lang="da-DK"/>
-          </a:p>
-        </p:txBody>
-      </p:sp>
+        </p:nvPicPr>
+        <p:blipFill>
+          <a:blip r:embed="rId3"/>
+          <a:stretch>
+            <a:fillRect/>
+          </a:stretch>
+        </p:blipFill>
+        <p:spPr>
+          <a:xfrm>
+            <a:off x="651157" y="2029324"/>
+            <a:ext cx="5040000" cy="3075771"/>
+          </a:xfrm>
+          <a:prstGeom prst="rect">
+            <a:avLst/>
+          </a:prstGeom>
+        </p:spPr>
+      </p:pic>
     </p:spTree>
     <p:extLst>
       <p:ext uri="{BB962C8B-B14F-4D97-AF65-F5344CB8AC3E}">
@@ -5004,7 +5239,106 @@
           <a:bodyPr/>
           <a:lstStyle/>
           <a:p>
-            <a:endParaRPr lang="da-DK"/>
+            <a:r>
+              <a:rPr lang="da-DK" b="0" i="0" dirty="0">
+                <a:solidFill>
+                  <a:srgbClr val="333333"/>
+                </a:solidFill>
+                <a:effectLst/>
+                <a:latin typeface="Times New Roman" panose="02020603050405020304" pitchFamily="18" charset="0"/>
+                <a:cs typeface="Times New Roman" panose="02020603050405020304" pitchFamily="18" charset="0"/>
+              </a:rPr>
+              <a:t>www.energidataservice.dk JSON filer</a:t>
+            </a:r>
+          </a:p>
+          <a:p>
+            <a:r>
+              <a:rPr lang="da-DK" dirty="0">
+                <a:solidFill>
+                  <a:srgbClr val="333333"/>
+                </a:solidFill>
+                <a:latin typeface="Times New Roman" panose="02020603050405020304" pitchFamily="18" charset="0"/>
+                <a:cs typeface="Times New Roman" panose="02020603050405020304" pitchFamily="18" charset="0"/>
+              </a:rPr>
+              <a:t>Tjekket datatyper, lavet NA værdier, homogeniseret enheder</a:t>
+            </a:r>
+          </a:p>
+          <a:p>
+            <a:r>
+              <a:rPr lang="da-DK" dirty="0" err="1">
+                <a:solidFill>
+                  <a:srgbClr val="333333"/>
+                </a:solidFill>
+                <a:latin typeface="Times New Roman" panose="02020603050405020304" pitchFamily="18" charset="0"/>
+                <a:cs typeface="Times New Roman" panose="02020603050405020304" pitchFamily="18" charset="0"/>
+              </a:rPr>
+              <a:t>Production</a:t>
+            </a:r>
+            <a:r>
+              <a:rPr lang="da-DK" dirty="0">
+                <a:solidFill>
+                  <a:srgbClr val="333333"/>
+                </a:solidFill>
+                <a:latin typeface="Times New Roman" panose="02020603050405020304" pitchFamily="18" charset="0"/>
+                <a:cs typeface="Times New Roman" panose="02020603050405020304" pitchFamily="18" charset="0"/>
+              </a:rPr>
+              <a:t>, droppet nogle kolonner med NA-værdier</a:t>
+            </a:r>
+          </a:p>
+          <a:p>
+            <a:r>
+              <a:rPr lang="da-DK" dirty="0">
+                <a:solidFill>
+                  <a:srgbClr val="333333"/>
+                </a:solidFill>
+                <a:latin typeface="Times New Roman" panose="02020603050405020304" pitchFamily="18" charset="0"/>
+                <a:cs typeface="Times New Roman" panose="02020603050405020304" pitchFamily="18" charset="0"/>
+              </a:rPr>
+              <a:t>For få observationer i </a:t>
+            </a:r>
+            <a:r>
+              <a:rPr lang="da-DK" dirty="0" err="1">
+                <a:solidFill>
+                  <a:srgbClr val="333333"/>
+                </a:solidFill>
+                <a:latin typeface="Times New Roman" panose="02020603050405020304" pitchFamily="18" charset="0"/>
+                <a:cs typeface="Times New Roman" panose="02020603050405020304" pitchFamily="18" charset="0"/>
+              </a:rPr>
+              <a:t>Consumption</a:t>
+            </a:r>
+            <a:endParaRPr lang="da-DK" dirty="0">
+              <a:solidFill>
+                <a:srgbClr val="333333"/>
+              </a:solidFill>
+              <a:latin typeface="Times New Roman" panose="02020603050405020304" pitchFamily="18" charset="0"/>
+              <a:cs typeface="Times New Roman" panose="02020603050405020304" pitchFamily="18" charset="0"/>
+            </a:endParaRPr>
+          </a:p>
+          <a:p>
+            <a:r>
+              <a:rPr lang="da-DK" dirty="0" err="1">
+                <a:solidFill>
+                  <a:srgbClr val="333333"/>
+                </a:solidFill>
+                <a:latin typeface="Times New Roman" panose="02020603050405020304" pitchFamily="18" charset="0"/>
+                <a:cs typeface="Times New Roman" panose="02020603050405020304" pitchFamily="18" charset="0"/>
+              </a:rPr>
+              <a:t>Production</a:t>
+            </a:r>
+            <a:r>
+              <a:rPr lang="da-DK" dirty="0">
+                <a:solidFill>
+                  <a:srgbClr val="333333"/>
+                </a:solidFill>
+                <a:latin typeface="Times New Roman" panose="02020603050405020304" pitchFamily="18" charset="0"/>
+                <a:cs typeface="Times New Roman" panose="02020603050405020304" pitchFamily="18" charset="0"/>
+              </a:rPr>
+              <a:t> mangler 3 observationer</a:t>
+            </a:r>
+            <a:endParaRPr lang="da-DK" dirty="0">
+              <a:latin typeface="Times New Roman" panose="02020603050405020304" pitchFamily="18" charset="0"/>
+              <a:cs typeface="Times New Roman" panose="02020603050405020304" pitchFamily="18" charset="0"/>
+            </a:endParaRPr>
           </a:p>
         </p:txBody>
       </p:sp>
@@ -5060,10 +5394,16 @@
           <a:lstStyle/>
           <a:p>
             <a:r>
-              <a:rPr lang="da-DK" dirty="0" err="1"/>
-              <a:t>Stationarity</a:t>
-            </a:r>
-            <a:endParaRPr lang="da-DK" dirty="0"/>
+              <a:rPr lang="da-DK" dirty="0" err="1">
+                <a:latin typeface="Times New Roman" panose="02020603050405020304" pitchFamily="18" charset="0"/>
+                <a:cs typeface="Times New Roman" panose="02020603050405020304" pitchFamily="18" charset="0"/>
+              </a:rPr>
+              <a:t>Stationaritet</a:t>
+            </a:r>
+            <a:endParaRPr lang="da-DK" dirty="0">
+              <a:latin typeface="Times New Roman" panose="02020603050405020304" pitchFamily="18" charset="0"/>
+              <a:cs typeface="Times New Roman" panose="02020603050405020304" pitchFamily="18" charset="0"/>
+            </a:endParaRPr>
           </a:p>
         </p:txBody>
       </p:sp>
@@ -5083,12 +5423,240 @@
             <p:ph idx="1"/>
           </p:nvPr>
         </p:nvSpPr>
-        <p:spPr/>
+        <p:spPr>
+          <a:xfrm>
+            <a:off x="838200" y="1825625"/>
+            <a:ext cx="5257800" cy="4351338"/>
+          </a:xfrm>
+        </p:spPr>
         <p:txBody>
           <a:bodyPr/>
           <a:lstStyle/>
           <a:p>
-            <a:endParaRPr lang="da-DK"/>
+            <a:r>
+              <a:rPr lang="da-DK" dirty="0">
+                <a:latin typeface="Times New Roman" panose="02020603050405020304" pitchFamily="18" charset="0"/>
+                <a:cs typeface="Times New Roman" panose="02020603050405020304" pitchFamily="18" charset="0"/>
+              </a:rPr>
+              <a:t>Tester for </a:t>
+            </a:r>
+            <a:r>
+              <a:rPr lang="da-DK" dirty="0" err="1">
+                <a:latin typeface="Times New Roman" panose="02020603050405020304" pitchFamily="18" charset="0"/>
+                <a:cs typeface="Times New Roman" panose="02020603050405020304" pitchFamily="18" charset="0"/>
+              </a:rPr>
+              <a:t>kovarians</a:t>
+            </a:r>
+            <a:r>
+              <a:rPr lang="da-DK" dirty="0">
+                <a:latin typeface="Times New Roman" panose="02020603050405020304" pitchFamily="18" charset="0"/>
+                <a:cs typeface="Times New Roman" panose="02020603050405020304" pitchFamily="18" charset="0"/>
+              </a:rPr>
+              <a:t> </a:t>
+            </a:r>
+            <a:r>
+              <a:rPr lang="da-DK" dirty="0" err="1">
+                <a:latin typeface="Times New Roman" panose="02020603050405020304" pitchFamily="18" charset="0"/>
+                <a:cs typeface="Times New Roman" panose="02020603050405020304" pitchFamily="18" charset="0"/>
+              </a:rPr>
+              <a:t>stationaritet</a:t>
+            </a:r>
+            <a:endParaRPr lang="da-DK" dirty="0">
+              <a:latin typeface="Times New Roman" panose="02020603050405020304" pitchFamily="18" charset="0"/>
+              <a:cs typeface="Times New Roman" panose="02020603050405020304" pitchFamily="18" charset="0"/>
+            </a:endParaRPr>
+          </a:p>
+          <a:p>
+            <a:pPr lvl="1"/>
+            <a:r>
+              <a:rPr lang="da-DK" dirty="0">
+                <a:latin typeface="Times New Roman" panose="02020603050405020304" pitchFamily="18" charset="0"/>
+                <a:cs typeface="Times New Roman" panose="02020603050405020304" pitchFamily="18" charset="0"/>
+              </a:rPr>
+              <a:t>Middelværdi, varians og </a:t>
+            </a:r>
+            <a:r>
+              <a:rPr lang="da-DK" dirty="0" err="1">
+                <a:latin typeface="Times New Roman" panose="02020603050405020304" pitchFamily="18" charset="0"/>
+                <a:cs typeface="Times New Roman" panose="02020603050405020304" pitchFamily="18" charset="0"/>
+              </a:rPr>
+              <a:t>kovarians</a:t>
+            </a:r>
+            <a:r>
+              <a:rPr lang="da-DK" dirty="0">
+                <a:latin typeface="Times New Roman" panose="02020603050405020304" pitchFamily="18" charset="0"/>
+                <a:cs typeface="Times New Roman" panose="02020603050405020304" pitchFamily="18" charset="0"/>
+              </a:rPr>
+              <a:t> uafhængig af tid</a:t>
+            </a:r>
+          </a:p>
+          <a:p>
+            <a:r>
+              <a:rPr lang="da-DK" dirty="0">
+                <a:latin typeface="Times New Roman" panose="02020603050405020304" pitchFamily="18" charset="0"/>
+                <a:cs typeface="Times New Roman" panose="02020603050405020304" pitchFamily="18" charset="0"/>
+              </a:rPr>
+              <a:t>ADF og KPSS</a:t>
+            </a:r>
+          </a:p>
+          <a:p>
+            <a:r>
+              <a:rPr lang="da-DK" dirty="0">
+                <a:latin typeface="Times New Roman" panose="02020603050405020304" pitchFamily="18" charset="0"/>
+                <a:cs typeface="Times New Roman" panose="02020603050405020304" pitchFamily="18" charset="0"/>
+              </a:rPr>
+              <a:t>Log, trend, </a:t>
+            </a:r>
+            <a:r>
+              <a:rPr lang="da-DK" dirty="0" err="1">
+                <a:latin typeface="Times New Roman" panose="02020603050405020304" pitchFamily="18" charset="0"/>
+                <a:cs typeface="Times New Roman" panose="02020603050405020304" pitchFamily="18" charset="0"/>
+              </a:rPr>
+              <a:t>first</a:t>
+            </a:r>
+            <a:r>
+              <a:rPr lang="da-DK" dirty="0">
+                <a:latin typeface="Times New Roman" panose="02020603050405020304" pitchFamily="18" charset="0"/>
+                <a:cs typeface="Times New Roman" panose="02020603050405020304" pitchFamily="18" charset="0"/>
+              </a:rPr>
+              <a:t> difference</a:t>
+            </a:r>
+          </a:p>
+        </p:txBody>
+      </p:sp>
+      <p:pic>
+        <p:nvPicPr>
+          <p:cNvPr id="4" name="Billede 3">
+            <a:extLst>
+              <a:ext uri="{FF2B5EF4-FFF2-40B4-BE49-F238E27FC236}">
+                <a16:creationId xmlns:a16="http://schemas.microsoft.com/office/drawing/2014/main" id="{85EDE44F-4751-F545-FBCC-2E05546570AA}"/>
+              </a:ext>
+            </a:extLst>
+          </p:cNvPr>
+          <p:cNvPicPr>
+            <a:picLocks noChangeAspect="1"/>
+          </p:cNvPicPr>
+          <p:nvPr/>
+        </p:nvPicPr>
+        <p:blipFill>
+          <a:blip r:embed="rId2"/>
+          <a:stretch>
+            <a:fillRect/>
+          </a:stretch>
+        </p:blipFill>
+        <p:spPr>
+          <a:xfrm>
+            <a:off x="7137695" y="1797493"/>
+            <a:ext cx="3111500" cy="673100"/>
+          </a:xfrm>
+          <a:prstGeom prst="rect">
+            <a:avLst/>
+          </a:prstGeom>
+        </p:spPr>
+      </p:pic>
+      <p:pic>
+        <p:nvPicPr>
+          <p:cNvPr id="5" name="Billede 4">
+            <a:extLst>
+              <a:ext uri="{FF2B5EF4-FFF2-40B4-BE49-F238E27FC236}">
+                <a16:creationId xmlns:a16="http://schemas.microsoft.com/office/drawing/2014/main" id="{C36B9086-0142-4C3B-1CF0-D991C319A9CF}"/>
+              </a:ext>
+            </a:extLst>
+          </p:cNvPr>
+          <p:cNvPicPr>
+            <a:picLocks noChangeAspect="1"/>
+          </p:cNvPicPr>
+          <p:nvPr/>
+        </p:nvPicPr>
+        <p:blipFill>
+          <a:blip r:embed="rId3"/>
+          <a:stretch>
+            <a:fillRect/>
+          </a:stretch>
+        </p:blipFill>
+        <p:spPr>
+          <a:xfrm>
+            <a:off x="7283745" y="2965450"/>
+            <a:ext cx="1409700" cy="927100"/>
+          </a:xfrm>
+          <a:prstGeom prst="rect">
+            <a:avLst/>
+          </a:prstGeom>
+        </p:spPr>
+      </p:pic>
+      <p:sp>
+        <p:nvSpPr>
+          <p:cNvPr id="7" name="Tekstfelt 6">
+            <a:extLst>
+              <a:ext uri="{FF2B5EF4-FFF2-40B4-BE49-F238E27FC236}">
+                <a16:creationId xmlns:a16="http://schemas.microsoft.com/office/drawing/2014/main" id="{B5F5B2CA-7035-03F4-7936-1DFD3D690806}"/>
+              </a:ext>
+            </a:extLst>
+          </p:cNvPr>
+          <p:cNvSpPr txBox="1"/>
+          <p:nvPr/>
+        </p:nvSpPr>
+        <p:spPr>
+          <a:xfrm>
+            <a:off x="6571514" y="1949377"/>
+            <a:ext cx="646331" cy="369332"/>
+          </a:xfrm>
+          <a:prstGeom prst="rect">
+            <a:avLst/>
+          </a:prstGeom>
+          <a:noFill/>
+        </p:spPr>
+        <p:txBody>
+          <a:bodyPr wrap="none" rtlCol="0">
+            <a:spAutoFit/>
+          </a:bodyPr>
+          <a:lstStyle/>
+          <a:p>
+            <a:r>
+              <a:rPr lang="da-DK" dirty="0">
+                <a:latin typeface="Times New Roman" panose="02020603050405020304" pitchFamily="18" charset="0"/>
+                <a:cs typeface="Times New Roman" panose="02020603050405020304" pitchFamily="18" charset="0"/>
+              </a:rPr>
+              <a:t>ADF</a:t>
+            </a:r>
+          </a:p>
+        </p:txBody>
+      </p:sp>
+      <p:sp>
+        <p:nvSpPr>
+          <p:cNvPr id="8" name="Tekstfelt 7">
+            <a:extLst>
+              <a:ext uri="{FF2B5EF4-FFF2-40B4-BE49-F238E27FC236}">
+                <a16:creationId xmlns:a16="http://schemas.microsoft.com/office/drawing/2014/main" id="{989BCF93-89D6-11C8-3640-308A674DB091}"/>
+              </a:ext>
+            </a:extLst>
+          </p:cNvPr>
+          <p:cNvSpPr txBox="1"/>
+          <p:nvPr/>
+        </p:nvSpPr>
+        <p:spPr>
+          <a:xfrm>
+            <a:off x="6571514" y="3244334"/>
+            <a:ext cx="736099" cy="369332"/>
+          </a:xfrm>
+          <a:prstGeom prst="rect">
+            <a:avLst/>
+          </a:prstGeom>
+          <a:noFill/>
+        </p:spPr>
+        <p:txBody>
+          <a:bodyPr wrap="none" rtlCol="0">
+            <a:spAutoFit/>
+          </a:bodyPr>
+          <a:lstStyle/>
+          <a:p>
+            <a:r>
+              <a:rPr lang="da-DK" dirty="0">
+                <a:latin typeface="Times New Roman" panose="02020603050405020304" pitchFamily="18" charset="0"/>
+                <a:cs typeface="Times New Roman" panose="02020603050405020304" pitchFamily="18" charset="0"/>
+              </a:rPr>
+              <a:t>KPSS</a:t>
+            </a:r>
           </a:p>
         </p:txBody>
       </p:sp>
@@ -5153,31 +5721,185 @@
           </a:p>
         </p:txBody>
       </p:sp>
-      <p:sp>
-        <p:nvSpPr>
-          <p:cNvPr id="3" name="Pladsholder til indhold 2">
-            <a:extLst>
-              <a:ext uri="{FF2B5EF4-FFF2-40B4-BE49-F238E27FC236}">
-                <a16:creationId xmlns:a16="http://schemas.microsoft.com/office/drawing/2014/main" id="{1266BBEC-BC12-EDF2-5B3D-11037F0F8C90}"/>
-              </a:ext>
-            </a:extLst>
-          </p:cNvPr>
-          <p:cNvSpPr>
-            <a:spLocks noGrp="1"/>
-          </p:cNvSpPr>
-          <p:nvPr>
-            <p:ph idx="1"/>
-          </p:nvPr>
-        </p:nvSpPr>
-        <p:spPr/>
-        <p:txBody>
-          <a:bodyPr/>
-          <a:lstStyle/>
-          <a:p>
-            <a:endParaRPr lang="da-DK"/>
-          </a:p>
-        </p:txBody>
-      </p:sp>
+      <p:pic>
+        <p:nvPicPr>
+          <p:cNvPr id="4" name="Billede 3">
+            <a:extLst>
+              <a:ext uri="{FF2B5EF4-FFF2-40B4-BE49-F238E27FC236}">
+                <a16:creationId xmlns:a16="http://schemas.microsoft.com/office/drawing/2014/main" id="{F1A943DA-AE62-BBF8-6C8B-098C1D153306}"/>
+              </a:ext>
+            </a:extLst>
+          </p:cNvPr>
+          <p:cNvPicPr>
+            <a:picLocks noChangeAspect="1"/>
+          </p:cNvPicPr>
+          <p:nvPr/>
+        </p:nvPicPr>
+        <p:blipFill>
+          <a:blip r:embed="rId2"/>
+          <a:stretch>
+            <a:fillRect/>
+          </a:stretch>
+        </p:blipFill>
+        <p:spPr>
+          <a:xfrm>
+            <a:off x="556437" y="3768865"/>
+            <a:ext cx="3600000" cy="2493185"/>
+          </a:xfrm>
+          <a:prstGeom prst="rect">
+            <a:avLst/>
+          </a:prstGeom>
+        </p:spPr>
+      </p:pic>
+      <p:pic>
+        <p:nvPicPr>
+          <p:cNvPr id="5" name="Billede 4">
+            <a:extLst>
+              <a:ext uri="{FF2B5EF4-FFF2-40B4-BE49-F238E27FC236}">
+                <a16:creationId xmlns:a16="http://schemas.microsoft.com/office/drawing/2014/main" id="{84A1A2F8-E48B-94B0-3508-E47A7B7BF06E}"/>
+              </a:ext>
+            </a:extLst>
+          </p:cNvPr>
+          <p:cNvPicPr>
+            <a:picLocks noChangeAspect="1"/>
+          </p:cNvPicPr>
+          <p:nvPr/>
+        </p:nvPicPr>
+        <p:blipFill>
+          <a:blip r:embed="rId3"/>
+          <a:stretch>
+            <a:fillRect/>
+          </a:stretch>
+        </p:blipFill>
+        <p:spPr>
+          <a:xfrm>
+            <a:off x="4296000" y="3808438"/>
+            <a:ext cx="3600000" cy="2479245"/>
+          </a:xfrm>
+          <a:prstGeom prst="rect">
+            <a:avLst/>
+          </a:prstGeom>
+        </p:spPr>
+      </p:pic>
+      <p:pic>
+        <p:nvPicPr>
+          <p:cNvPr id="6" name="Billede 5">
+            <a:extLst>
+              <a:ext uri="{FF2B5EF4-FFF2-40B4-BE49-F238E27FC236}">
+                <a16:creationId xmlns:a16="http://schemas.microsoft.com/office/drawing/2014/main" id="{D3C3F5B6-FAB6-6E1D-45DD-3F9354C2598F}"/>
+              </a:ext>
+            </a:extLst>
+          </p:cNvPr>
+          <p:cNvPicPr>
+            <a:picLocks noChangeAspect="1"/>
+          </p:cNvPicPr>
+          <p:nvPr/>
+        </p:nvPicPr>
+        <p:blipFill>
+          <a:blip r:embed="rId4"/>
+          <a:stretch>
+            <a:fillRect/>
+          </a:stretch>
+        </p:blipFill>
+        <p:spPr>
+          <a:xfrm>
+            <a:off x="8035563" y="3808438"/>
+            <a:ext cx="3600000" cy="2558631"/>
+          </a:xfrm>
+          <a:prstGeom prst="rect">
+            <a:avLst/>
+          </a:prstGeom>
+        </p:spPr>
+      </p:pic>
+      <p:pic>
+        <p:nvPicPr>
+          <p:cNvPr id="3" name="Billede 2">
+            <a:extLst>
+              <a:ext uri="{FF2B5EF4-FFF2-40B4-BE49-F238E27FC236}">
+                <a16:creationId xmlns:a16="http://schemas.microsoft.com/office/drawing/2014/main" id="{6123020F-900C-7404-5892-AB06C2B98954}"/>
+              </a:ext>
+            </a:extLst>
+          </p:cNvPr>
+          <p:cNvPicPr>
+            <a:picLocks noChangeAspect="1"/>
+          </p:cNvPicPr>
+          <p:nvPr/>
+        </p:nvPicPr>
+        <p:blipFill rotWithShape="1">
+          <a:blip r:embed="rId5"/>
+          <a:srcRect t="3154"/>
+          <a:stretch/>
+        </p:blipFill>
+        <p:spPr>
+          <a:xfrm>
+            <a:off x="563079" y="1322651"/>
+            <a:ext cx="3600000" cy="2502113"/>
+          </a:xfrm>
+          <a:prstGeom prst="rect">
+            <a:avLst/>
+          </a:prstGeom>
+        </p:spPr>
+      </p:pic>
+      <p:pic>
+        <p:nvPicPr>
+          <p:cNvPr id="10" name="Billede 9">
+            <a:extLst>
+              <a:ext uri="{FF2B5EF4-FFF2-40B4-BE49-F238E27FC236}">
+                <a16:creationId xmlns:a16="http://schemas.microsoft.com/office/drawing/2014/main" id="{052E839D-5684-E266-809E-15CBBD94011D}"/>
+              </a:ext>
+            </a:extLst>
+          </p:cNvPr>
+          <p:cNvPicPr>
+            <a:picLocks noChangeAspect="1"/>
+          </p:cNvPicPr>
+          <p:nvPr/>
+        </p:nvPicPr>
+        <p:blipFill>
+          <a:blip r:embed="rId6"/>
+          <a:stretch>
+            <a:fillRect/>
+          </a:stretch>
+        </p:blipFill>
+        <p:spPr>
+          <a:xfrm>
+            <a:off x="4292679" y="1397459"/>
+            <a:ext cx="3600000" cy="2437795"/>
+          </a:xfrm>
+          <a:prstGeom prst="rect">
+            <a:avLst/>
+          </a:prstGeom>
+        </p:spPr>
+      </p:pic>
+      <p:pic>
+        <p:nvPicPr>
+          <p:cNvPr id="11" name="Billede 10">
+            <a:extLst>
+              <a:ext uri="{FF2B5EF4-FFF2-40B4-BE49-F238E27FC236}">
+                <a16:creationId xmlns:a16="http://schemas.microsoft.com/office/drawing/2014/main" id="{63E4338A-AEFE-8044-C4A6-447205C3F859}"/>
+              </a:ext>
+            </a:extLst>
+          </p:cNvPr>
+          <p:cNvPicPr>
+            <a:picLocks noChangeAspect="1"/>
+          </p:cNvPicPr>
+          <p:nvPr/>
+        </p:nvPicPr>
+        <p:blipFill>
+          <a:blip r:embed="rId7"/>
+          <a:stretch>
+            <a:fillRect/>
+          </a:stretch>
+        </p:blipFill>
+        <p:spPr>
+          <a:xfrm>
+            <a:off x="8028921" y="1492984"/>
+            <a:ext cx="3600000" cy="2473585"/>
+          </a:xfrm>
+          <a:prstGeom prst="rect">
+            <a:avLst/>
+          </a:prstGeom>
+        </p:spPr>
+      </p:pic>
     </p:spTree>
     <p:extLst>
       <p:ext uri="{BB962C8B-B14F-4D97-AF65-F5344CB8AC3E}">
@@ -5213,7 +5935,7 @@
           <p:cNvPr id="2" name="Titel 1">
             <a:extLst>
               <a:ext uri="{FF2B5EF4-FFF2-40B4-BE49-F238E27FC236}">
-                <a16:creationId xmlns:a16="http://schemas.microsoft.com/office/drawing/2014/main" id="{54AC52B9-5604-42AC-F8EB-3521D1EAAFA2}"/>
+                <a16:creationId xmlns:a16="http://schemas.microsoft.com/office/drawing/2014/main" id="{6F1FDB9C-4371-B7C4-7507-412F0B866C92}"/>
               </a:ext>
             </a:extLst>
           </p:cNvPr>
@@ -5225,46 +5947,6 @@
           </p:nvPr>
         </p:nvSpPr>
         <p:spPr/>
-        <p:txBody>
-          <a:bodyPr/>
-          <a:lstStyle/>
-          <a:p>
-            <a:r>
-              <a:rPr lang="da-DK" dirty="0" err="1">
-                <a:latin typeface="Times New Roman" panose="02020603050405020304" pitchFamily="18" charset="0"/>
-                <a:cs typeface="Times New Roman" panose="02020603050405020304" pitchFamily="18" charset="0"/>
-              </a:rPr>
-              <a:t>Seasonality</a:t>
-            </a:r>
-            <a:endParaRPr lang="da-DK" dirty="0">
-              <a:latin typeface="Times New Roman" panose="02020603050405020304" pitchFamily="18" charset="0"/>
-              <a:cs typeface="Times New Roman" panose="02020603050405020304" pitchFamily="18" charset="0"/>
-            </a:endParaRPr>
-          </a:p>
-        </p:txBody>
-      </p:sp>
-      <p:sp>
-        <p:nvSpPr>
-          <p:cNvPr id="3" name="Pladsholder til indhold 2">
-            <a:extLst>
-              <a:ext uri="{FF2B5EF4-FFF2-40B4-BE49-F238E27FC236}">
-                <a16:creationId xmlns:a16="http://schemas.microsoft.com/office/drawing/2014/main" id="{9A84A67A-CB70-0B9F-D586-849001A76D57}"/>
-              </a:ext>
-            </a:extLst>
-          </p:cNvPr>
-          <p:cNvSpPr>
-            <a:spLocks noGrp="1"/>
-          </p:cNvSpPr>
-          <p:nvPr>
-            <p:ph idx="1"/>
-          </p:nvPr>
-        </p:nvSpPr>
-        <p:spPr>
-          <a:xfrm>
-            <a:off x="838200" y="1690687"/>
-            <a:ext cx="4765158" cy="4486275"/>
-          </a:xfrm>
-        </p:spPr>
         <p:txBody>
           <a:bodyPr/>
           <a:lstStyle/>
@@ -5274,42 +5956,8 @@
                 <a:latin typeface="Times New Roman" panose="02020603050405020304" pitchFamily="18" charset="0"/>
                 <a:cs typeface="Times New Roman" panose="02020603050405020304" pitchFamily="18" charset="0"/>
               </a:rPr>
-              <a:t>Fjern/fang </a:t>
-            </a:r>
-            <a:r>
-              <a:rPr lang="da-DK" dirty="0" err="1">
-                <a:latin typeface="Times New Roman" panose="02020603050405020304" pitchFamily="18" charset="0"/>
-                <a:cs typeface="Times New Roman" panose="02020603050405020304" pitchFamily="18" charset="0"/>
-              </a:rPr>
-              <a:t>seasonality</a:t>
-            </a:r>
-            <a:r>
-              <a:rPr lang="da-DK" dirty="0">
-                <a:latin typeface="Times New Roman" panose="02020603050405020304" pitchFamily="18" charset="0"/>
-                <a:cs typeface="Times New Roman" panose="02020603050405020304" pitchFamily="18" charset="0"/>
-              </a:rPr>
-              <a:t> for at forbedre prædiktionsevne</a:t>
-            </a:r>
-          </a:p>
-          <a:p>
-            <a:r>
-              <a:rPr lang="da-DK" dirty="0">
-                <a:latin typeface="Times New Roman" panose="02020603050405020304" pitchFamily="18" charset="0"/>
-                <a:cs typeface="Times New Roman" panose="02020603050405020304" pitchFamily="18" charset="0"/>
-              </a:rPr>
-              <a:t>Timelig, dagligt, månedligt </a:t>
-            </a:r>
-            <a:r>
-              <a:rPr lang="da-DK" dirty="0" err="1">
-                <a:latin typeface="Times New Roman" panose="02020603050405020304" pitchFamily="18" charset="0"/>
-                <a:cs typeface="Times New Roman" panose="02020603050405020304" pitchFamily="18" charset="0"/>
-              </a:rPr>
-              <a:t>seasonality</a:t>
-            </a:r>
-            <a:endParaRPr lang="da-DK" dirty="0">
-              <a:latin typeface="Times New Roman" panose="02020603050405020304" pitchFamily="18" charset="0"/>
-              <a:cs typeface="Times New Roman" panose="02020603050405020304" pitchFamily="18" charset="0"/>
-            </a:endParaRPr>
+              <a:t>Trend</a:t>
+            </a:r>
           </a:p>
         </p:txBody>
       </p:sp>
@@ -5318,7 +5966,7 @@
           <p:cNvPr id="4" name="Billede 3">
             <a:extLst>
               <a:ext uri="{FF2B5EF4-FFF2-40B4-BE49-F238E27FC236}">
-                <a16:creationId xmlns:a16="http://schemas.microsoft.com/office/drawing/2014/main" id="{345281D3-DECA-675D-8280-A562BFBE7D99}"/>
+                <a16:creationId xmlns:a16="http://schemas.microsoft.com/office/drawing/2014/main" id="{F7363418-CA8D-DED3-574A-D3735EE41B67}"/>
               </a:ext>
             </a:extLst>
           </p:cNvPr>
@@ -5335,8 +5983,8 @@
         </p:blipFill>
         <p:spPr>
           <a:xfrm>
-            <a:off x="6986461" y="365125"/>
-            <a:ext cx="4320000" cy="3159696"/>
+            <a:off x="556437" y="1435926"/>
+            <a:ext cx="3600000" cy="2509779"/>
           </a:xfrm>
           <a:prstGeom prst="rect">
             <a:avLst/>
@@ -5348,7 +5996,7 @@
           <p:cNvPr id="5" name="Billede 4">
             <a:extLst>
               <a:ext uri="{FF2B5EF4-FFF2-40B4-BE49-F238E27FC236}">
-                <a16:creationId xmlns:a16="http://schemas.microsoft.com/office/drawing/2014/main" id="{F15DCF76-80E9-4ED1-62BD-44A2345205AC}"/>
+                <a16:creationId xmlns:a16="http://schemas.microsoft.com/office/drawing/2014/main" id="{C9AA0EC1-D94F-839C-E079-D4D1B25F627A}"/>
               </a:ext>
             </a:extLst>
           </p:cNvPr>
@@ -5365,8 +6013,8 @@
         </p:blipFill>
         <p:spPr>
           <a:xfrm>
-            <a:off x="7033800" y="3524821"/>
-            <a:ext cx="4320000" cy="3168882"/>
+            <a:off x="4294682" y="1452520"/>
+            <a:ext cx="3600000" cy="2493185"/>
           </a:xfrm>
           <a:prstGeom prst="rect">
             <a:avLst/>
@@ -5378,7 +6026,7 @@
           <p:cNvPr id="6" name="Billede 5">
             <a:extLst>
               <a:ext uri="{FF2B5EF4-FFF2-40B4-BE49-F238E27FC236}">
-                <a16:creationId xmlns:a16="http://schemas.microsoft.com/office/drawing/2014/main" id="{DEEBB827-472E-6EA0-D204-05F679E30671}"/>
+                <a16:creationId xmlns:a16="http://schemas.microsoft.com/office/drawing/2014/main" id="{B1458AC5-F807-ECC7-8FA3-1248ABA666F6}"/>
               </a:ext>
             </a:extLst>
           </p:cNvPr>
@@ -5395,8 +6043,38 @@
         </p:blipFill>
         <p:spPr>
           <a:xfrm>
-            <a:off x="1121735" y="3429000"/>
-            <a:ext cx="4198088" cy="2968741"/>
+            <a:off x="7894682" y="3945705"/>
+            <a:ext cx="3600000" cy="2547170"/>
+          </a:xfrm>
+          <a:prstGeom prst="rect">
+            <a:avLst/>
+          </a:prstGeom>
+        </p:spPr>
+      </p:pic>
+      <p:pic>
+        <p:nvPicPr>
+          <p:cNvPr id="7" name="Billede 6">
+            <a:extLst>
+              <a:ext uri="{FF2B5EF4-FFF2-40B4-BE49-F238E27FC236}">
+                <a16:creationId xmlns:a16="http://schemas.microsoft.com/office/drawing/2014/main" id="{29CC764A-531E-0653-ACD8-9DB0727A8D7A}"/>
+              </a:ext>
+            </a:extLst>
+          </p:cNvPr>
+          <p:cNvPicPr>
+            <a:picLocks noChangeAspect="1"/>
+          </p:cNvPicPr>
+          <p:nvPr/>
+        </p:nvPicPr>
+        <p:blipFill>
+          <a:blip r:embed="rId5"/>
+          <a:stretch>
+            <a:fillRect/>
+          </a:stretch>
+        </p:blipFill>
+        <p:spPr>
+          <a:xfrm>
+            <a:off x="4294682" y="4024950"/>
+            <a:ext cx="3600000" cy="2467925"/>
           </a:xfrm>
           <a:prstGeom prst="rect">
             <a:avLst/>
@@ -5406,7 +6084,7 @@
     </p:spTree>
     <p:extLst>
       <p:ext uri="{BB962C8B-B14F-4D97-AF65-F5344CB8AC3E}">
-        <p14:creationId xmlns:p14="http://schemas.microsoft.com/office/powerpoint/2010/main" val="3922123492"/>
+        <p14:creationId xmlns:p14="http://schemas.microsoft.com/office/powerpoint/2010/main" val="2677179375"/>
       </p:ext>
     </p:extLst>
   </p:cSld>
@@ -5438,7 +6116,7 @@
           <p:cNvPr id="2" name="Titel 1">
             <a:extLst>
               <a:ext uri="{FF2B5EF4-FFF2-40B4-BE49-F238E27FC236}">
-                <a16:creationId xmlns:a16="http://schemas.microsoft.com/office/drawing/2014/main" id="{354B08C9-B480-8EDD-006E-C6D05D653EC7}"/>
+                <a16:creationId xmlns:a16="http://schemas.microsoft.com/office/drawing/2014/main" id="{54AC52B9-5604-42AC-F8EB-3521D1EAAFA2}"/>
               </a:ext>
             </a:extLst>
           </p:cNvPr>
@@ -5459,7 +6137,7 @@
                 <a:latin typeface="Times New Roman" panose="02020603050405020304" pitchFamily="18" charset="0"/>
                 <a:cs typeface="Times New Roman" panose="02020603050405020304" pitchFamily="18" charset="0"/>
               </a:rPr>
-              <a:t>Forecasting</a:t>
+              <a:t>Seasonality</a:t>
             </a:r>
             <a:endParaRPr lang="da-DK" dirty="0">
               <a:latin typeface="Times New Roman" panose="02020603050405020304" pitchFamily="18" charset="0"/>
@@ -5468,31 +6146,100 @@
           </a:p>
         </p:txBody>
       </p:sp>
+      <p:sp>
+        <p:nvSpPr>
+          <p:cNvPr id="3" name="Pladsholder til indhold 2">
+            <a:extLst>
+              <a:ext uri="{FF2B5EF4-FFF2-40B4-BE49-F238E27FC236}">
+                <a16:creationId xmlns:a16="http://schemas.microsoft.com/office/drawing/2014/main" id="{9A84A67A-CB70-0B9F-D586-849001A76D57}"/>
+              </a:ext>
+            </a:extLst>
+          </p:cNvPr>
+          <p:cNvSpPr>
+            <a:spLocks noGrp="1"/>
+          </p:cNvSpPr>
+          <p:nvPr>
+            <p:ph idx="1"/>
+          </p:nvPr>
+        </p:nvSpPr>
+        <p:spPr>
+          <a:xfrm>
+            <a:off x="838200" y="1690687"/>
+            <a:ext cx="4765158" cy="4486275"/>
+          </a:xfrm>
+        </p:spPr>
+        <p:txBody>
+          <a:bodyPr/>
+          <a:lstStyle/>
+          <a:p>
+            <a:r>
+              <a:rPr lang="da-DK" dirty="0">
+                <a:latin typeface="Times New Roman" panose="02020603050405020304" pitchFamily="18" charset="0"/>
+                <a:cs typeface="Times New Roman" panose="02020603050405020304" pitchFamily="18" charset="0"/>
+              </a:rPr>
+              <a:t>Fjern/fang </a:t>
+            </a:r>
+            <a:r>
+              <a:rPr lang="da-DK" dirty="0" err="1">
+                <a:latin typeface="Times New Roman" panose="02020603050405020304" pitchFamily="18" charset="0"/>
+                <a:cs typeface="Times New Roman" panose="02020603050405020304" pitchFamily="18" charset="0"/>
+              </a:rPr>
+              <a:t>seasonality</a:t>
+            </a:r>
+            <a:r>
+              <a:rPr lang="da-DK" dirty="0">
+                <a:latin typeface="Times New Roman" panose="02020603050405020304" pitchFamily="18" charset="0"/>
+                <a:cs typeface="Times New Roman" panose="02020603050405020304" pitchFamily="18" charset="0"/>
+              </a:rPr>
+              <a:t> for at forbedre prædiktionsevne</a:t>
+            </a:r>
+          </a:p>
+          <a:p>
+            <a:r>
+              <a:rPr lang="da-DK" dirty="0">
+                <a:latin typeface="Times New Roman" panose="02020603050405020304" pitchFamily="18" charset="0"/>
+                <a:cs typeface="Times New Roman" panose="02020603050405020304" pitchFamily="18" charset="0"/>
+              </a:rPr>
+              <a:t>Timelig, dagligt, månedligt </a:t>
+            </a:r>
+            <a:r>
+              <a:rPr lang="da-DK" dirty="0" err="1">
+                <a:latin typeface="Times New Roman" panose="02020603050405020304" pitchFamily="18" charset="0"/>
+                <a:cs typeface="Times New Roman" panose="02020603050405020304" pitchFamily="18" charset="0"/>
+              </a:rPr>
+              <a:t>seasonality</a:t>
+            </a:r>
+            <a:endParaRPr lang="da-DK" dirty="0">
+              <a:latin typeface="Times New Roman" panose="02020603050405020304" pitchFamily="18" charset="0"/>
+              <a:cs typeface="Times New Roman" panose="02020603050405020304" pitchFamily="18" charset="0"/>
+            </a:endParaRPr>
+          </a:p>
+        </p:txBody>
+      </p:sp>
       <p:pic>
         <p:nvPicPr>
-          <p:cNvPr id="4" name="Pladsholder til indhold 3">
-            <a:extLst>
-              <a:ext uri="{FF2B5EF4-FFF2-40B4-BE49-F238E27FC236}">
-                <a16:creationId xmlns:a16="http://schemas.microsoft.com/office/drawing/2014/main" id="{7F8DAFB4-4B65-05BB-4C2D-01577188A679}"/>
+          <p:cNvPr id="4" name="Billede 3">
+            <a:extLst>
+              <a:ext uri="{FF2B5EF4-FFF2-40B4-BE49-F238E27FC236}">
+                <a16:creationId xmlns:a16="http://schemas.microsoft.com/office/drawing/2014/main" id="{345281D3-DECA-675D-8280-A562BFBE7D99}"/>
               </a:ext>
             </a:extLst>
           </p:cNvPr>
           <p:cNvPicPr>
-            <a:picLocks noGrp="1" noChangeAspect="1"/>
+            <a:picLocks noChangeAspect="1"/>
           </p:cNvPicPr>
-          <p:nvPr>
-            <p:ph idx="1"/>
-          </p:nvPr>
+          <p:nvPr/>
         </p:nvPicPr>
-        <p:blipFill rotWithShape="1">
+        <p:blipFill>
           <a:blip r:embed="rId2"/>
-          <a:srcRect l="-1" r="1768"/>
-          <a:stretch/>
+          <a:stretch>
+            <a:fillRect/>
+          </a:stretch>
         </p:blipFill>
         <p:spPr>
           <a:xfrm>
-            <a:off x="835508" y="1593242"/>
-            <a:ext cx="3330682" cy="2340000"/>
+            <a:off x="6986461" y="365125"/>
+            <a:ext cx="4320000" cy="3159696"/>
           </a:xfrm>
           <a:prstGeom prst="rect">
             <a:avLst/>
@@ -5501,10 +6248,10 @@
       </p:pic>
       <p:pic>
         <p:nvPicPr>
-          <p:cNvPr id="7" name="Billede 6">
-            <a:extLst>
-              <a:ext uri="{FF2B5EF4-FFF2-40B4-BE49-F238E27FC236}">
-                <a16:creationId xmlns:a16="http://schemas.microsoft.com/office/drawing/2014/main" id="{6898CD29-2D12-052D-1B05-40F2001DE668}"/>
+          <p:cNvPr id="5" name="Billede 4">
+            <a:extLst>
+              <a:ext uri="{FF2B5EF4-FFF2-40B4-BE49-F238E27FC236}">
+                <a16:creationId xmlns:a16="http://schemas.microsoft.com/office/drawing/2014/main" id="{F15DCF76-80E9-4ED1-62BD-44A2345205AC}"/>
               </a:ext>
             </a:extLst>
           </p:cNvPr>
@@ -5521,8 +6268,8 @@
         </p:blipFill>
         <p:spPr>
           <a:xfrm>
-            <a:off x="6621450" y="1027906"/>
-            <a:ext cx="4732350" cy="4351338"/>
+            <a:off x="7033800" y="3524821"/>
+            <a:ext cx="4320000" cy="3168882"/>
           </a:xfrm>
           <a:prstGeom prst="rect">
             <a:avLst/>
@@ -5531,10 +6278,10 @@
       </p:pic>
       <p:pic>
         <p:nvPicPr>
-          <p:cNvPr id="5" name="Billede 4">
-            <a:extLst>
-              <a:ext uri="{FF2B5EF4-FFF2-40B4-BE49-F238E27FC236}">
-                <a16:creationId xmlns:a16="http://schemas.microsoft.com/office/drawing/2014/main" id="{D4D4C4C4-DE6B-110E-277F-CF70A6A747AD}"/>
+          <p:cNvPr id="6" name="Billede 5">
+            <a:extLst>
+              <a:ext uri="{FF2B5EF4-FFF2-40B4-BE49-F238E27FC236}">
+                <a16:creationId xmlns:a16="http://schemas.microsoft.com/office/drawing/2014/main" id="{DEEBB827-472E-6EA0-D204-05F679E30671}"/>
               </a:ext>
             </a:extLst>
           </p:cNvPr>
@@ -5543,151 +6290,56 @@
           </p:cNvPicPr>
           <p:nvPr/>
         </p:nvPicPr>
-        <p:blipFill rotWithShape="1">
+        <p:blipFill>
           <a:blip r:embed="rId4"/>
-          <a:srcRect t="360" r="1872" b="-469"/>
-          <a:stretch/>
+          <a:stretch>
+            <a:fillRect/>
+          </a:stretch>
         </p:blipFill>
         <p:spPr>
           <a:xfrm>
-            <a:off x="838199" y="4088126"/>
-            <a:ext cx="3300109" cy="2340000"/>
+            <a:off x="255573" y="3996858"/>
+            <a:ext cx="3310270" cy="2340907"/>
           </a:xfrm>
           <a:prstGeom prst="rect">
             <a:avLst/>
           </a:prstGeom>
         </p:spPr>
       </p:pic>
-      <p:sp>
-        <p:nvSpPr>
-          <p:cNvPr id="6" name="Tekstfelt 5">
-            <a:extLst>
-              <a:ext uri="{FF2B5EF4-FFF2-40B4-BE49-F238E27FC236}">
-                <a16:creationId xmlns:a16="http://schemas.microsoft.com/office/drawing/2014/main" id="{30A395C3-2E6A-4185-9626-533EEFFF13A7}"/>
-              </a:ext>
-            </a:extLst>
-          </p:cNvPr>
-          <p:cNvSpPr txBox="1"/>
+      <p:pic>
+        <p:nvPicPr>
+          <p:cNvPr id="7" name="Billede 6">
+            <a:extLst>
+              <a:ext uri="{FF2B5EF4-FFF2-40B4-BE49-F238E27FC236}">
+                <a16:creationId xmlns:a16="http://schemas.microsoft.com/office/drawing/2014/main" id="{F2175A46-9267-991F-12C9-2FC6C91CFB3E}"/>
+              </a:ext>
+            </a:extLst>
+          </p:cNvPr>
+          <p:cNvPicPr>
+            <a:picLocks noChangeAspect="1"/>
+          </p:cNvPicPr>
           <p:nvPr/>
-        </p:nvSpPr>
+        </p:nvPicPr>
+        <p:blipFill>
+          <a:blip r:embed="rId5"/>
+          <a:stretch>
+            <a:fillRect/>
+          </a:stretch>
+        </p:blipFill>
         <p:spPr>
           <a:xfrm>
-            <a:off x="838200" y="1407544"/>
-            <a:ext cx="3327990" cy="461665"/>
+            <a:off x="3613182" y="4082409"/>
+            <a:ext cx="3097617" cy="2169804"/>
           </a:xfrm>
           <a:prstGeom prst="rect">
             <a:avLst/>
           </a:prstGeom>
-          <a:noFill/>
         </p:spPr>
-        <p:txBody>
-          <a:bodyPr wrap="square" rtlCol="0">
-            <a:spAutoFit/>
-          </a:bodyPr>
-          <a:lstStyle/>
-          <a:p>
-            <a:r>
-              <a:rPr lang="da-DK" sz="1200" dirty="0">
-                <a:latin typeface="Times New Roman" panose="02020603050405020304" pitchFamily="18" charset="0"/>
-                <a:cs typeface="Times New Roman" panose="02020603050405020304" pitchFamily="18" charset="0"/>
-              </a:rPr>
-              <a:t>SARIMA(24, 1, 1)(7, 0, 1)(24) </a:t>
-            </a:r>
-          </a:p>
-          <a:p>
-            <a:r>
-              <a:rPr lang="da-DK" sz="1200" dirty="0">
-                <a:latin typeface="Times New Roman" panose="02020603050405020304" pitchFamily="18" charset="0"/>
-                <a:cs typeface="Times New Roman" panose="02020603050405020304" pitchFamily="18" charset="0"/>
-              </a:rPr>
-              <a:t>RMSE: 344.0</a:t>
-            </a:r>
-          </a:p>
-        </p:txBody>
-      </p:sp>
-      <p:sp>
-        <p:nvSpPr>
-          <p:cNvPr id="8" name="Tekstfelt 7">
-            <a:extLst>
-              <a:ext uri="{FF2B5EF4-FFF2-40B4-BE49-F238E27FC236}">
-                <a16:creationId xmlns:a16="http://schemas.microsoft.com/office/drawing/2014/main" id="{A4E6894D-98C4-ECEA-E68E-E371BDB0410F}"/>
-              </a:ext>
-            </a:extLst>
-          </p:cNvPr>
-          <p:cNvSpPr txBox="1"/>
-          <p:nvPr/>
-        </p:nvSpPr>
-        <p:spPr>
-          <a:xfrm>
-            <a:off x="838199" y="3841940"/>
-            <a:ext cx="6025116" cy="461665"/>
-          </a:xfrm>
-          <a:prstGeom prst="rect">
-            <a:avLst/>
-          </a:prstGeom>
-          <a:noFill/>
-        </p:spPr>
-        <p:txBody>
-          <a:bodyPr wrap="square" rtlCol="0">
-            <a:spAutoFit/>
-          </a:bodyPr>
-          <a:lstStyle/>
-          <a:p>
-            <a:r>
-              <a:rPr lang="da-DK" sz="1200" dirty="0">
-                <a:latin typeface="Times New Roman" panose="02020603050405020304" pitchFamily="18" charset="0"/>
-                <a:cs typeface="Times New Roman" panose="02020603050405020304" pitchFamily="18" charset="0"/>
-              </a:rPr>
-              <a:t>SARIMA(24, 1, 1)(7, 0, 1)(24) + weekend + vind + fossil + biomasse + affald + handel</a:t>
-            </a:r>
-          </a:p>
-          <a:p>
-            <a:r>
-              <a:rPr lang="da-DK" sz="1200" dirty="0">
-                <a:latin typeface="Times New Roman" panose="02020603050405020304" pitchFamily="18" charset="0"/>
-                <a:cs typeface="Times New Roman" panose="02020603050405020304" pitchFamily="18" charset="0"/>
-              </a:rPr>
-              <a:t>RMSE: 263.9</a:t>
-            </a:r>
-          </a:p>
-        </p:txBody>
-      </p:sp>
-      <p:sp>
-        <p:nvSpPr>
-          <p:cNvPr id="9" name="Tekstfelt 8">
-            <a:extLst>
-              <a:ext uri="{FF2B5EF4-FFF2-40B4-BE49-F238E27FC236}">
-                <a16:creationId xmlns:a16="http://schemas.microsoft.com/office/drawing/2014/main" id="{E4A2D42B-068F-E7E1-5608-E13C7C4CF8FA}"/>
-              </a:ext>
-            </a:extLst>
-          </p:cNvPr>
-          <p:cNvSpPr txBox="1"/>
-          <p:nvPr/>
-        </p:nvSpPr>
-        <p:spPr>
-          <a:xfrm>
-            <a:off x="6621450" y="5603358"/>
-            <a:ext cx="4732350" cy="691116"/>
-          </a:xfrm>
-          <a:prstGeom prst="rect">
-            <a:avLst/>
-          </a:prstGeom>
-          <a:noFill/>
-        </p:spPr>
-        <p:txBody>
-          <a:bodyPr wrap="square" rtlCol="0">
-            <a:spAutoFit/>
-          </a:bodyPr>
-          <a:lstStyle/>
-          <a:p>
-            <a:endParaRPr lang="da-DK" dirty="0"/>
-          </a:p>
-        </p:txBody>
-      </p:sp>
+      </p:pic>
     </p:spTree>
     <p:extLst>
       <p:ext uri="{BB962C8B-B14F-4D97-AF65-F5344CB8AC3E}">
-        <p14:creationId xmlns:p14="http://schemas.microsoft.com/office/powerpoint/2010/main" val="2506765863"/>
+        <p14:creationId xmlns:p14="http://schemas.microsoft.com/office/powerpoint/2010/main" val="3922123492"/>
       </p:ext>
     </p:extLst>
   </p:cSld>
@@ -5719,7 +6371,7 @@
           <p:cNvPr id="2" name="Titel 1">
             <a:extLst>
               <a:ext uri="{FF2B5EF4-FFF2-40B4-BE49-F238E27FC236}">
-                <a16:creationId xmlns:a16="http://schemas.microsoft.com/office/drawing/2014/main" id="{FFA66FE6-3D0F-2194-1E89-8E5235D82B73}"/>
+                <a16:creationId xmlns:a16="http://schemas.microsoft.com/office/drawing/2014/main" id="{2F33F6A9-4FA6-1EB5-3246-627E0E0C5A9C}"/>
               </a:ext>
             </a:extLst>
           </p:cNvPr>
@@ -5736,39 +6388,932 @@
           <a:lstStyle/>
           <a:p>
             <a:r>
-              <a:rPr lang="da-DK" dirty="0">
+              <a:rPr lang="da-DK" dirty="0" err="1">
                 <a:latin typeface="Times New Roman" panose="02020603050405020304" pitchFamily="18" charset="0"/>
                 <a:cs typeface="Times New Roman" panose="02020603050405020304" pitchFamily="18" charset="0"/>
               </a:rPr>
-              <a:t>Resultater</a:t>
-            </a:r>
+              <a:t>Forecasting</a:t>
+            </a:r>
+            <a:endParaRPr lang="da-DK" dirty="0">
+              <a:latin typeface="Times New Roman" panose="02020603050405020304" pitchFamily="18" charset="0"/>
+              <a:cs typeface="Times New Roman" panose="02020603050405020304" pitchFamily="18" charset="0"/>
+            </a:endParaRPr>
+          </a:p>
+        </p:txBody>
+      </p:sp>
+      <mc:AlternateContent xmlns:mc="http://schemas.openxmlformats.org/markup-compatibility/2006">
+        <mc:Choice xmlns:a14="http://schemas.microsoft.com/office/drawing/2010/main" Requires="a14">
+          <p:sp>
+            <p:nvSpPr>
+              <p:cNvPr id="3" name="Pladsholder til indhold 2">
+                <a:extLst>
+                  <a:ext uri="{FF2B5EF4-FFF2-40B4-BE49-F238E27FC236}">
+                    <a16:creationId xmlns:a16="http://schemas.microsoft.com/office/drawing/2014/main" id="{3DD46F94-7548-806C-5590-E52275EBE6AC}"/>
+                  </a:ext>
+                </a:extLst>
+              </p:cNvPr>
+              <p:cNvSpPr>
+                <a:spLocks noGrp="1"/>
+              </p:cNvSpPr>
+              <p:nvPr>
+                <p:ph idx="1"/>
+              </p:nvPr>
+            </p:nvSpPr>
+            <p:spPr/>
+            <p:txBody>
+              <a:bodyPr/>
+              <a:lstStyle/>
+              <a:p>
+                <a:r>
+                  <a:rPr lang="da-DK" sz="2400" b="0" dirty="0">
+                    <a:latin typeface="Times New Roman" panose="02020603050405020304" pitchFamily="18" charset="0"/>
+                    <a:cs typeface="Times New Roman" panose="02020603050405020304" pitchFamily="18" charset="0"/>
+                  </a:rPr>
+                  <a:t>Arima(p, d, q)(P, D, Q)(T)</a:t>
+                </a:r>
+              </a:p>
+              <a:p>
+                <a:pPr marL="0" indent="0">
+                  <a:buNone/>
+                </a:pPr>
+                <a14:m>
+                  <m:oMathPara xmlns:m="http://schemas.openxmlformats.org/officeDocument/2006/math">
+                    <m:oMathParaPr>
+                      <m:jc m:val="centerGroup"/>
+                    </m:oMathParaPr>
+                    <m:oMath xmlns:m="http://schemas.openxmlformats.org/officeDocument/2006/math">
+                      <m:sSub>
+                        <m:sSubPr>
+                          <m:ctrlPr>
+                            <a:rPr lang="da-DK" sz="2400" b="0" i="1" smtClean="0">
+                              <a:latin typeface="Cambria Math" panose="02040503050406030204" pitchFamily="18" charset="0"/>
+                            </a:rPr>
+                          </m:ctrlPr>
+                        </m:sSubPr>
+                        <m:e>
+                          <m:r>
+                            <m:rPr>
+                              <m:sty m:val="p"/>
+                            </m:rPr>
+                            <a:rPr lang="da-DK" sz="2400" b="0" i="0" smtClean="0">
+                              <a:latin typeface="Cambria Math" panose="02040503050406030204" pitchFamily="18" charset="0"/>
+                            </a:rPr>
+                            <m:t>Δ</m:t>
+                          </m:r>
+                        </m:e>
+                        <m:sub>
+                          <m:r>
+                            <a:rPr lang="da-DK" sz="2400" b="0" i="1" smtClean="0">
+                              <a:latin typeface="Cambria Math" panose="02040503050406030204" pitchFamily="18" charset="0"/>
+                            </a:rPr>
+                            <m:t>𝑑</m:t>
+                          </m:r>
+                        </m:sub>
+                      </m:sSub>
+                      <m:sSub>
+                        <m:sSubPr>
+                          <m:ctrlPr>
+                            <a:rPr lang="da-DK" sz="2400" b="0" i="1" smtClean="0">
+                              <a:latin typeface="Cambria Math" panose="02040503050406030204" pitchFamily="18" charset="0"/>
+                            </a:rPr>
+                          </m:ctrlPr>
+                        </m:sSubPr>
+                        <m:e>
+                          <m:r>
+                            <a:rPr lang="da-DK" sz="2400" b="0" i="1" smtClean="0">
+                              <a:latin typeface="Cambria Math" panose="02040503050406030204" pitchFamily="18" charset="0"/>
+                            </a:rPr>
+                            <m:t>𝑦</m:t>
+                          </m:r>
+                        </m:e>
+                        <m:sub>
+                          <m:r>
+                            <a:rPr lang="da-DK" sz="2400" b="0" i="1" smtClean="0">
+                              <a:latin typeface="Cambria Math" panose="02040503050406030204" pitchFamily="18" charset="0"/>
+                            </a:rPr>
+                            <m:t>𝑡</m:t>
+                          </m:r>
+                        </m:sub>
+                      </m:sSub>
+                      <m:r>
+                        <a:rPr lang="da-DK" sz="2400" b="0" i="1" smtClean="0">
+                          <a:latin typeface="Cambria Math" panose="02040503050406030204" pitchFamily="18" charset="0"/>
+                        </a:rPr>
+                        <m:t>=</m:t>
+                      </m:r>
+                      <m:nary>
+                        <m:naryPr>
+                          <m:chr m:val="∑"/>
+                          <m:ctrlPr>
+                            <a:rPr lang="da-DK" sz="2400" b="0" i="1" smtClean="0">
+                              <a:latin typeface="Cambria Math" panose="02040503050406030204" pitchFamily="18" charset="0"/>
+                            </a:rPr>
+                          </m:ctrlPr>
+                        </m:naryPr>
+                        <m:sub>
+                          <m:r>
+                            <m:rPr>
+                              <m:brk m:alnAt="23"/>
+                            </m:rPr>
+                            <a:rPr lang="da-DK" sz="2400" b="0" i="1" smtClean="0">
+                              <a:latin typeface="Cambria Math" panose="02040503050406030204" pitchFamily="18" charset="0"/>
+                            </a:rPr>
+                            <m:t>𝑖</m:t>
+                          </m:r>
+                          <m:r>
+                            <a:rPr lang="da-DK" sz="2400" b="0" i="1" smtClean="0">
+                              <a:latin typeface="Cambria Math" panose="02040503050406030204" pitchFamily="18" charset="0"/>
+                            </a:rPr>
+                            <m:t>=1</m:t>
+                          </m:r>
+                        </m:sub>
+                        <m:sup>
+                          <m:r>
+                            <a:rPr lang="da-DK" sz="2400" b="0" i="1" smtClean="0">
+                              <a:latin typeface="Cambria Math" panose="02040503050406030204" pitchFamily="18" charset="0"/>
+                            </a:rPr>
+                            <m:t>𝑝</m:t>
+                          </m:r>
+                        </m:sup>
+                        <m:e>
+                          <m:sSub>
+                            <m:sSubPr>
+                              <m:ctrlPr>
+                                <a:rPr lang="da-DK" sz="2400" b="0" i="1" smtClean="0">
+                                  <a:latin typeface="Cambria Math" panose="02040503050406030204" pitchFamily="18" charset="0"/>
+                                </a:rPr>
+                              </m:ctrlPr>
+                            </m:sSubPr>
+                            <m:e>
+                              <m:r>
+                                <a:rPr lang="da-DK" sz="2400" b="0" i="1" smtClean="0">
+                                  <a:latin typeface="Cambria Math" panose="02040503050406030204" pitchFamily="18" charset="0"/>
+                                </a:rPr>
+                                <m:t>𝛽</m:t>
+                              </m:r>
+                            </m:e>
+                            <m:sub>
+                              <m:r>
+                                <a:rPr lang="da-DK" sz="2400" b="0" i="1" smtClean="0">
+                                  <a:latin typeface="Cambria Math" panose="02040503050406030204" pitchFamily="18" charset="0"/>
+                                </a:rPr>
+                                <m:t>𝑖</m:t>
+                              </m:r>
+                            </m:sub>
+                          </m:sSub>
+                          <m:sSub>
+                            <m:sSubPr>
+                              <m:ctrlPr>
+                                <a:rPr lang="da-DK" sz="2400" b="0" i="1" smtClean="0">
+                                  <a:latin typeface="Cambria Math" panose="02040503050406030204" pitchFamily="18" charset="0"/>
+                                </a:rPr>
+                              </m:ctrlPr>
+                            </m:sSubPr>
+                            <m:e>
+                              <m:r>
+                                <m:rPr>
+                                  <m:sty m:val="p"/>
+                                </m:rPr>
+                                <a:rPr lang="da-DK" sz="2400" b="0" i="0" smtClean="0">
+                                  <a:latin typeface="Cambria Math" panose="02040503050406030204" pitchFamily="18" charset="0"/>
+                                </a:rPr>
+                                <m:t>Δ</m:t>
+                              </m:r>
+                            </m:e>
+                            <m:sub>
+                              <m:r>
+                                <a:rPr lang="da-DK" sz="2400" b="0" i="1" smtClean="0">
+                                  <a:latin typeface="Cambria Math" panose="02040503050406030204" pitchFamily="18" charset="0"/>
+                                </a:rPr>
+                                <m:t>𝑑</m:t>
+                              </m:r>
+                            </m:sub>
+                          </m:sSub>
+                          <m:sSub>
+                            <m:sSubPr>
+                              <m:ctrlPr>
+                                <a:rPr lang="da-DK" sz="2400" b="0" i="1" smtClean="0">
+                                  <a:latin typeface="Cambria Math" panose="02040503050406030204" pitchFamily="18" charset="0"/>
+                                </a:rPr>
+                              </m:ctrlPr>
+                            </m:sSubPr>
+                            <m:e>
+                              <m:r>
+                                <a:rPr lang="da-DK" sz="2400" b="0" i="1" smtClean="0">
+                                  <a:latin typeface="Cambria Math" panose="02040503050406030204" pitchFamily="18" charset="0"/>
+                                </a:rPr>
+                                <m:t>𝑦</m:t>
+                              </m:r>
+                            </m:e>
+                            <m:sub>
+                              <m:r>
+                                <a:rPr lang="da-DK" sz="2400" b="0" i="1" smtClean="0">
+                                  <a:latin typeface="Cambria Math" panose="02040503050406030204" pitchFamily="18" charset="0"/>
+                                </a:rPr>
+                                <m:t>𝑡</m:t>
+                              </m:r>
+                              <m:r>
+                                <a:rPr lang="da-DK" sz="2400" b="0" i="1" smtClean="0">
+                                  <a:latin typeface="Cambria Math" panose="02040503050406030204" pitchFamily="18" charset="0"/>
+                                </a:rPr>
+                                <m:t>−</m:t>
+                              </m:r>
+                              <m:r>
+                                <a:rPr lang="da-DK" sz="2400" b="0" i="1" smtClean="0">
+                                  <a:latin typeface="Cambria Math" panose="02040503050406030204" pitchFamily="18" charset="0"/>
+                                </a:rPr>
+                                <m:t>𝑖</m:t>
+                              </m:r>
+                            </m:sub>
+                          </m:sSub>
+                        </m:e>
+                      </m:nary>
+                      <m:r>
+                        <a:rPr lang="da-DK" sz="2400" b="0" i="1" smtClean="0">
+                          <a:latin typeface="Cambria Math" panose="02040503050406030204" pitchFamily="18" charset="0"/>
+                        </a:rPr>
+                        <m:t>+</m:t>
+                      </m:r>
+                      <m:nary>
+                        <m:naryPr>
+                          <m:chr m:val="∑"/>
+                          <m:ctrlPr>
+                            <a:rPr lang="da-DK" sz="2400" b="0" i="1" smtClean="0">
+                              <a:latin typeface="Cambria Math" panose="02040503050406030204" pitchFamily="18" charset="0"/>
+                            </a:rPr>
+                          </m:ctrlPr>
+                        </m:naryPr>
+                        <m:sub>
+                          <m:r>
+                            <m:rPr>
+                              <m:brk m:alnAt="23"/>
+                            </m:rPr>
+                            <a:rPr lang="da-DK" sz="2400" b="0" i="1" smtClean="0">
+                              <a:latin typeface="Cambria Math" panose="02040503050406030204" pitchFamily="18" charset="0"/>
+                            </a:rPr>
+                            <m:t>𝑗</m:t>
+                          </m:r>
+                          <m:r>
+                            <a:rPr lang="da-DK" sz="2400" b="0" i="1" smtClean="0">
+                              <a:latin typeface="Cambria Math" panose="02040503050406030204" pitchFamily="18" charset="0"/>
+                            </a:rPr>
+                            <m:t>=1</m:t>
+                          </m:r>
+                        </m:sub>
+                        <m:sup>
+                          <m:r>
+                            <a:rPr lang="da-DK" sz="2400" b="0" i="1" smtClean="0">
+                              <a:latin typeface="Cambria Math" panose="02040503050406030204" pitchFamily="18" charset="0"/>
+                            </a:rPr>
+                            <m:t>𝑞</m:t>
+                          </m:r>
+                        </m:sup>
+                        <m:e>
+                          <m:sSub>
+                            <m:sSubPr>
+                              <m:ctrlPr>
+                                <a:rPr lang="da-DK" sz="2400" b="0" i="1" smtClean="0">
+                                  <a:latin typeface="Cambria Math" panose="02040503050406030204" pitchFamily="18" charset="0"/>
+                                </a:rPr>
+                              </m:ctrlPr>
+                            </m:sSubPr>
+                            <m:e>
+                              <m:r>
+                                <a:rPr lang="da-DK" sz="2400" b="0" i="1" smtClean="0">
+                                  <a:latin typeface="Cambria Math" panose="02040503050406030204" pitchFamily="18" charset="0"/>
+                                </a:rPr>
+                                <m:t>𝛾</m:t>
+                              </m:r>
+                            </m:e>
+                            <m:sub>
+                              <m:r>
+                                <a:rPr lang="da-DK" sz="2400" b="0" i="1" smtClean="0">
+                                  <a:latin typeface="Cambria Math" panose="02040503050406030204" pitchFamily="18" charset="0"/>
+                                </a:rPr>
+                                <m:t>𝑗</m:t>
+                              </m:r>
+                            </m:sub>
+                          </m:sSub>
+                          <m:sSub>
+                            <m:sSubPr>
+                              <m:ctrlPr>
+                                <a:rPr lang="da-DK" sz="2400" b="0" i="1" smtClean="0">
+                                  <a:latin typeface="Cambria Math" panose="02040503050406030204" pitchFamily="18" charset="0"/>
+                                </a:rPr>
+                              </m:ctrlPr>
+                            </m:sSubPr>
+                            <m:e>
+                              <m:r>
+                                <m:rPr>
+                                  <m:sty m:val="p"/>
+                                </m:rPr>
+                                <a:rPr lang="da-DK" sz="2400" b="0" i="0" smtClean="0">
+                                  <a:latin typeface="Cambria Math" panose="02040503050406030204" pitchFamily="18" charset="0"/>
+                                </a:rPr>
+                                <m:t>Δ</m:t>
+                              </m:r>
+                            </m:e>
+                            <m:sub>
+                              <m:r>
+                                <a:rPr lang="da-DK" sz="2400" b="0" i="1" smtClean="0">
+                                  <a:latin typeface="Cambria Math" panose="02040503050406030204" pitchFamily="18" charset="0"/>
+                                </a:rPr>
+                                <m:t>𝑑</m:t>
+                              </m:r>
+                            </m:sub>
+                          </m:sSub>
+                          <m:sSub>
+                            <m:sSubPr>
+                              <m:ctrlPr>
+                                <a:rPr lang="da-DK" sz="2400" b="0" i="1" smtClean="0">
+                                  <a:latin typeface="Cambria Math" panose="02040503050406030204" pitchFamily="18" charset="0"/>
+                                </a:rPr>
+                              </m:ctrlPr>
+                            </m:sSubPr>
+                            <m:e>
+                              <m:r>
+                                <a:rPr lang="da-DK" sz="2400" b="0" i="1" smtClean="0">
+                                  <a:latin typeface="Cambria Math" panose="02040503050406030204" pitchFamily="18" charset="0"/>
+                                </a:rPr>
+                                <m:t>𝑢</m:t>
+                              </m:r>
+                            </m:e>
+                            <m:sub>
+                              <m:r>
+                                <a:rPr lang="da-DK" sz="2400" b="0" i="1" smtClean="0">
+                                  <a:latin typeface="Cambria Math" panose="02040503050406030204" pitchFamily="18" charset="0"/>
+                                </a:rPr>
+                                <m:t>𝑡</m:t>
+                              </m:r>
+                              <m:r>
+                                <a:rPr lang="da-DK" sz="2400" b="0" i="1" smtClean="0">
+                                  <a:latin typeface="Cambria Math" panose="02040503050406030204" pitchFamily="18" charset="0"/>
+                                </a:rPr>
+                                <m:t>−</m:t>
+                              </m:r>
+                              <m:r>
+                                <a:rPr lang="da-DK" sz="2400" b="0" i="1" smtClean="0">
+                                  <a:latin typeface="Cambria Math" panose="02040503050406030204" pitchFamily="18" charset="0"/>
+                                </a:rPr>
+                                <m:t>𝑗</m:t>
+                              </m:r>
+                            </m:sub>
+                          </m:sSub>
+                        </m:e>
+                      </m:nary>
+                      <m:r>
+                        <a:rPr lang="da-DK" sz="2400" b="0" i="1" smtClean="0">
+                          <a:latin typeface="Cambria Math" panose="02040503050406030204" pitchFamily="18" charset="0"/>
+                        </a:rPr>
+                        <m:t>+</m:t>
+                      </m:r>
+                      <m:nary>
+                        <m:naryPr>
+                          <m:chr m:val="∑"/>
+                          <m:ctrlPr>
+                            <a:rPr lang="da-DK" sz="2400" b="0" i="1" smtClean="0">
+                              <a:latin typeface="Cambria Math" panose="02040503050406030204" pitchFamily="18" charset="0"/>
+                            </a:rPr>
+                          </m:ctrlPr>
+                        </m:naryPr>
+                        <m:sub>
+                          <m:r>
+                            <m:rPr>
+                              <m:brk m:alnAt="23"/>
+                            </m:rPr>
+                            <a:rPr lang="da-DK" sz="2400" b="0" i="1" smtClean="0">
+                              <a:latin typeface="Cambria Math" panose="02040503050406030204" pitchFamily="18" charset="0"/>
+                            </a:rPr>
+                            <m:t>𝑘</m:t>
+                          </m:r>
+                          <m:r>
+                            <a:rPr lang="da-DK" sz="2400" b="0" i="1" smtClean="0">
+                              <a:latin typeface="Cambria Math" panose="02040503050406030204" pitchFamily="18" charset="0"/>
+                            </a:rPr>
+                            <m:t>=1</m:t>
+                          </m:r>
+                        </m:sub>
+                        <m:sup>
+                          <m:r>
+                            <a:rPr lang="da-DK" sz="2400" b="0" i="1" smtClean="0">
+                              <a:latin typeface="Cambria Math" panose="02040503050406030204" pitchFamily="18" charset="0"/>
+                            </a:rPr>
+                            <m:t>𝑃</m:t>
+                          </m:r>
+                        </m:sup>
+                        <m:e>
+                          <m:sSub>
+                            <m:sSubPr>
+                              <m:ctrlPr>
+                                <a:rPr lang="da-DK" sz="2400" b="0" i="1" smtClean="0">
+                                  <a:latin typeface="Cambria Math" panose="02040503050406030204" pitchFamily="18" charset="0"/>
+                                </a:rPr>
+                              </m:ctrlPr>
+                            </m:sSubPr>
+                            <m:e>
+                              <m:r>
+                                <a:rPr lang="da-DK" sz="2400" b="0" i="1" smtClean="0">
+                                  <a:latin typeface="Cambria Math" panose="02040503050406030204" pitchFamily="18" charset="0"/>
+                                </a:rPr>
+                                <m:t>𝜁</m:t>
+                              </m:r>
+                            </m:e>
+                            <m:sub>
+                              <m:r>
+                                <a:rPr lang="da-DK" sz="2400" b="0" i="1" smtClean="0">
+                                  <a:latin typeface="Cambria Math" panose="02040503050406030204" pitchFamily="18" charset="0"/>
+                                </a:rPr>
+                                <m:t>𝑘</m:t>
+                              </m:r>
+                            </m:sub>
+                          </m:sSub>
+                          <m:sSub>
+                            <m:sSubPr>
+                              <m:ctrlPr>
+                                <a:rPr lang="da-DK" sz="2400" b="0" i="1" smtClean="0">
+                                  <a:latin typeface="Cambria Math" panose="02040503050406030204" pitchFamily="18" charset="0"/>
+                                </a:rPr>
+                              </m:ctrlPr>
+                            </m:sSubPr>
+                            <m:e>
+                              <m:r>
+                                <m:rPr>
+                                  <m:sty m:val="p"/>
+                                </m:rPr>
+                                <a:rPr lang="da-DK" sz="2400" b="0" i="0" smtClean="0">
+                                  <a:latin typeface="Cambria Math" panose="02040503050406030204" pitchFamily="18" charset="0"/>
+                                </a:rPr>
+                                <m:t>Δ</m:t>
+                              </m:r>
+                            </m:e>
+                            <m:sub>
+                              <m:r>
+                                <a:rPr lang="da-DK" sz="2400" b="0" i="1" smtClean="0">
+                                  <a:latin typeface="Cambria Math" panose="02040503050406030204" pitchFamily="18" charset="0"/>
+                                </a:rPr>
+                                <m:t>𝐷</m:t>
+                              </m:r>
+                            </m:sub>
+                          </m:sSub>
+                          <m:sSub>
+                            <m:sSubPr>
+                              <m:ctrlPr>
+                                <a:rPr lang="da-DK" sz="2400" b="0" i="1" smtClean="0">
+                                  <a:latin typeface="Cambria Math" panose="02040503050406030204" pitchFamily="18" charset="0"/>
+                                </a:rPr>
+                              </m:ctrlPr>
+                            </m:sSubPr>
+                            <m:e>
+                              <m:r>
+                                <a:rPr lang="da-DK" sz="2400" b="0" i="1" smtClean="0">
+                                  <a:latin typeface="Cambria Math" panose="02040503050406030204" pitchFamily="18" charset="0"/>
+                                </a:rPr>
+                                <m:t>𝑦</m:t>
+                              </m:r>
+                            </m:e>
+                            <m:sub>
+                              <m:r>
+                                <a:rPr lang="da-DK" sz="2400" b="0" i="1" smtClean="0">
+                                  <a:latin typeface="Cambria Math" panose="02040503050406030204" pitchFamily="18" charset="0"/>
+                                </a:rPr>
+                                <m:t>𝑡</m:t>
+                              </m:r>
+                              <m:r>
+                                <a:rPr lang="da-DK" sz="2400" b="0" i="1" smtClean="0">
+                                  <a:latin typeface="Cambria Math" panose="02040503050406030204" pitchFamily="18" charset="0"/>
+                                </a:rPr>
+                                <m:t>−</m:t>
+                              </m:r>
+                              <m:r>
+                                <a:rPr lang="da-DK" sz="2400" b="0" i="1" smtClean="0">
+                                  <a:latin typeface="Cambria Math" panose="02040503050406030204" pitchFamily="18" charset="0"/>
+                                </a:rPr>
+                                <m:t>𝑇</m:t>
+                              </m:r>
+                              <m:r>
+                                <a:rPr lang="da-DK" sz="2400" b="0" i="1" smtClean="0">
+                                  <a:latin typeface="Cambria Math" panose="02040503050406030204" pitchFamily="18" charset="0"/>
+                                </a:rPr>
+                                <m:t>⋅</m:t>
+                              </m:r>
+                              <m:r>
+                                <a:rPr lang="da-DK" sz="2400" b="0" i="1" smtClean="0">
+                                  <a:latin typeface="Cambria Math" panose="02040503050406030204" pitchFamily="18" charset="0"/>
+                                </a:rPr>
+                                <m:t>𝑘</m:t>
+                              </m:r>
+                            </m:sub>
+                          </m:sSub>
+                        </m:e>
+                      </m:nary>
+                      <m:r>
+                        <a:rPr lang="da-DK" sz="2400" b="0" i="1" smtClean="0">
+                          <a:latin typeface="Cambria Math" panose="02040503050406030204" pitchFamily="18" charset="0"/>
+                        </a:rPr>
+                        <m:t>+</m:t>
+                      </m:r>
+                      <m:nary>
+                        <m:naryPr>
+                          <m:chr m:val="∑"/>
+                          <m:ctrlPr>
+                            <a:rPr lang="da-DK" sz="2400" b="0" i="1" smtClean="0">
+                              <a:latin typeface="Cambria Math" panose="02040503050406030204" pitchFamily="18" charset="0"/>
+                            </a:rPr>
+                          </m:ctrlPr>
+                        </m:naryPr>
+                        <m:sub>
+                          <m:r>
+                            <m:rPr>
+                              <m:brk m:alnAt="23"/>
+                            </m:rPr>
+                            <a:rPr lang="da-DK" sz="2400" b="0" i="1" smtClean="0">
+                              <a:latin typeface="Cambria Math" panose="02040503050406030204" pitchFamily="18" charset="0"/>
+                            </a:rPr>
+                            <m:t>𝑙</m:t>
+                          </m:r>
+                          <m:r>
+                            <a:rPr lang="da-DK" sz="2400" b="0" i="1" smtClean="0">
+                              <a:latin typeface="Cambria Math" panose="02040503050406030204" pitchFamily="18" charset="0"/>
+                            </a:rPr>
+                            <m:t>=1</m:t>
+                          </m:r>
+                        </m:sub>
+                        <m:sup>
+                          <m:r>
+                            <a:rPr lang="da-DK" sz="2400" b="0" i="1" smtClean="0">
+                              <a:latin typeface="Cambria Math" panose="02040503050406030204" pitchFamily="18" charset="0"/>
+                            </a:rPr>
+                            <m:t>𝑄</m:t>
+                          </m:r>
+                        </m:sup>
+                        <m:e>
+                          <m:sSub>
+                            <m:sSubPr>
+                              <m:ctrlPr>
+                                <a:rPr lang="da-DK" sz="2400" b="0" i="1" smtClean="0">
+                                  <a:latin typeface="Cambria Math" panose="02040503050406030204" pitchFamily="18" charset="0"/>
+                                </a:rPr>
+                              </m:ctrlPr>
+                            </m:sSubPr>
+                            <m:e>
+                              <m:r>
+                                <a:rPr lang="da-DK" sz="2400" b="0" i="1" smtClean="0">
+                                  <a:latin typeface="Cambria Math" panose="02040503050406030204" pitchFamily="18" charset="0"/>
+                                </a:rPr>
+                                <m:t>𝜂</m:t>
+                              </m:r>
+                            </m:e>
+                            <m:sub>
+                              <m:r>
+                                <a:rPr lang="da-DK" sz="2400" b="0" i="1" smtClean="0">
+                                  <a:latin typeface="Cambria Math" panose="02040503050406030204" pitchFamily="18" charset="0"/>
+                                </a:rPr>
+                                <m:t>𝑙</m:t>
+                              </m:r>
+                            </m:sub>
+                          </m:sSub>
+                          <m:sSub>
+                            <m:sSubPr>
+                              <m:ctrlPr>
+                                <a:rPr lang="da-DK" sz="2400" b="0" i="1" smtClean="0">
+                                  <a:latin typeface="Cambria Math" panose="02040503050406030204" pitchFamily="18" charset="0"/>
+                                </a:rPr>
+                              </m:ctrlPr>
+                            </m:sSubPr>
+                            <m:e>
+                              <m:r>
+                                <m:rPr>
+                                  <m:sty m:val="p"/>
+                                </m:rPr>
+                                <a:rPr lang="da-DK" sz="2400" b="0" i="0" smtClean="0">
+                                  <a:latin typeface="Cambria Math" panose="02040503050406030204" pitchFamily="18" charset="0"/>
+                                </a:rPr>
+                                <m:t>Δ</m:t>
+                              </m:r>
+                            </m:e>
+                            <m:sub>
+                              <m:r>
+                                <a:rPr lang="da-DK" sz="2400" b="0" i="1" smtClean="0">
+                                  <a:latin typeface="Cambria Math" panose="02040503050406030204" pitchFamily="18" charset="0"/>
+                                </a:rPr>
+                                <m:t>𝐷</m:t>
+                              </m:r>
+                            </m:sub>
+                          </m:sSub>
+                          <m:sSub>
+                            <m:sSubPr>
+                              <m:ctrlPr>
+                                <a:rPr lang="da-DK" sz="2400" b="0" i="1" smtClean="0">
+                                  <a:latin typeface="Cambria Math" panose="02040503050406030204" pitchFamily="18" charset="0"/>
+                                </a:rPr>
+                              </m:ctrlPr>
+                            </m:sSubPr>
+                            <m:e>
+                              <m:r>
+                                <a:rPr lang="da-DK" sz="2400" b="0" i="1" smtClean="0">
+                                  <a:latin typeface="Cambria Math" panose="02040503050406030204" pitchFamily="18" charset="0"/>
+                                </a:rPr>
+                                <m:t>𝑢</m:t>
+                              </m:r>
+                            </m:e>
+                            <m:sub>
+                              <m:r>
+                                <a:rPr lang="da-DK" sz="2400" b="0" i="1" smtClean="0">
+                                  <a:latin typeface="Cambria Math" panose="02040503050406030204" pitchFamily="18" charset="0"/>
+                                </a:rPr>
+                                <m:t>𝑡</m:t>
+                              </m:r>
+                              <m:r>
+                                <a:rPr lang="da-DK" sz="2400" b="0" i="1" smtClean="0">
+                                  <a:latin typeface="Cambria Math" panose="02040503050406030204" pitchFamily="18" charset="0"/>
+                                </a:rPr>
+                                <m:t>−</m:t>
+                              </m:r>
+                              <m:r>
+                                <a:rPr lang="da-DK" sz="2400" b="0" i="1" smtClean="0">
+                                  <a:latin typeface="Cambria Math" panose="02040503050406030204" pitchFamily="18" charset="0"/>
+                                </a:rPr>
+                                <m:t>𝑇</m:t>
+                              </m:r>
+                              <m:r>
+                                <a:rPr lang="da-DK" sz="2400" b="0" i="1" smtClean="0">
+                                  <a:latin typeface="Cambria Math" panose="02040503050406030204" pitchFamily="18" charset="0"/>
+                                </a:rPr>
+                                <m:t>⋅</m:t>
+                              </m:r>
+                              <m:r>
+                                <a:rPr lang="da-DK" sz="2400" b="0" i="1" smtClean="0">
+                                  <a:latin typeface="Cambria Math" panose="02040503050406030204" pitchFamily="18" charset="0"/>
+                                </a:rPr>
+                                <m:t>𝑙</m:t>
+                              </m:r>
+                            </m:sub>
+                          </m:sSub>
+                        </m:e>
+                      </m:nary>
+                      <m:r>
+                        <a:rPr lang="da-DK" sz="2400" b="0" i="1" smtClean="0">
+                          <a:latin typeface="Cambria Math" panose="02040503050406030204" pitchFamily="18" charset="0"/>
+                        </a:rPr>
+                        <m:t>+</m:t>
+                      </m:r>
+                      <m:sSub>
+                        <m:sSubPr>
+                          <m:ctrlPr>
+                            <a:rPr lang="da-DK" sz="2400" b="0" i="1" smtClean="0">
+                              <a:latin typeface="Cambria Math" panose="02040503050406030204" pitchFamily="18" charset="0"/>
+                            </a:rPr>
+                          </m:ctrlPr>
+                        </m:sSubPr>
+                        <m:e>
+                          <m:r>
+                            <m:rPr>
+                              <m:sty m:val="p"/>
+                            </m:rPr>
+                            <a:rPr lang="da-DK" sz="2400" b="0" i="0" smtClean="0">
+                              <a:latin typeface="Cambria Math" panose="02040503050406030204" pitchFamily="18" charset="0"/>
+                            </a:rPr>
+                            <m:t>Δ</m:t>
+                          </m:r>
+                        </m:e>
+                        <m:sub>
+                          <m:r>
+                            <a:rPr lang="da-DK" sz="2400" b="0" i="1" smtClean="0">
+                              <a:latin typeface="Cambria Math" panose="02040503050406030204" pitchFamily="18" charset="0"/>
+                            </a:rPr>
+                            <m:t>𝑑</m:t>
+                          </m:r>
+                        </m:sub>
+                      </m:sSub>
+                      <m:sSub>
+                        <m:sSubPr>
+                          <m:ctrlPr>
+                            <a:rPr lang="da-DK" sz="2400" b="0" i="1" smtClean="0">
+                              <a:latin typeface="Cambria Math" panose="02040503050406030204" pitchFamily="18" charset="0"/>
+                            </a:rPr>
+                          </m:ctrlPr>
+                        </m:sSubPr>
+                        <m:e>
+                          <m:r>
+                            <a:rPr lang="da-DK" sz="2400" b="0" i="1" smtClean="0">
+                              <a:latin typeface="Cambria Math" panose="02040503050406030204" pitchFamily="18" charset="0"/>
+                            </a:rPr>
+                            <m:t>𝑢</m:t>
+                          </m:r>
+                        </m:e>
+                        <m:sub>
+                          <m:r>
+                            <a:rPr lang="da-DK" sz="2400" b="0" i="1" smtClean="0">
+                              <a:latin typeface="Cambria Math" panose="02040503050406030204" pitchFamily="18" charset="0"/>
+                            </a:rPr>
+                            <m:t>𝑡</m:t>
+                          </m:r>
+                        </m:sub>
+                      </m:sSub>
+                    </m:oMath>
+                  </m:oMathPara>
+                </a14:m>
+                <a:endParaRPr lang="da-DK" dirty="0"/>
+              </a:p>
+              <a:p>
+                <a:pPr marL="0" indent="0">
+                  <a:buNone/>
+                </a:pPr>
+                <a:endParaRPr lang="da-DK" dirty="0"/>
+              </a:p>
+              <a:p>
+                <a:r>
+                  <a:rPr lang="da-DK" dirty="0">
+                    <a:latin typeface="Times New Roman" panose="02020603050405020304" pitchFamily="18" charset="0"/>
+                    <a:cs typeface="Times New Roman" panose="02020603050405020304" pitchFamily="18" charset="0"/>
+                  </a:rPr>
+                  <a:t>24 timers Day-</a:t>
+                </a:r>
+                <a:r>
+                  <a:rPr lang="da-DK" dirty="0" err="1">
+                    <a:latin typeface="Times New Roman" panose="02020603050405020304" pitchFamily="18" charset="0"/>
+                    <a:cs typeface="Times New Roman" panose="02020603050405020304" pitchFamily="18" charset="0"/>
+                  </a:rPr>
+                  <a:t>Ahead</a:t>
+                </a:r>
+                <a:r>
+                  <a:rPr lang="da-DK" dirty="0">
+                    <a:latin typeface="Times New Roman" panose="02020603050405020304" pitchFamily="18" charset="0"/>
+                    <a:cs typeface="Times New Roman" panose="02020603050405020304" pitchFamily="18" charset="0"/>
+                  </a:rPr>
+                  <a:t> forecast med </a:t>
+                </a:r>
+                <a:r>
+                  <a:rPr lang="da-DK" dirty="0" err="1">
+                    <a:latin typeface="Times New Roman" panose="02020603050405020304" pitchFamily="18" charset="0"/>
+                    <a:cs typeface="Times New Roman" panose="02020603050405020304" pitchFamily="18" charset="0"/>
+                  </a:rPr>
+                  <a:t>fixed</a:t>
+                </a:r>
+                <a:r>
+                  <a:rPr lang="da-DK" dirty="0">
+                    <a:latin typeface="Times New Roman" panose="02020603050405020304" pitchFamily="18" charset="0"/>
+                    <a:cs typeface="Times New Roman" panose="02020603050405020304" pitchFamily="18" charset="0"/>
+                  </a:rPr>
+                  <a:t> </a:t>
+                </a:r>
+                <a:r>
+                  <a:rPr lang="da-DK" dirty="0" err="1">
+                    <a:latin typeface="Times New Roman" panose="02020603050405020304" pitchFamily="18" charset="0"/>
+                    <a:cs typeface="Times New Roman" panose="02020603050405020304" pitchFamily="18" charset="0"/>
+                  </a:rPr>
+                  <a:t>window</a:t>
+                </a:r>
+                <a:r>
+                  <a:rPr lang="da-DK" dirty="0">
+                    <a:latin typeface="Times New Roman" panose="02020603050405020304" pitchFamily="18" charset="0"/>
+                    <a:cs typeface="Times New Roman" panose="02020603050405020304" pitchFamily="18" charset="0"/>
+                  </a:rPr>
+                  <a:t> estimation</a:t>
+                </a:r>
+              </a:p>
+              <a:p>
+                <a:r>
+                  <a:rPr lang="da-DK" dirty="0">
+                    <a:latin typeface="Times New Roman" panose="02020603050405020304" pitchFamily="18" charset="0"/>
+                    <a:cs typeface="Times New Roman" panose="02020603050405020304" pitchFamily="18" charset="0"/>
+                  </a:rPr>
+                  <a:t>Evalueres over 28 dage</a:t>
+                </a:r>
+              </a:p>
+            </p:txBody>
+          </p:sp>
+        </mc:Choice>
+        <mc:Fallback>
+          <p:sp>
+            <p:nvSpPr>
+              <p:cNvPr id="3" name="Pladsholder til indhold 2">
+                <a:extLst>
+                  <a:ext uri="{FF2B5EF4-FFF2-40B4-BE49-F238E27FC236}">
+                    <a16:creationId xmlns:a16="http://schemas.microsoft.com/office/drawing/2014/main" id="{3DD46F94-7548-806C-5590-E52275EBE6AC}"/>
+                  </a:ext>
+                </a:extLst>
+              </p:cNvPr>
+              <p:cNvSpPr>
+                <a:spLocks noGrp="1" noRot="1" noChangeAspect="1" noMove="1" noResize="1" noEditPoints="1" noAdjustHandles="1" noChangeArrowheads="1" noChangeShapeType="1" noTextEdit="1"/>
+              </p:cNvSpPr>
+              <p:nvPr>
+                <p:ph idx="1"/>
+              </p:nvPr>
+            </p:nvSpPr>
+            <p:spPr>
+              <a:blipFill>
+                <a:blip r:embed="rId2"/>
+                <a:stretch>
+                  <a:fillRect l="-1086" t="-20640"/>
+                </a:stretch>
+              </a:blipFill>
+            </p:spPr>
+            <p:txBody>
+              <a:bodyPr/>
+              <a:lstStyle/>
+              <a:p>
+                <a:r>
+                  <a:rPr lang="da-DK">
+                    <a:noFill/>
+                  </a:rPr>
+                  <a:t> </a:t>
+                </a:r>
+              </a:p>
+            </p:txBody>
+          </p:sp>
+        </mc:Fallback>
+      </mc:AlternateContent>
+    </p:spTree>
+    <p:extLst>
+      <p:ext uri="{BB962C8B-B14F-4D97-AF65-F5344CB8AC3E}">
+        <p14:creationId xmlns:p14="http://schemas.microsoft.com/office/powerpoint/2010/main" val="941622133"/>
+      </p:ext>
+    </p:extLst>
+  </p:cSld>
+  <p:clrMapOvr>
+    <a:masterClrMapping/>
+  </p:clrMapOvr>
+</p:sld>
+</file>
+
+<file path=ppt/slides/slide9.xml><?xml version="1.0" encoding="utf-8"?>
+<p:sld xmlns:a="http://schemas.openxmlformats.org/drawingml/2006/main" xmlns:r="http://schemas.openxmlformats.org/officeDocument/2006/relationships" xmlns:p="http://schemas.openxmlformats.org/presentationml/2006/main">
+  <p:cSld>
+    <p:spTree>
+      <p:nvGrpSpPr>
+        <p:cNvPr id="1" name=""/>
+        <p:cNvGrpSpPr/>
+        <p:nvPr/>
+      </p:nvGrpSpPr>
+      <p:grpSpPr>
+        <a:xfrm>
+          <a:off x="0" y="0"/>
+          <a:ext cx="0" cy="0"/>
+          <a:chOff x="0" y="0"/>
+          <a:chExt cx="0" cy="0"/>
+        </a:xfrm>
+      </p:grpSpPr>
+      <p:sp>
+        <p:nvSpPr>
+          <p:cNvPr id="2" name="Titel 1">
+            <a:extLst>
+              <a:ext uri="{FF2B5EF4-FFF2-40B4-BE49-F238E27FC236}">
+                <a16:creationId xmlns:a16="http://schemas.microsoft.com/office/drawing/2014/main" id="{354B08C9-B480-8EDD-006E-C6D05D653EC7}"/>
+              </a:ext>
+            </a:extLst>
+          </p:cNvPr>
+          <p:cNvSpPr>
+            <a:spLocks noGrp="1"/>
+          </p:cNvSpPr>
+          <p:nvPr>
+            <p:ph type="title"/>
+          </p:nvPr>
+        </p:nvSpPr>
+        <p:spPr/>
+        <p:txBody>
+          <a:bodyPr/>
+          <a:lstStyle/>
+          <a:p>
+            <a:r>
+              <a:rPr lang="da-DK" dirty="0" err="1">
+                <a:latin typeface="Times New Roman" panose="02020603050405020304" pitchFamily="18" charset="0"/>
+                <a:cs typeface="Times New Roman" panose="02020603050405020304" pitchFamily="18" charset="0"/>
+              </a:rPr>
+              <a:t>Forecasting</a:t>
+            </a:r>
+            <a:endParaRPr lang="da-DK" dirty="0">
+              <a:latin typeface="Times New Roman" panose="02020603050405020304" pitchFamily="18" charset="0"/>
+              <a:cs typeface="Times New Roman" panose="02020603050405020304" pitchFamily="18" charset="0"/>
+            </a:endParaRPr>
           </a:p>
         </p:txBody>
       </p:sp>
       <p:pic>
         <p:nvPicPr>
-          <p:cNvPr id="6" name="Billede 5">
-            <a:extLst>
-              <a:ext uri="{FF2B5EF4-FFF2-40B4-BE49-F238E27FC236}">
-                <a16:creationId xmlns:a16="http://schemas.microsoft.com/office/drawing/2014/main" id="{512E695C-EF65-892B-DCDB-8EA3A7AE4389}"/>
+          <p:cNvPr id="4" name="Pladsholder til indhold 3">
+            <a:extLst>
+              <a:ext uri="{FF2B5EF4-FFF2-40B4-BE49-F238E27FC236}">
+                <a16:creationId xmlns:a16="http://schemas.microsoft.com/office/drawing/2014/main" id="{7F8DAFB4-4B65-05BB-4C2D-01577188A679}"/>
               </a:ext>
             </a:extLst>
           </p:cNvPr>
           <p:cNvPicPr>
-            <a:picLocks noChangeAspect="1"/>
+            <a:picLocks noGrp="1" noChangeAspect="1"/>
           </p:cNvPicPr>
-          <p:nvPr/>
+          <p:nvPr>
+            <p:ph idx="1"/>
+          </p:nvPr>
         </p:nvPicPr>
-        <p:blipFill>
+        <p:blipFill rotWithShape="1">
           <a:blip r:embed="rId2"/>
-          <a:stretch>
-            <a:fillRect/>
-          </a:stretch>
+          <a:srcRect l="-1" r="1768"/>
+          <a:stretch/>
         </p:blipFill>
         <p:spPr>
           <a:xfrm>
-            <a:off x="5681331" y="4130426"/>
-            <a:ext cx="5400000" cy="2278125"/>
+            <a:off x="835508" y="1593242"/>
+            <a:ext cx="3330682" cy="2340000"/>
           </a:xfrm>
           <a:prstGeom prst="rect">
             <a:avLst/>
@@ -5780,7 +7325,7 @@
           <p:cNvPr id="7" name="Billede 6">
             <a:extLst>
               <a:ext uri="{FF2B5EF4-FFF2-40B4-BE49-F238E27FC236}">
-                <a16:creationId xmlns:a16="http://schemas.microsoft.com/office/drawing/2014/main" id="{F4C04E62-BC21-D684-2F6F-E16D6AB479BB}"/>
+                <a16:creationId xmlns:a16="http://schemas.microsoft.com/office/drawing/2014/main" id="{6898CD29-2D12-052D-1B05-40F2001DE668}"/>
               </a:ext>
             </a:extLst>
           </p:cNvPr>
@@ -5797,8 +7342,8 @@
         </p:blipFill>
         <p:spPr>
           <a:xfrm>
-            <a:off x="892431" y="1316225"/>
-            <a:ext cx="4321421" cy="5094000"/>
+            <a:off x="6621450" y="1027906"/>
+            <a:ext cx="4732350" cy="4351338"/>
           </a:xfrm>
           <a:prstGeom prst="rect">
             <a:avLst/>
@@ -5807,10 +7352,10 @@
       </p:pic>
       <p:pic>
         <p:nvPicPr>
-          <p:cNvPr id="8" name="Billede 7">
-            <a:extLst>
-              <a:ext uri="{FF2B5EF4-FFF2-40B4-BE49-F238E27FC236}">
-                <a16:creationId xmlns:a16="http://schemas.microsoft.com/office/drawing/2014/main" id="{71EEC4C6-F335-F7D3-EA48-65045EB744ED}"/>
+          <p:cNvPr id="5" name="Billede 4">
+            <a:extLst>
+              <a:ext uri="{FF2B5EF4-FFF2-40B4-BE49-F238E27FC236}">
+                <a16:creationId xmlns:a16="http://schemas.microsoft.com/office/drawing/2014/main" id="{D4D4C4C4-DE6B-110E-277F-CF70A6A747AD}"/>
               </a:ext>
             </a:extLst>
           </p:cNvPr>
@@ -5819,26 +7364,119 @@
           </p:cNvPicPr>
           <p:nvPr/>
         </p:nvPicPr>
-        <p:blipFill>
+        <p:blipFill rotWithShape="1">
           <a:blip r:embed="rId4"/>
-          <a:stretch>
-            <a:fillRect/>
-          </a:stretch>
+          <a:srcRect t="360" r="1872" b="-469"/>
+          <a:stretch/>
         </p:blipFill>
         <p:spPr>
           <a:xfrm>
-            <a:off x="5681331" y="1316226"/>
-            <a:ext cx="4320000" cy="2376944"/>
+            <a:off x="838199" y="4088126"/>
+            <a:ext cx="3300109" cy="2340000"/>
           </a:xfrm>
           <a:prstGeom prst="rect">
             <a:avLst/>
           </a:prstGeom>
         </p:spPr>
       </p:pic>
+      <p:sp>
+        <p:nvSpPr>
+          <p:cNvPr id="6" name="Tekstfelt 5">
+            <a:extLst>
+              <a:ext uri="{FF2B5EF4-FFF2-40B4-BE49-F238E27FC236}">
+                <a16:creationId xmlns:a16="http://schemas.microsoft.com/office/drawing/2014/main" id="{30A395C3-2E6A-4185-9626-533EEFFF13A7}"/>
+              </a:ext>
+            </a:extLst>
+          </p:cNvPr>
+          <p:cNvSpPr txBox="1"/>
+          <p:nvPr/>
+        </p:nvSpPr>
+        <p:spPr>
+          <a:xfrm>
+            <a:off x="838200" y="1407544"/>
+            <a:ext cx="3327990" cy="461665"/>
+          </a:xfrm>
+          <a:prstGeom prst="rect">
+            <a:avLst/>
+          </a:prstGeom>
+          <a:noFill/>
+        </p:spPr>
+        <p:txBody>
+          <a:bodyPr wrap="square" rtlCol="0">
+            <a:spAutoFit/>
+          </a:bodyPr>
+          <a:lstStyle/>
+          <a:p>
+            <a:r>
+              <a:rPr lang="da-DK" sz="1200" dirty="0">
+                <a:latin typeface="Times New Roman" panose="02020603050405020304" pitchFamily="18" charset="0"/>
+                <a:cs typeface="Times New Roman" panose="02020603050405020304" pitchFamily="18" charset="0"/>
+              </a:rPr>
+              <a:t>SARIMA(24, 1, 1)(7, 0, 1)(24) </a:t>
+            </a:r>
+          </a:p>
+          <a:p>
+            <a:r>
+              <a:rPr lang="da-DK" sz="1200" dirty="0">
+                <a:latin typeface="Times New Roman" panose="02020603050405020304" pitchFamily="18" charset="0"/>
+                <a:cs typeface="Times New Roman" panose="02020603050405020304" pitchFamily="18" charset="0"/>
+              </a:rPr>
+              <a:t>RMSE: 344.0</a:t>
+            </a:r>
+          </a:p>
+        </p:txBody>
+      </p:sp>
+      <p:sp>
+        <p:nvSpPr>
+          <p:cNvPr id="8" name="Tekstfelt 7">
+            <a:extLst>
+              <a:ext uri="{FF2B5EF4-FFF2-40B4-BE49-F238E27FC236}">
+                <a16:creationId xmlns:a16="http://schemas.microsoft.com/office/drawing/2014/main" id="{A4E6894D-98C4-ECEA-E68E-E371BDB0410F}"/>
+              </a:ext>
+            </a:extLst>
+          </p:cNvPr>
+          <p:cNvSpPr txBox="1"/>
+          <p:nvPr/>
+        </p:nvSpPr>
+        <p:spPr>
+          <a:xfrm>
+            <a:off x="838199" y="3841940"/>
+            <a:ext cx="6025116" cy="461665"/>
+          </a:xfrm>
+          <a:prstGeom prst="rect">
+            <a:avLst/>
+          </a:prstGeom>
+          <a:noFill/>
+        </p:spPr>
+        <p:txBody>
+          <a:bodyPr wrap="square" rtlCol="0">
+            <a:spAutoFit/>
+          </a:bodyPr>
+          <a:lstStyle/>
+          <a:p>
+            <a:r>
+              <a:rPr lang="da-DK" sz="1200" dirty="0">
+                <a:latin typeface="Times New Roman" panose="02020603050405020304" pitchFamily="18" charset="0"/>
+                <a:cs typeface="Times New Roman" panose="02020603050405020304" pitchFamily="18" charset="0"/>
+              </a:rPr>
+              <a:t>SARIMA(24, 1, 1)(7, 0, 1)(24) + weekend + vind + fossil + biomasse + affald + handel</a:t>
+            </a:r>
+          </a:p>
+          <a:p>
+            <a:r>
+              <a:rPr lang="da-DK" sz="1200" dirty="0">
+                <a:latin typeface="Times New Roman" panose="02020603050405020304" pitchFamily="18" charset="0"/>
+                <a:cs typeface="Times New Roman" panose="02020603050405020304" pitchFamily="18" charset="0"/>
+              </a:rPr>
+              <a:t>RMSE: 263.9</a:t>
+            </a:r>
+          </a:p>
+        </p:txBody>
+      </p:sp>
     </p:spTree>
     <p:extLst>
       <p:ext uri="{BB962C8B-B14F-4D97-AF65-F5344CB8AC3E}">
-        <p14:creationId xmlns:p14="http://schemas.microsoft.com/office/powerpoint/2010/main" val="2179647145"/>
+        <p14:creationId xmlns:p14="http://schemas.microsoft.com/office/powerpoint/2010/main" val="2506765863"/>
       </p:ext>
     </p:extLst>
   </p:cSld>
